--- a/Praesentation/WE-Präsentation3-06_07_18.pptx
+++ b/Praesentation/WE-Präsentation3-06_07_18.pptx
@@ -5,10 +5,10 @@
     <p:sldMasterId id="2147483648" r:id="rId1"/>
   </p:sldMasterIdLst>
   <p:notesMasterIdLst>
-    <p:notesMasterId r:id="rId17"/>
+    <p:notesMasterId r:id="rId18"/>
   </p:notesMasterIdLst>
   <p:handoutMasterIdLst>
-    <p:handoutMasterId r:id="rId18"/>
+    <p:handoutMasterId r:id="rId19"/>
   </p:handoutMasterIdLst>
   <p:sldIdLst>
     <p:sldId id="256" r:id="rId2"/>
@@ -26,6 +26,7 @@
     <p:sldId id="278" r:id="rId14"/>
     <p:sldId id="282" r:id="rId15"/>
     <p:sldId id="280" r:id="rId16"/>
+    <p:sldId id="292" r:id="rId17"/>
   </p:sldIdLst>
   <p:sldSz cx="12188825" cy="6858000"/>
   <p:notesSz cx="6858000" cy="9144000"/>
@@ -4356,6 +4357,511 @@
       <c:style val="2"/>
     </mc:Fallback>
   </mc:AlternateContent>
+  <c:clrMapOvr bg1="lt1" tx1="dk1" bg2="lt2" tx2="dk2" accent1="accent1" accent2="accent2" accent3="accent3" accent4="accent4" accent5="accent5" accent6="accent6" hlink="hlink" folHlink="folHlink"/>
+  <c:chart>
+    <c:autoTitleDeleted val="1"/>
+    <c:plotArea>
+      <c:layout>
+        <c:manualLayout>
+          <c:layoutTarget val="inner"/>
+          <c:xMode val="edge"/>
+          <c:yMode val="edge"/>
+          <c:x val="2.7700724637681157E-2"/>
+          <c:y val="3.1246924515303611E-2"/>
+          <c:w val="0.94671135265700479"/>
+          <c:h val="0.94375553587245353"/>
+        </c:manualLayout>
+      </c:layout>
+      <c:scatterChart>
+        <c:scatterStyle val="smoothMarker"/>
+        <c:varyColors val="0"/>
+        <c:ser>
+          <c:idx val="0"/>
+          <c:order val="0"/>
+          <c:tx>
+            <c:strRef>
+              <c:f>Tabelle1!$J$64</c:f>
+              <c:strCache>
+                <c:ptCount val="1"/>
+                <c:pt idx="0">
+                  <c:v>Y-Werte</c:v>
+                </c:pt>
+              </c:strCache>
+            </c:strRef>
+          </c:tx>
+          <c:spPr>
+            <a:ln w="9525" cap="rnd">
+              <a:solidFill>
+                <a:schemeClr val="accent1"/>
+              </a:solidFill>
+              <a:round/>
+            </a:ln>
+            <a:effectLst/>
+          </c:spPr>
+          <c:marker>
+            <c:symbol val="circle"/>
+            <c:size val="5"/>
+            <c:spPr>
+              <a:gradFill rotWithShape="1">
+                <a:gsLst>
+                  <a:gs pos="0">
+                    <a:schemeClr val="accent1">
+                      <a:satMod val="103000"/>
+                      <a:lumMod val="102000"/>
+                      <a:tint val="94000"/>
+                    </a:schemeClr>
+                  </a:gs>
+                  <a:gs pos="50000">
+                    <a:schemeClr val="accent1">
+                      <a:satMod val="110000"/>
+                      <a:lumMod val="100000"/>
+                      <a:shade val="100000"/>
+                    </a:schemeClr>
+                  </a:gs>
+                  <a:gs pos="100000">
+                    <a:schemeClr val="accent1">
+                      <a:lumMod val="99000"/>
+                      <a:satMod val="120000"/>
+                      <a:shade val="78000"/>
+                    </a:schemeClr>
+                  </a:gs>
+                </a:gsLst>
+                <a:lin ang="5400000" scaled="0"/>
+              </a:gradFill>
+              <a:ln w="9525">
+                <a:solidFill>
+                  <a:schemeClr val="accent1"/>
+                </a:solidFill>
+                <a:round/>
+              </a:ln>
+              <a:effectLst/>
+            </c:spPr>
+          </c:marker>
+          <c:xVal>
+            <c:numRef>
+              <c:f>Tabelle1!$I$65:$I$76</c:f>
+              <c:numCache>
+                <c:formatCode>General</c:formatCode>
+                <c:ptCount val="12"/>
+                <c:pt idx="0">
+                  <c:v>-3</c:v>
+                </c:pt>
+                <c:pt idx="1">
+                  <c:v>-2.5</c:v>
+                </c:pt>
+                <c:pt idx="2">
+                  <c:v>-2</c:v>
+                </c:pt>
+                <c:pt idx="3">
+                  <c:v>-1.5</c:v>
+                </c:pt>
+                <c:pt idx="4">
+                  <c:v>-1</c:v>
+                </c:pt>
+                <c:pt idx="5">
+                  <c:v>-0.5</c:v>
+                </c:pt>
+                <c:pt idx="6">
+                  <c:v>0</c:v>
+                </c:pt>
+                <c:pt idx="7">
+                  <c:v>0.5</c:v>
+                </c:pt>
+                <c:pt idx="8">
+                  <c:v>1</c:v>
+                </c:pt>
+                <c:pt idx="9">
+                  <c:v>1.5</c:v>
+                </c:pt>
+                <c:pt idx="10">
+                  <c:v>2</c:v>
+                </c:pt>
+                <c:pt idx="11">
+                  <c:v>2.5</c:v>
+                </c:pt>
+              </c:numCache>
+            </c:numRef>
+          </c:xVal>
+          <c:yVal>
+            <c:numRef>
+              <c:f>Tabelle1!$J$65:$J$76</c:f>
+              <c:numCache>
+                <c:formatCode>General</c:formatCode>
+                <c:ptCount val="12"/>
+                <c:pt idx="1">
+                  <c:v>-13.90625</c:v>
+                </c:pt>
+                <c:pt idx="2">
+                  <c:v>10</c:v>
+                </c:pt>
+                <c:pt idx="3">
+                  <c:v>10.65625</c:v>
+                </c:pt>
+                <c:pt idx="4">
+                  <c:v>7</c:v>
+                </c:pt>
+                <c:pt idx="5">
+                  <c:v>6.71875</c:v>
+                </c:pt>
+                <c:pt idx="6">
+                  <c:v>10</c:v>
+                </c:pt>
+                <c:pt idx="7">
+                  <c:v>13.28125</c:v>
+                </c:pt>
+                <c:pt idx="8">
+                  <c:v>13</c:v>
+                </c:pt>
+                <c:pt idx="9">
+                  <c:v>9.34375</c:v>
+                </c:pt>
+                <c:pt idx="10">
+                  <c:v>10</c:v>
+                </c:pt>
+                <c:pt idx="11">
+                  <c:v>33.90625</c:v>
+                </c:pt>
+              </c:numCache>
+            </c:numRef>
+          </c:yVal>
+          <c:smooth val="1"/>
+          <c:extLst>
+            <c:ext xmlns:c16="http://schemas.microsoft.com/office/drawing/2014/chart" uri="{C3380CC4-5D6E-409C-BE32-E72D297353CC}">
+              <c16:uniqueId val="{00000000-7508-4436-9272-3FFEA35E43BE}"/>
+            </c:ext>
+          </c:extLst>
+        </c:ser>
+        <c:ser>
+          <c:idx val="1"/>
+          <c:order val="1"/>
+          <c:tx>
+            <c:strRef>
+              <c:f>Tabelle1!$K$64</c:f>
+              <c:strCache>
+                <c:ptCount val="1"/>
+                <c:pt idx="0">
+                  <c:v>Parabel1</c:v>
+                </c:pt>
+              </c:strCache>
+            </c:strRef>
+          </c:tx>
+          <c:spPr>
+            <a:ln w="9525" cap="rnd">
+              <a:solidFill>
+                <a:schemeClr val="accent2"/>
+              </a:solidFill>
+              <a:round/>
+            </a:ln>
+            <a:effectLst/>
+          </c:spPr>
+          <c:marker>
+            <c:symbol val="circle"/>
+            <c:size val="5"/>
+            <c:spPr>
+              <a:gradFill rotWithShape="1">
+                <a:gsLst>
+                  <a:gs pos="0">
+                    <a:schemeClr val="accent2">
+                      <a:satMod val="103000"/>
+                      <a:lumMod val="102000"/>
+                      <a:tint val="94000"/>
+                    </a:schemeClr>
+                  </a:gs>
+                  <a:gs pos="50000">
+                    <a:schemeClr val="accent2">
+                      <a:satMod val="110000"/>
+                      <a:lumMod val="100000"/>
+                      <a:shade val="100000"/>
+                    </a:schemeClr>
+                  </a:gs>
+                  <a:gs pos="100000">
+                    <a:schemeClr val="accent2">
+                      <a:lumMod val="99000"/>
+                      <a:satMod val="120000"/>
+                      <a:shade val="78000"/>
+                    </a:schemeClr>
+                  </a:gs>
+                </a:gsLst>
+                <a:lin ang="5400000" scaled="0"/>
+              </a:gradFill>
+              <a:ln w="9525">
+                <a:solidFill>
+                  <a:schemeClr val="accent2"/>
+                </a:solidFill>
+                <a:round/>
+              </a:ln>
+              <a:effectLst/>
+            </c:spPr>
+          </c:marker>
+          <c:xVal>
+            <c:numRef>
+              <c:f>Tabelle1!$I$65:$I$76</c:f>
+              <c:numCache>
+                <c:formatCode>General</c:formatCode>
+                <c:ptCount val="12"/>
+                <c:pt idx="0">
+                  <c:v>-3</c:v>
+                </c:pt>
+                <c:pt idx="1">
+                  <c:v>-2.5</c:v>
+                </c:pt>
+                <c:pt idx="2">
+                  <c:v>-2</c:v>
+                </c:pt>
+                <c:pt idx="3">
+                  <c:v>-1.5</c:v>
+                </c:pt>
+                <c:pt idx="4">
+                  <c:v>-1</c:v>
+                </c:pt>
+                <c:pt idx="5">
+                  <c:v>-0.5</c:v>
+                </c:pt>
+                <c:pt idx="6">
+                  <c:v>0</c:v>
+                </c:pt>
+                <c:pt idx="7">
+                  <c:v>0.5</c:v>
+                </c:pt>
+                <c:pt idx="8">
+                  <c:v>1</c:v>
+                </c:pt>
+                <c:pt idx="9">
+                  <c:v>1.5</c:v>
+                </c:pt>
+                <c:pt idx="10">
+                  <c:v>2</c:v>
+                </c:pt>
+                <c:pt idx="11">
+                  <c:v>2.5</c:v>
+                </c:pt>
+              </c:numCache>
+            </c:numRef>
+          </c:xVal>
+          <c:yVal>
+            <c:numRef>
+              <c:f>Tabelle1!$K$65:$K$76</c:f>
+              <c:numCache>
+                <c:formatCode>General</c:formatCode>
+                <c:ptCount val="12"/>
+                <c:pt idx="0">
+                  <c:v>-4.25</c:v>
+                </c:pt>
+                <c:pt idx="1">
+                  <c:v>5.03125</c:v>
+                </c:pt>
+                <c:pt idx="2">
+                  <c:v>10</c:v>
+                </c:pt>
+                <c:pt idx="3">
+                  <c:v>10.65625</c:v>
+                </c:pt>
+                <c:pt idx="4">
+                  <c:v>7</c:v>
+                </c:pt>
+                <c:pt idx="5">
+                  <c:v>-0.96875</c:v>
+                </c:pt>
+                <c:pt idx="6">
+                  <c:v>-13.25</c:v>
+                </c:pt>
+              </c:numCache>
+            </c:numRef>
+          </c:yVal>
+          <c:smooth val="1"/>
+          <c:extLst>
+            <c:ext xmlns:c16="http://schemas.microsoft.com/office/drawing/2014/chart" uri="{C3380CC4-5D6E-409C-BE32-E72D297353CC}">
+              <c16:uniqueId val="{00000001-7508-4436-9272-3FFEA35E43BE}"/>
+            </c:ext>
+          </c:extLst>
+        </c:ser>
+        <c:dLbls>
+          <c:showLegendKey val="0"/>
+          <c:showVal val="0"/>
+          <c:showCatName val="0"/>
+          <c:showSerName val="0"/>
+          <c:showPercent val="0"/>
+          <c:showBubbleSize val="0"/>
+        </c:dLbls>
+        <c:axId val="482172976"/>
+        <c:axId val="516732456"/>
+      </c:scatterChart>
+      <c:valAx>
+        <c:axId val="482172976"/>
+        <c:scaling>
+          <c:orientation val="minMax"/>
+          <c:max val="2.5"/>
+          <c:min val="-2.5"/>
+        </c:scaling>
+        <c:delete val="0"/>
+        <c:axPos val="b"/>
+        <c:majorGridlines>
+          <c:spPr>
+            <a:ln w="9525" cap="flat" cmpd="sng" algn="ctr">
+              <a:solidFill>
+                <a:schemeClr val="tx2">
+                  <a:lumMod val="15000"/>
+                  <a:lumOff val="85000"/>
+                </a:schemeClr>
+              </a:solidFill>
+              <a:round/>
+            </a:ln>
+            <a:effectLst/>
+          </c:spPr>
+        </c:majorGridlines>
+        <c:numFmt formatCode="General" sourceLinked="1"/>
+        <c:majorTickMark val="none"/>
+        <c:minorTickMark val="none"/>
+        <c:tickLblPos val="nextTo"/>
+        <c:spPr>
+          <a:noFill/>
+          <a:ln w="9525" cap="flat" cmpd="sng" algn="ctr">
+            <a:solidFill>
+              <a:schemeClr val="tx2">
+                <a:lumMod val="15000"/>
+                <a:lumOff val="85000"/>
+              </a:schemeClr>
+            </a:solidFill>
+            <a:round/>
+          </a:ln>
+          <a:effectLst/>
+        </c:spPr>
+        <c:txPr>
+          <a:bodyPr rot="-60000000" spcFirstLastPara="1" vertOverflow="ellipsis" vert="horz" wrap="square" anchor="ctr" anchorCtr="1"/>
+          <a:lstStyle/>
+          <a:p>
+            <a:pPr>
+              <a:defRPr sz="900" b="0" i="0" u="none" strike="noStrike" kern="1200" baseline="0">
+                <a:solidFill>
+                  <a:schemeClr val="tx2"/>
+                </a:solidFill>
+                <a:latin typeface="+mn-lt"/>
+                <a:ea typeface="+mn-ea"/>
+                <a:cs typeface="+mn-cs"/>
+              </a:defRPr>
+            </a:pPr>
+            <a:endParaRPr lang="de-DE"/>
+          </a:p>
+        </c:txPr>
+        <c:crossAx val="516732456"/>
+        <c:crosses val="autoZero"/>
+        <c:crossBetween val="midCat"/>
+      </c:valAx>
+      <c:valAx>
+        <c:axId val="516732456"/>
+        <c:scaling>
+          <c:orientation val="minMax"/>
+          <c:max val="25"/>
+          <c:min val="-10"/>
+        </c:scaling>
+        <c:delete val="0"/>
+        <c:axPos val="l"/>
+        <c:majorGridlines>
+          <c:spPr>
+            <a:ln w="9525" cap="flat" cmpd="sng" algn="ctr">
+              <a:solidFill>
+                <a:schemeClr val="tx2">
+                  <a:lumMod val="15000"/>
+                  <a:lumOff val="85000"/>
+                </a:schemeClr>
+              </a:solidFill>
+              <a:round/>
+            </a:ln>
+            <a:effectLst/>
+          </c:spPr>
+        </c:majorGridlines>
+        <c:numFmt formatCode="General" sourceLinked="1"/>
+        <c:majorTickMark val="none"/>
+        <c:minorTickMark val="none"/>
+        <c:tickLblPos val="nextTo"/>
+        <c:spPr>
+          <a:noFill/>
+          <a:ln>
+            <a:solidFill>
+              <a:schemeClr val="tx2">
+                <a:lumMod val="40000"/>
+                <a:lumOff val="60000"/>
+              </a:schemeClr>
+            </a:solidFill>
+          </a:ln>
+          <a:effectLst/>
+        </c:spPr>
+        <c:txPr>
+          <a:bodyPr rot="-60000000" spcFirstLastPara="1" vertOverflow="ellipsis" vert="horz" wrap="square" anchor="ctr" anchorCtr="1"/>
+          <a:lstStyle/>
+          <a:p>
+            <a:pPr>
+              <a:defRPr sz="900" b="0" i="0" u="none" strike="noStrike" kern="1200" baseline="0">
+                <a:solidFill>
+                  <a:schemeClr val="tx2"/>
+                </a:solidFill>
+                <a:latin typeface="+mn-lt"/>
+                <a:ea typeface="+mn-ea"/>
+                <a:cs typeface="+mn-cs"/>
+              </a:defRPr>
+            </a:pPr>
+            <a:endParaRPr lang="de-DE"/>
+          </a:p>
+        </c:txPr>
+        <c:crossAx val="482172976"/>
+        <c:crosses val="autoZero"/>
+        <c:crossBetween val="midCat"/>
+      </c:valAx>
+      <c:spPr>
+        <a:noFill/>
+        <a:ln>
+          <a:noFill/>
+        </a:ln>
+        <a:effectLst/>
+      </c:spPr>
+    </c:plotArea>
+    <c:plotVisOnly val="1"/>
+    <c:dispBlanksAs val="gap"/>
+    <c:extLst>
+      <c:ext xmlns:c16r3="http://schemas.microsoft.com/office/drawing/2017/03/chart" uri="{56B9EC1D-385E-4148-901F-78D8002777C0}">
+        <c16r3:dataDisplayOptions16>
+          <c16r3:dispNaAsBlank val="1"/>
+        </c16r3:dataDisplayOptions16>
+      </c:ext>
+    </c:extLst>
+    <c:showDLblsOverMax val="0"/>
+  </c:chart>
+  <c:spPr>
+    <a:noFill/>
+    <a:ln>
+      <a:noFill/>
+    </a:ln>
+    <a:effectLst/>
+  </c:spPr>
+  <c:txPr>
+    <a:bodyPr/>
+    <a:lstStyle/>
+    <a:p>
+      <a:pPr>
+        <a:defRPr/>
+      </a:pPr>
+      <a:endParaRPr lang="de-DE"/>
+    </a:p>
+  </c:txPr>
+  <c:externalData r:id="rId4">
+    <c:autoUpdate val="0"/>
+  </c:externalData>
+</c:chartSpace>
+</file>
+
+<file path=ppt/charts/chart4.xml><?xml version="1.0" encoding="utf-8"?>
+<c:chartSpace xmlns:c="http://schemas.openxmlformats.org/drawingml/2006/chart" xmlns:a="http://schemas.openxmlformats.org/drawingml/2006/main" xmlns:r="http://schemas.openxmlformats.org/officeDocument/2006/relationships" xmlns:c16r2="http://schemas.microsoft.com/office/drawing/2015/06/chart">
+  <c:date1904 val="0"/>
+  <c:lang val="de-DE"/>
+  <c:roundedCorners val="0"/>
+  <mc:AlternateContent xmlns:mc="http://schemas.openxmlformats.org/markup-compatibility/2006">
+    <mc:Choice xmlns:c14="http://schemas.microsoft.com/office/drawing/2007/8/2/chart" Requires="c14">
+      <c14:style val="102"/>
+    </mc:Choice>
+    <mc:Fallback>
+      <c:style val="2"/>
+    </mc:Fallback>
+  </mc:AlternateContent>
   <c:chart>
     <c:autoTitleDeleted val="1"/>
     <c:plotArea>
@@ -4558,7 +5064,7 @@
           <a:lstStyle/>
           <a:p>
             <a:pPr>
-              <a:defRPr sz="900" b="0" i="0" u="none" strike="noStrike" kern="1200" baseline="0">
+              <a:defRPr sz="800" b="0" i="0" u="none" strike="noStrike" kern="1200" baseline="0">
                 <a:solidFill>
                   <a:schemeClr val="tx1">
                     <a:lumMod val="65000"/>
@@ -4622,7 +5128,7 @@
           <a:lstStyle/>
           <a:p>
             <a:pPr>
-              <a:defRPr sz="900" b="0" i="0" u="none" strike="noStrike" kern="1200" baseline="0">
+              <a:defRPr sz="800" b="0" i="0" u="none" strike="noStrike" kern="1200" baseline="0">
                 <a:solidFill>
                   <a:schemeClr val="tx1">
                     <a:lumMod val="65000"/>
@@ -4683,7 +5189,7 @@
 </c:chartSpace>
 </file>
 
-<file path=ppt/charts/chart4.xml><?xml version="1.0" encoding="utf-8"?>
+<file path=ppt/charts/chart5.xml><?xml version="1.0" encoding="utf-8"?>
 <c:chartSpace xmlns:c="http://schemas.openxmlformats.org/drawingml/2006/chart" xmlns:a="http://schemas.openxmlformats.org/drawingml/2006/main" xmlns:r="http://schemas.openxmlformats.org/officeDocument/2006/relationships" xmlns:c16r2="http://schemas.microsoft.com/office/drawing/2015/06/chart">
   <c:date1904 val="0"/>
   <c:lang val="de-DE"/>
@@ -5556,7 +6062,7 @@
 </c:chartSpace>
 </file>
 
-<file path=ppt/charts/chart5.xml><?xml version="1.0" encoding="utf-8"?>
+<file path=ppt/charts/chart6.xml><?xml version="1.0" encoding="utf-8"?>
 <c:chartSpace xmlns:c="http://schemas.openxmlformats.org/drawingml/2006/chart" xmlns:a="http://schemas.openxmlformats.org/drawingml/2006/main" xmlns:r="http://schemas.openxmlformats.org/officeDocument/2006/relationships" xmlns:c16r2="http://schemas.microsoft.com/office/drawing/2015/06/chart">
   <c:date1904 val="0"/>
   <c:lang val="de-DE"/>
@@ -10344,7 +10850,7 @@
 </c:chartSpace>
 </file>
 
-<file path=ppt/charts/chart6.xml><?xml version="1.0" encoding="utf-8"?>
+<file path=ppt/charts/chart7.xml><?xml version="1.0" encoding="utf-8"?>
 <c:chartSpace xmlns:c="http://schemas.openxmlformats.org/drawingml/2006/chart" xmlns:a="http://schemas.openxmlformats.org/drawingml/2006/main" xmlns:r="http://schemas.openxmlformats.org/officeDocument/2006/relationships" xmlns:c16r2="http://schemas.microsoft.com/office/drawing/2015/06/chart">
   <c:date1904 val="0"/>
   <c:lang val="de-DE"/>
@@ -15419,10 +15925,13 @@
 </file>
 
 <file path=ppt/charts/colors3.xml><?xml version="1.0" encoding="utf-8"?>
-<cs:colorStyle xmlns:cs="http://schemas.microsoft.com/office/drawing/2012/chartStyle" xmlns:a="http://schemas.openxmlformats.org/drawingml/2006/main" meth="cycle" id="11">
+<cs:colorStyle xmlns:cs="http://schemas.microsoft.com/office/drawing/2012/chartStyle" xmlns:a="http://schemas.openxmlformats.org/drawingml/2006/main" meth="cycle" id="10">
   <a:schemeClr val="accent1"/>
+  <a:schemeClr val="accent2"/>
   <a:schemeClr val="accent3"/>
+  <a:schemeClr val="accent4"/>
   <a:schemeClr val="accent5"/>
+  <a:schemeClr val="accent6"/>
   <cs:variation/>
   <cs:variation>
     <a:lumMod val="60000"/>
@@ -15456,13 +15965,10 @@
 </file>
 
 <file path=ppt/charts/colors4.xml><?xml version="1.0" encoding="utf-8"?>
-<cs:colorStyle xmlns:cs="http://schemas.microsoft.com/office/drawing/2012/chartStyle" xmlns:a="http://schemas.openxmlformats.org/drawingml/2006/main" meth="cycle" id="10">
+<cs:colorStyle xmlns:cs="http://schemas.microsoft.com/office/drawing/2012/chartStyle" xmlns:a="http://schemas.openxmlformats.org/drawingml/2006/main" meth="cycle" id="11">
   <a:schemeClr val="accent1"/>
-  <a:schemeClr val="accent2"/>
   <a:schemeClr val="accent3"/>
-  <a:schemeClr val="accent4"/>
   <a:schemeClr val="accent5"/>
-  <a:schemeClr val="accent6"/>
   <cs:variation/>
   <cs:variation>
     <a:lumMod val="60000"/>
@@ -15536,6 +16042,46 @@
 </file>
 
 <file path=ppt/charts/colors6.xml><?xml version="1.0" encoding="utf-8"?>
+<cs:colorStyle xmlns:cs="http://schemas.microsoft.com/office/drawing/2012/chartStyle" xmlns:a="http://schemas.openxmlformats.org/drawingml/2006/main" meth="cycle" id="10">
+  <a:schemeClr val="accent1"/>
+  <a:schemeClr val="accent2"/>
+  <a:schemeClr val="accent3"/>
+  <a:schemeClr val="accent4"/>
+  <a:schemeClr val="accent5"/>
+  <a:schemeClr val="accent6"/>
+  <cs:variation/>
+  <cs:variation>
+    <a:lumMod val="60000"/>
+  </cs:variation>
+  <cs:variation>
+    <a:lumMod val="80000"/>
+    <a:lumOff val="20000"/>
+  </cs:variation>
+  <cs:variation>
+    <a:lumMod val="80000"/>
+  </cs:variation>
+  <cs:variation>
+    <a:lumMod val="60000"/>
+    <a:lumOff val="40000"/>
+  </cs:variation>
+  <cs:variation>
+    <a:lumMod val="50000"/>
+  </cs:variation>
+  <cs:variation>
+    <a:lumMod val="70000"/>
+    <a:lumOff val="30000"/>
+  </cs:variation>
+  <cs:variation>
+    <a:lumMod val="70000"/>
+  </cs:variation>
+  <cs:variation>
+    <a:lumMod val="50000"/>
+    <a:lumOff val="50000"/>
+  </cs:variation>
+</cs:colorStyle>
+</file>
+
+<file path=ppt/charts/colors7.xml><?xml version="1.0" encoding="utf-8"?>
 <cs:colorStyle xmlns:cs="http://schemas.microsoft.com/office/drawing/2012/chartStyle" xmlns:a="http://schemas.openxmlformats.org/drawingml/2006/main" meth="cycle" id="10">
   <a:schemeClr val="accent1"/>
   <a:schemeClr val="accent2"/>
@@ -16608,35 +17154,29 @@
 </file>
 
 <file path=ppt/charts/style3.xml><?xml version="1.0" encoding="utf-8"?>
-<cs:chartStyle xmlns:cs="http://schemas.microsoft.com/office/drawing/2012/chartStyle" xmlns:a="http://schemas.openxmlformats.org/drawingml/2006/main" id="240">
+<cs:chartStyle xmlns:cs="http://schemas.microsoft.com/office/drawing/2012/chartStyle" xmlns:a="http://schemas.openxmlformats.org/drawingml/2006/main" id="242">
   <cs:axisTitle>
     <cs:lnRef idx="0"/>
     <cs:fillRef idx="0"/>
     <cs:effectRef idx="0"/>
     <cs:fontRef idx="minor">
-      <a:schemeClr val="tx1">
-        <a:lumMod val="65000"/>
-        <a:lumOff val="35000"/>
-      </a:schemeClr>
+      <a:schemeClr val="tx2"/>
     </cs:fontRef>
-    <cs:defRPr sz="1000" kern="1200"/>
+    <cs:defRPr sz="900" b="1" kern="1200"/>
   </cs:axisTitle>
   <cs:categoryAxis>
     <cs:lnRef idx="0"/>
     <cs:fillRef idx="0"/>
     <cs:effectRef idx="0"/>
     <cs:fontRef idx="minor">
-      <a:schemeClr val="tx1">
-        <a:lumMod val="65000"/>
-        <a:lumOff val="35000"/>
-      </a:schemeClr>
+      <a:schemeClr val="tx2"/>
     </cs:fontRef>
     <cs:spPr>
       <a:ln w="9525" cap="flat" cmpd="sng" algn="ctr">
         <a:solidFill>
-          <a:schemeClr val="tx1">
-            <a:lumMod val="25000"/>
-            <a:lumOff val="75000"/>
+          <a:schemeClr val="tx2">
+            <a:lumMod val="15000"/>
+            <a:lumOff val="85000"/>
           </a:schemeClr>
         </a:solidFill>
         <a:round/>
@@ -16649,7 +17189,7 @@
     <cs:fillRef idx="0"/>
     <cs:effectRef idx="0"/>
     <cs:fontRef idx="minor">
-      <a:schemeClr val="tx1"/>
+      <a:schemeClr val="tx2"/>
     </cs:fontRef>
     <cs:spPr>
       <a:solidFill>
@@ -16657,7 +17197,7 @@
       </a:solidFill>
       <a:ln w="9525" cap="flat" cmpd="sng" algn="ctr">
         <a:solidFill>
-          <a:schemeClr val="tx1">
+          <a:schemeClr val="tx2">
             <a:lumMod val="15000"/>
             <a:lumOff val="85000"/>
           </a:schemeClr>
@@ -16665,17 +17205,14 @@
         <a:round/>
       </a:ln>
     </cs:spPr>
-    <cs:defRPr sz="1000" kern="1200"/>
+    <cs:defRPr sz="900" kern="1200"/>
   </cs:chartArea>
   <cs:dataLabel>
     <cs:lnRef idx="0"/>
     <cs:fillRef idx="0"/>
     <cs:effectRef idx="0"/>
     <cs:fontRef idx="minor">
-      <a:schemeClr val="tx1">
-        <a:lumMod val="75000"/>
-        <a:lumOff val="25000"/>
-      </a:schemeClr>
+      <a:schemeClr val="tx2"/>
     </cs:fontRef>
     <cs:defRPr sz="900" kern="1200"/>
   </cs:dataLabel>
@@ -16684,9 +17221,8 @@
     <cs:fillRef idx="0"/>
     <cs:effectRef idx="0"/>
     <cs:fontRef idx="minor">
-      <a:schemeClr val="dk1">
-        <a:lumMod val="65000"/>
-        <a:lumOff val="35000"/>
+      <a:schemeClr val="dk2">
+        <a:lumMod val="75000"/>
       </a:schemeClr>
     </cs:fontRef>
     <cs:spPr>
@@ -16709,35 +17245,35 @@
   </cs:dataLabelCallout>
   <cs:dataPoint>
     <cs:lnRef idx="0"/>
-    <cs:fillRef idx="1">
+    <cs:fillRef idx="3">
       <cs:styleClr val="auto"/>
     </cs:fillRef>
-    <cs:effectRef idx="0"/>
+    <cs:effectRef idx="2"/>
     <cs:fontRef idx="minor">
-      <a:schemeClr val="tx1"/>
+      <a:schemeClr val="tx2"/>
     </cs:fontRef>
   </cs:dataPoint>
   <cs:dataPoint3D>
     <cs:lnRef idx="0"/>
-    <cs:fillRef idx="1">
+    <cs:fillRef idx="3">
       <cs:styleClr val="auto"/>
     </cs:fillRef>
-    <cs:effectRef idx="0"/>
+    <cs:effectRef idx="2"/>
     <cs:fontRef idx="minor">
-      <a:schemeClr val="tx1"/>
+      <a:schemeClr val="tx2"/>
     </cs:fontRef>
   </cs:dataPoint3D>
   <cs:dataPointLine>
     <cs:lnRef idx="0">
       <cs:styleClr val="auto"/>
     </cs:lnRef>
-    <cs:fillRef idx="1"/>
-    <cs:effectRef idx="0"/>
+    <cs:fillRef idx="3"/>
+    <cs:effectRef idx="2"/>
     <cs:fontRef idx="minor">
-      <a:schemeClr val="tx1"/>
+      <a:schemeClr val="tx2"/>
     </cs:fontRef>
     <cs:spPr>
-      <a:ln w="19050" cap="rnd">
+      <a:ln w="9525" cap="rnd">
         <a:solidFill>
           <a:schemeClr val="phClr"/>
         </a:solidFill>
@@ -16749,18 +17285,19 @@
     <cs:lnRef idx="0">
       <cs:styleClr val="auto"/>
     </cs:lnRef>
-    <cs:fillRef idx="1">
+    <cs:fillRef idx="3">
       <cs:styleClr val="auto"/>
     </cs:fillRef>
-    <cs:effectRef idx="0"/>
+    <cs:effectRef idx="2"/>
     <cs:fontRef idx="minor">
-      <a:schemeClr val="tx1"/>
+      <a:schemeClr val="tx2"/>
     </cs:fontRef>
     <cs:spPr>
       <a:ln w="9525">
         <a:solidFill>
           <a:schemeClr val="phClr"/>
         </a:solidFill>
+        <a:round/>
       </a:ln>
     </cs:spPr>
   </cs:dataPointMarker>
@@ -16769,10 +17306,10 @@
     <cs:lnRef idx="0">
       <cs:styleClr val="auto"/>
     </cs:lnRef>
-    <cs:fillRef idx="0"/>
-    <cs:effectRef idx="0"/>
+    <cs:fillRef idx="3"/>
+    <cs:effectRef idx="2"/>
     <cs:fontRef idx="minor">
-      <a:schemeClr val="dk1"/>
+      <a:schemeClr val="tx2"/>
     </cs:fontRef>
     <cs:spPr>
       <a:ln w="9525" cap="rnd">
@@ -16788,21 +17325,16 @@
     <cs:fillRef idx="0"/>
     <cs:effectRef idx="0"/>
     <cs:fontRef idx="minor">
-      <a:schemeClr val="tx1">
-        <a:lumMod val="65000"/>
-        <a:lumOff val="35000"/>
-      </a:schemeClr>
+      <a:schemeClr val="tx2"/>
     </cs:fontRef>
     <cs:spPr>
-      <a:noFill/>
-      <a:ln w="9525" cap="flat" cmpd="sng" algn="ctr">
+      <a:ln w="9525">
         <a:solidFill>
-          <a:schemeClr val="tx1">
+          <a:schemeClr val="tx2">
             <a:lumMod val="15000"/>
             <a:lumOff val="85000"/>
           </a:schemeClr>
         </a:solidFill>
-        <a:round/>
       </a:ln>
     </cs:spPr>
     <cs:defRPr sz="900" kern="1200"/>
@@ -16812,23 +17344,22 @@
     <cs:fillRef idx="0"/>
     <cs:effectRef idx="0"/>
     <cs:fontRef idx="minor">
-      <a:schemeClr val="tx1"/>
+      <a:schemeClr val="dk1"/>
     </cs:fontRef>
     <cs:spPr>
       <a:solidFill>
         <a:schemeClr val="dk1">
-          <a:lumMod val="75000"/>
-          <a:lumOff val="25000"/>
+          <a:lumMod val="65000"/>
+          <a:lumOff val="35000"/>
         </a:schemeClr>
       </a:solidFill>
-      <a:ln w="9525" cap="flat" cmpd="sng" algn="ctr">
+      <a:ln w="9525">
         <a:solidFill>
           <a:schemeClr val="tx1">
             <a:lumMod val="65000"/>
             <a:lumOff val="35000"/>
           </a:schemeClr>
         </a:solidFill>
-        <a:round/>
       </a:ln>
     </cs:spPr>
   </cs:downBar>
@@ -16837,17 +17368,17 @@
     <cs:fillRef idx="0"/>
     <cs:effectRef idx="0"/>
     <cs:fontRef idx="minor">
-      <a:schemeClr val="tx1"/>
+      <a:schemeClr val="tx2"/>
     </cs:fontRef>
     <cs:spPr>
-      <a:ln w="9525" cap="flat" cmpd="sng" algn="ctr">
+      <a:ln w="9525">
         <a:solidFill>
-          <a:schemeClr val="tx1">
-            <a:lumMod val="35000"/>
-            <a:lumOff val="65000"/>
+          <a:schemeClr val="tx2">
+            <a:lumMod val="60000"/>
+            <a:lumOff val="40000"/>
           </a:schemeClr>
         </a:solidFill>
-        <a:round/>
+        <a:prstDash val="dash"/>
       </a:ln>
     </cs:spPr>
   </cs:dropLine>
@@ -16856,14 +17387,13 @@
     <cs:fillRef idx="0"/>
     <cs:effectRef idx="0"/>
     <cs:fontRef idx="minor">
-      <a:schemeClr val="tx1"/>
+      <a:schemeClr val="tx2"/>
     </cs:fontRef>
     <cs:spPr>
-      <a:ln w="9525" cap="flat" cmpd="sng" algn="ctr">
+      <a:ln w="9525">
         <a:solidFill>
-          <a:schemeClr val="tx1">
-            <a:lumMod val="65000"/>
-            <a:lumOff val="35000"/>
+          <a:schemeClr val="tx2">
+            <a:lumMod val="75000"/>
           </a:schemeClr>
         </a:solidFill>
         <a:round/>
@@ -16875,26 +17405,20 @@
     <cs:fillRef idx="0"/>
     <cs:effectRef idx="0"/>
     <cs:fontRef idx="minor">
-      <a:schemeClr val="tx1"/>
+      <a:schemeClr val="tx2"/>
     </cs:fontRef>
-    <cs:spPr>
-      <a:noFill/>
-      <a:ln>
-        <a:noFill/>
-      </a:ln>
-    </cs:spPr>
   </cs:floor>
   <cs:gridlineMajor>
     <cs:lnRef idx="0"/>
     <cs:fillRef idx="0"/>
     <cs:effectRef idx="0"/>
     <cs:fontRef idx="minor">
-      <a:schemeClr val="tx1"/>
+      <a:schemeClr val="tx2"/>
     </cs:fontRef>
     <cs:spPr>
       <a:ln w="9525" cap="flat" cmpd="sng" algn="ctr">
         <a:solidFill>
-          <a:schemeClr val="tx1">
+          <a:schemeClr val="tx2">
             <a:lumMod val="15000"/>
             <a:lumOff val="85000"/>
           </a:schemeClr>
@@ -16908,17 +17432,16 @@
     <cs:fillRef idx="0"/>
     <cs:effectRef idx="0"/>
     <cs:fontRef idx="minor">
-      <a:schemeClr val="tx1"/>
+      <a:schemeClr val="tx2"/>
     </cs:fontRef>
     <cs:spPr>
-      <a:ln w="9525" cap="flat" cmpd="sng" algn="ctr">
+      <a:ln>
         <a:solidFill>
-          <a:schemeClr val="tx1">
+          <a:schemeClr val="tx2">
             <a:lumMod val="5000"/>
             <a:lumOff val="95000"/>
           </a:schemeClr>
         </a:solidFill>
-        <a:round/>
       </a:ln>
     </cs:spPr>
   </cs:gridlineMinor>
@@ -16927,17 +17450,17 @@
     <cs:fillRef idx="0"/>
     <cs:effectRef idx="0"/>
     <cs:fontRef idx="minor">
-      <a:schemeClr val="tx1"/>
+      <a:schemeClr val="tx2"/>
     </cs:fontRef>
     <cs:spPr>
-      <a:ln w="9525" cap="flat" cmpd="sng" algn="ctr">
+      <a:ln w="9525">
         <a:solidFill>
-          <a:schemeClr val="tx1">
-            <a:lumMod val="50000"/>
-            <a:lumOff val="50000"/>
+          <a:schemeClr val="tx2">
+            <a:lumMod val="60000"/>
+            <a:lumOff val="40000"/>
           </a:schemeClr>
         </a:solidFill>
-        <a:round/>
+        <a:prstDash val="dash"/>
       </a:ln>
     </cs:spPr>
   </cs:hiLoLine>
@@ -16946,17 +17469,16 @@
     <cs:fillRef idx="0"/>
     <cs:effectRef idx="0"/>
     <cs:fontRef idx="minor">
-      <a:schemeClr val="tx1"/>
+      <a:schemeClr val="tx2"/>
     </cs:fontRef>
     <cs:spPr>
-      <a:ln w="9525" cap="flat" cmpd="sng" algn="ctr">
+      <a:ln w="9525">
         <a:solidFill>
-          <a:schemeClr val="tx1">
+          <a:schemeClr val="tx2">
             <a:lumMod val="35000"/>
             <a:lumOff val="65000"/>
           </a:schemeClr>
         </a:solidFill>
-        <a:round/>
       </a:ln>
     </cs:spPr>
   </cs:leaderLine>
@@ -16965,27 +17487,24 @@
     <cs:fillRef idx="0"/>
     <cs:effectRef idx="0"/>
     <cs:fontRef idx="minor">
-      <a:schemeClr val="tx1">
-        <a:lumMod val="65000"/>
-        <a:lumOff val="35000"/>
-      </a:schemeClr>
+      <a:schemeClr val="tx2"/>
     </cs:fontRef>
     <cs:defRPr sz="900" kern="1200"/>
   </cs:legend>
-  <cs:plotArea mods="allowNoFillOverride allowNoLineOverride">
+  <cs:plotArea>
     <cs:lnRef idx="0"/>
     <cs:fillRef idx="0"/>
     <cs:effectRef idx="0"/>
     <cs:fontRef idx="minor">
-      <a:schemeClr val="tx1"/>
+      <a:schemeClr val="tx2"/>
     </cs:fontRef>
   </cs:plotArea>
-  <cs:plotArea3D mods="allowNoFillOverride allowNoLineOverride">
+  <cs:plotArea3D>
     <cs:lnRef idx="0"/>
     <cs:fillRef idx="0"/>
     <cs:effectRef idx="0"/>
     <cs:fontRef idx="minor">
-      <a:schemeClr val="tx1"/>
+      <a:schemeClr val="tx2"/>
     </cs:fontRef>
   </cs:plotArea3D>
   <cs:seriesAxis>
@@ -16993,11 +17512,19 @@
     <cs:fillRef idx="0"/>
     <cs:effectRef idx="0"/>
     <cs:fontRef idx="minor">
-      <a:schemeClr val="tx1">
-        <a:lumMod val="65000"/>
-        <a:lumOff val="35000"/>
-      </a:schemeClr>
+      <a:schemeClr val="tx2"/>
     </cs:fontRef>
+    <cs:spPr>
+      <a:ln w="9525" cap="flat" cmpd="sng" algn="ctr">
+        <a:solidFill>
+          <a:schemeClr val="tx2">
+            <a:lumMod val="15000"/>
+            <a:lumOff val="85000"/>
+          </a:schemeClr>
+        </a:solidFill>
+        <a:round/>
+      </a:ln>
+    </cs:spPr>
     <cs:defRPr sz="900" kern="1200"/>
   </cs:seriesAxis>
   <cs:seriesLine>
@@ -17005,17 +17532,17 @@
     <cs:fillRef idx="0"/>
     <cs:effectRef idx="0"/>
     <cs:fontRef idx="minor">
-      <a:schemeClr val="tx1"/>
+      <a:schemeClr val="tx2"/>
     </cs:fontRef>
     <cs:spPr>
-      <a:ln w="9525" cap="flat" cmpd="sng" algn="ctr">
+      <a:ln w="9525">
         <a:solidFill>
-          <a:schemeClr val="tx1">
-            <a:lumMod val="35000"/>
-            <a:lumOff val="65000"/>
+          <a:schemeClr val="tx2">
+            <a:lumMod val="60000"/>
+            <a:lumOff val="40000"/>
           </a:schemeClr>
         </a:solidFill>
-        <a:round/>
+        <a:prstDash val="dash"/>
       </a:ln>
     </cs:spPr>
   </cs:seriesLine>
@@ -17024,12 +17551,9 @@
     <cs:fillRef idx="0"/>
     <cs:effectRef idx="0"/>
     <cs:fontRef idx="minor">
-      <a:schemeClr val="tx1">
-        <a:lumMod val="65000"/>
-        <a:lumOff val="35000"/>
-      </a:schemeClr>
+      <a:schemeClr val="tx2"/>
     </cs:fontRef>
-    <cs:defRPr sz="1400" b="0" kern="1200" spc="0" baseline="0"/>
+    <cs:defRPr sz="1600" b="1" kern="1200"/>
   </cs:title>
   <cs:trendline>
     <cs:lnRef idx="0">
@@ -17038,14 +17562,13 @@
     <cs:fillRef idx="0"/>
     <cs:effectRef idx="0"/>
     <cs:fontRef idx="minor">
-      <a:schemeClr val="tx1"/>
+      <a:schemeClr val="tx2"/>
     </cs:fontRef>
     <cs:spPr>
-      <a:ln w="19050" cap="rnd">
+      <a:ln w="9525" cap="rnd">
         <a:solidFill>
           <a:schemeClr val="phClr"/>
         </a:solidFill>
-        <a:prstDash val="sysDot"/>
       </a:ln>
     </cs:spPr>
   </cs:trendline>
@@ -17054,10 +17577,7 @@
     <cs:fillRef idx="0"/>
     <cs:effectRef idx="0"/>
     <cs:fontRef idx="minor">
-      <a:schemeClr val="tx1">
-        <a:lumMod val="65000"/>
-        <a:lumOff val="35000"/>
-      </a:schemeClr>
+      <a:schemeClr val="tx2"/>
     </cs:fontRef>
     <cs:defRPr sz="900" kern="1200"/>
   </cs:trendlineLabel>
@@ -17066,20 +17586,19 @@
     <cs:fillRef idx="0"/>
     <cs:effectRef idx="0"/>
     <cs:fontRef idx="minor">
-      <a:schemeClr val="tx1"/>
+      <a:schemeClr val="tx2"/>
     </cs:fontRef>
     <cs:spPr>
       <a:solidFill>
         <a:schemeClr val="lt1"/>
       </a:solidFill>
-      <a:ln w="9525" cap="flat" cmpd="sng" algn="ctr">
+      <a:ln w="9525">
         <a:solidFill>
           <a:schemeClr val="tx1">
-            <a:lumMod val="65000"/>
-            <a:lumOff val="35000"/>
+            <a:lumMod val="15000"/>
+            <a:lumOff val="85000"/>
           </a:schemeClr>
         </a:solidFill>
-        <a:round/>
       </a:ln>
     </cs:spPr>
   </cs:upBar>
@@ -17088,20 +17607,16 @@
     <cs:fillRef idx="0"/>
     <cs:effectRef idx="0"/>
     <cs:fontRef idx="minor">
-      <a:schemeClr val="tx1">
-        <a:lumMod val="65000"/>
-        <a:lumOff val="35000"/>
-      </a:schemeClr>
+      <a:schemeClr val="tx2"/>
     </cs:fontRef>
     <cs:spPr>
-      <a:ln w="9525" cap="flat" cmpd="sng" algn="ctr">
+      <a:ln>
         <a:solidFill>
-          <a:schemeClr val="tx1">
-            <a:lumMod val="25000"/>
-            <a:lumOff val="75000"/>
+          <a:schemeClr val="tx2">
+            <a:lumMod val="40000"/>
+            <a:lumOff val="60000"/>
           </a:schemeClr>
         </a:solidFill>
-        <a:round/>
       </a:ln>
     </cs:spPr>
     <cs:defRPr sz="900" kern="1200"/>
@@ -17111,14 +17626,8 @@
     <cs:fillRef idx="0"/>
     <cs:effectRef idx="0"/>
     <cs:fontRef idx="minor">
-      <a:schemeClr val="tx1"/>
+      <a:schemeClr val="tx2"/>
     </cs:fontRef>
-    <cs:spPr>
-      <a:noFill/>
-      <a:ln>
-        <a:noFill/>
-      </a:ln>
-    </cs:spPr>
   </cs:wall>
 </cs:chartStyle>
 </file>
@@ -17640,7 +18149,7 @@
 </file>
 
 <file path=ppt/charts/style5.xml><?xml version="1.0" encoding="utf-8"?>
-<cs:chartStyle xmlns:cs="http://schemas.microsoft.com/office/drawing/2012/chartStyle" xmlns:a="http://schemas.openxmlformats.org/drawingml/2006/main" id="227">
+<cs:chartStyle xmlns:cs="http://schemas.microsoft.com/office/drawing/2012/chartStyle" xmlns:a="http://schemas.openxmlformats.org/drawingml/2006/main" id="240">
   <cs:axisTitle>
     <cs:lnRef idx="0"/>
     <cs:fillRef idx="0"/>
@@ -17667,8 +18176,8 @@
       <a:ln w="9525" cap="flat" cmpd="sng" algn="ctr">
         <a:solidFill>
           <a:schemeClr val="tx1">
-            <a:lumMod val="15000"/>
-            <a:lumOff val="85000"/>
+            <a:lumMod val="25000"/>
+            <a:lumOff val="75000"/>
           </a:schemeClr>
         </a:solidFill>
         <a:round/>
@@ -17748,11 +18257,6 @@
     <cs:fontRef idx="minor">
       <a:schemeClr val="tx1"/>
     </cs:fontRef>
-    <cs:spPr>
-      <a:solidFill>
-        <a:schemeClr val="phClr"/>
-      </a:solidFill>
-    </cs:spPr>
   </cs:dataPoint>
   <cs:dataPoint3D>
     <cs:lnRef idx="0"/>
@@ -17763,11 +18267,6 @@
     <cs:fontRef idx="minor">
       <a:schemeClr val="tx1"/>
     </cs:fontRef>
-    <cs:spPr>
-      <a:solidFill>
-        <a:schemeClr val="phClr"/>
-      </a:solidFill>
-    </cs:spPr>
   </cs:dataPoint3D>
   <cs:dataPointLine>
     <cs:lnRef idx="0">
@@ -17779,7 +18278,7 @@
       <a:schemeClr val="tx1"/>
     </cs:fontRef>
     <cs:spPr>
-      <a:ln w="28575" cap="rnd">
+      <a:ln w="19050" cap="rnd">
         <a:solidFill>
           <a:schemeClr val="phClr"/>
         </a:solidFill>
@@ -17799,9 +18298,6 @@
       <a:schemeClr val="tx1"/>
     </cs:fontRef>
     <cs:spPr>
-      <a:solidFill>
-        <a:schemeClr val="phClr"/>
-      </a:solidFill>
       <a:ln w="9525">
         <a:solidFill>
           <a:schemeClr val="phClr"/>
@@ -17814,10 +18310,10 @@
     <cs:lnRef idx="0">
       <cs:styleClr val="auto"/>
     </cs:lnRef>
-    <cs:fillRef idx="1"/>
+    <cs:fillRef idx="0"/>
     <cs:effectRef idx="0"/>
     <cs:fontRef idx="minor">
-      <a:schemeClr val="tx1"/>
+      <a:schemeClr val="dk1"/>
     </cs:fontRef>
     <cs:spPr>
       <a:ln w="9525" cap="rnd">
@@ -17857,22 +18353,23 @@
     <cs:fillRef idx="0"/>
     <cs:effectRef idx="0"/>
     <cs:fontRef idx="minor">
-      <a:schemeClr val="dk1"/>
+      <a:schemeClr val="tx1"/>
     </cs:fontRef>
     <cs:spPr>
       <a:solidFill>
         <a:schemeClr val="dk1">
-          <a:lumMod val="65000"/>
-          <a:lumOff val="35000"/>
+          <a:lumMod val="75000"/>
+          <a:lumOff val="25000"/>
         </a:schemeClr>
       </a:solidFill>
-      <a:ln w="9525">
+      <a:ln w="9525" cap="flat" cmpd="sng" algn="ctr">
         <a:solidFill>
           <a:schemeClr val="tx1">
             <a:lumMod val="65000"/>
             <a:lumOff val="35000"/>
           </a:schemeClr>
         </a:solidFill>
+        <a:round/>
       </a:ln>
     </cs:spPr>
   </cs:downBar>
@@ -17977,8 +18474,8 @@
       <a:ln w="9525" cap="flat" cmpd="sng" algn="ctr">
         <a:solidFill>
           <a:schemeClr val="tx1">
-            <a:lumMod val="75000"/>
-            <a:lumOff val="25000"/>
+            <a:lumMod val="50000"/>
+            <a:lumOff val="50000"/>
           </a:schemeClr>
         </a:solidFill>
         <a:round/>
@@ -18110,19 +18607,20 @@
     <cs:fillRef idx="0"/>
     <cs:effectRef idx="0"/>
     <cs:fontRef idx="minor">
-      <a:schemeClr val="dk1"/>
+      <a:schemeClr val="tx1"/>
     </cs:fontRef>
     <cs:spPr>
       <a:solidFill>
         <a:schemeClr val="lt1"/>
       </a:solidFill>
-      <a:ln w="9525">
+      <a:ln w="9525" cap="flat" cmpd="sng" algn="ctr">
         <a:solidFill>
           <a:schemeClr val="tx1">
-            <a:lumMod val="15000"/>
-            <a:lumOff val="85000"/>
+            <a:lumMod val="65000"/>
+            <a:lumOff val="35000"/>
           </a:schemeClr>
         </a:solidFill>
+        <a:round/>
       </a:ln>
     </cs:spPr>
   </cs:upBar>
@@ -18136,6 +18634,17 @@
         <a:lumOff val="35000"/>
       </a:schemeClr>
     </cs:fontRef>
+    <cs:spPr>
+      <a:ln w="9525" cap="flat" cmpd="sng" algn="ctr">
+        <a:solidFill>
+          <a:schemeClr val="tx1">
+            <a:lumMod val="25000"/>
+            <a:lumOff val="75000"/>
+          </a:schemeClr>
+        </a:solidFill>
+        <a:round/>
+      </a:ln>
+    </cs:spPr>
     <cs:defRPr sz="900" kern="1200"/>
   </cs:valueAxis>
   <cs:wall>
@@ -18671,18 +19180,520 @@
 </cs:chartStyle>
 </file>
 
-<file path=ppt/comments/comment1.xml><?xml version="1.0" encoding="utf-8"?>
-<p:cmLst xmlns:a="http://schemas.openxmlformats.org/drawingml/2006/main" xmlns:r="http://schemas.openxmlformats.org/officeDocument/2006/relationships" xmlns:p="http://schemas.openxmlformats.org/presentationml/2006/main">
-  <p:cm authorId="1" dt="2018-07-04T15:42:46.286" idx="1">
-    <p:pos x="5344" y="1999"/>
-    <p:text>können ja eins von beiden nehmen</p:text>
-    <p:extLst>
-      <p:ext uri="{C676402C-5697-4E1C-873F-D02D1690AC5C}">
-        <p15:threadingInfo xmlns:p15="http://schemas.microsoft.com/office/powerpoint/2012/main" timeZoneBias="-120"/>
-      </p:ext>
-    </p:extLst>
-  </p:cm>
-</p:cmLst>
+<file path=ppt/charts/style7.xml><?xml version="1.0" encoding="utf-8"?>
+<cs:chartStyle xmlns:cs="http://schemas.microsoft.com/office/drawing/2012/chartStyle" xmlns:a="http://schemas.openxmlformats.org/drawingml/2006/main" id="227">
+  <cs:axisTitle>
+    <cs:lnRef idx="0"/>
+    <cs:fillRef idx="0"/>
+    <cs:effectRef idx="0"/>
+    <cs:fontRef idx="minor">
+      <a:schemeClr val="tx1">
+        <a:lumMod val="65000"/>
+        <a:lumOff val="35000"/>
+      </a:schemeClr>
+    </cs:fontRef>
+    <cs:defRPr sz="1000" kern="1200"/>
+  </cs:axisTitle>
+  <cs:categoryAxis>
+    <cs:lnRef idx="0"/>
+    <cs:fillRef idx="0"/>
+    <cs:effectRef idx="0"/>
+    <cs:fontRef idx="minor">
+      <a:schemeClr val="tx1">
+        <a:lumMod val="65000"/>
+        <a:lumOff val="35000"/>
+      </a:schemeClr>
+    </cs:fontRef>
+    <cs:spPr>
+      <a:ln w="9525" cap="flat" cmpd="sng" algn="ctr">
+        <a:solidFill>
+          <a:schemeClr val="tx1">
+            <a:lumMod val="15000"/>
+            <a:lumOff val="85000"/>
+          </a:schemeClr>
+        </a:solidFill>
+        <a:round/>
+      </a:ln>
+    </cs:spPr>
+    <cs:defRPr sz="900" kern="1200"/>
+  </cs:categoryAxis>
+  <cs:chartArea mods="allowNoFillOverride allowNoLineOverride">
+    <cs:lnRef idx="0"/>
+    <cs:fillRef idx="0"/>
+    <cs:effectRef idx="0"/>
+    <cs:fontRef idx="minor">
+      <a:schemeClr val="tx1"/>
+    </cs:fontRef>
+    <cs:spPr>
+      <a:solidFill>
+        <a:schemeClr val="bg1"/>
+      </a:solidFill>
+      <a:ln w="9525" cap="flat" cmpd="sng" algn="ctr">
+        <a:solidFill>
+          <a:schemeClr val="tx1">
+            <a:lumMod val="15000"/>
+            <a:lumOff val="85000"/>
+          </a:schemeClr>
+        </a:solidFill>
+        <a:round/>
+      </a:ln>
+    </cs:spPr>
+    <cs:defRPr sz="1000" kern="1200"/>
+  </cs:chartArea>
+  <cs:dataLabel>
+    <cs:lnRef idx="0"/>
+    <cs:fillRef idx="0"/>
+    <cs:effectRef idx="0"/>
+    <cs:fontRef idx="minor">
+      <a:schemeClr val="tx1">
+        <a:lumMod val="75000"/>
+        <a:lumOff val="25000"/>
+      </a:schemeClr>
+    </cs:fontRef>
+    <cs:defRPr sz="900" kern="1200"/>
+  </cs:dataLabel>
+  <cs:dataLabelCallout>
+    <cs:lnRef idx="0"/>
+    <cs:fillRef idx="0"/>
+    <cs:effectRef idx="0"/>
+    <cs:fontRef idx="minor">
+      <a:schemeClr val="dk1">
+        <a:lumMod val="65000"/>
+        <a:lumOff val="35000"/>
+      </a:schemeClr>
+    </cs:fontRef>
+    <cs:spPr>
+      <a:solidFill>
+        <a:schemeClr val="lt1"/>
+      </a:solidFill>
+      <a:ln>
+        <a:solidFill>
+          <a:schemeClr val="dk1">
+            <a:lumMod val="25000"/>
+            <a:lumOff val="75000"/>
+          </a:schemeClr>
+        </a:solidFill>
+      </a:ln>
+    </cs:spPr>
+    <cs:defRPr sz="900" kern="1200"/>
+    <cs:bodyPr rot="0" spcFirstLastPara="1" vertOverflow="clip" horzOverflow="clip" vert="horz" wrap="square" lIns="36576" tIns="18288" rIns="36576" bIns="18288" anchor="ctr" anchorCtr="1">
+      <a:spAutoFit/>
+    </cs:bodyPr>
+  </cs:dataLabelCallout>
+  <cs:dataPoint>
+    <cs:lnRef idx="0"/>
+    <cs:fillRef idx="1">
+      <cs:styleClr val="auto"/>
+    </cs:fillRef>
+    <cs:effectRef idx="0"/>
+    <cs:fontRef idx="minor">
+      <a:schemeClr val="tx1"/>
+    </cs:fontRef>
+    <cs:spPr>
+      <a:solidFill>
+        <a:schemeClr val="phClr"/>
+      </a:solidFill>
+    </cs:spPr>
+  </cs:dataPoint>
+  <cs:dataPoint3D>
+    <cs:lnRef idx="0"/>
+    <cs:fillRef idx="1">
+      <cs:styleClr val="auto"/>
+    </cs:fillRef>
+    <cs:effectRef idx="0"/>
+    <cs:fontRef idx="minor">
+      <a:schemeClr val="tx1"/>
+    </cs:fontRef>
+    <cs:spPr>
+      <a:solidFill>
+        <a:schemeClr val="phClr"/>
+      </a:solidFill>
+    </cs:spPr>
+  </cs:dataPoint3D>
+  <cs:dataPointLine>
+    <cs:lnRef idx="0">
+      <cs:styleClr val="auto"/>
+    </cs:lnRef>
+    <cs:fillRef idx="1"/>
+    <cs:effectRef idx="0"/>
+    <cs:fontRef idx="minor">
+      <a:schemeClr val="tx1"/>
+    </cs:fontRef>
+    <cs:spPr>
+      <a:ln w="28575" cap="rnd">
+        <a:solidFill>
+          <a:schemeClr val="phClr"/>
+        </a:solidFill>
+        <a:round/>
+      </a:ln>
+    </cs:spPr>
+  </cs:dataPointLine>
+  <cs:dataPointMarker>
+    <cs:lnRef idx="0">
+      <cs:styleClr val="auto"/>
+    </cs:lnRef>
+    <cs:fillRef idx="1">
+      <cs:styleClr val="auto"/>
+    </cs:fillRef>
+    <cs:effectRef idx="0"/>
+    <cs:fontRef idx="minor">
+      <a:schemeClr val="tx1"/>
+    </cs:fontRef>
+    <cs:spPr>
+      <a:solidFill>
+        <a:schemeClr val="phClr"/>
+      </a:solidFill>
+      <a:ln w="9525">
+        <a:solidFill>
+          <a:schemeClr val="phClr"/>
+        </a:solidFill>
+      </a:ln>
+    </cs:spPr>
+  </cs:dataPointMarker>
+  <cs:dataPointMarkerLayout symbol="circle" size="5"/>
+  <cs:dataPointWireframe>
+    <cs:lnRef idx="0">
+      <cs:styleClr val="auto"/>
+    </cs:lnRef>
+    <cs:fillRef idx="1"/>
+    <cs:effectRef idx="0"/>
+    <cs:fontRef idx="minor">
+      <a:schemeClr val="tx1"/>
+    </cs:fontRef>
+    <cs:spPr>
+      <a:ln w="9525" cap="rnd">
+        <a:solidFill>
+          <a:schemeClr val="phClr"/>
+        </a:solidFill>
+        <a:round/>
+      </a:ln>
+    </cs:spPr>
+  </cs:dataPointWireframe>
+  <cs:dataTable>
+    <cs:lnRef idx="0"/>
+    <cs:fillRef idx="0"/>
+    <cs:effectRef idx="0"/>
+    <cs:fontRef idx="minor">
+      <a:schemeClr val="tx1">
+        <a:lumMod val="65000"/>
+        <a:lumOff val="35000"/>
+      </a:schemeClr>
+    </cs:fontRef>
+    <cs:spPr>
+      <a:noFill/>
+      <a:ln w="9525" cap="flat" cmpd="sng" algn="ctr">
+        <a:solidFill>
+          <a:schemeClr val="tx1">
+            <a:lumMod val="15000"/>
+            <a:lumOff val="85000"/>
+          </a:schemeClr>
+        </a:solidFill>
+        <a:round/>
+      </a:ln>
+    </cs:spPr>
+    <cs:defRPr sz="900" kern="1200"/>
+  </cs:dataTable>
+  <cs:downBar>
+    <cs:lnRef idx="0"/>
+    <cs:fillRef idx="0"/>
+    <cs:effectRef idx="0"/>
+    <cs:fontRef idx="minor">
+      <a:schemeClr val="dk1"/>
+    </cs:fontRef>
+    <cs:spPr>
+      <a:solidFill>
+        <a:schemeClr val="dk1">
+          <a:lumMod val="65000"/>
+          <a:lumOff val="35000"/>
+        </a:schemeClr>
+      </a:solidFill>
+      <a:ln w="9525">
+        <a:solidFill>
+          <a:schemeClr val="tx1">
+            <a:lumMod val="65000"/>
+            <a:lumOff val="35000"/>
+          </a:schemeClr>
+        </a:solidFill>
+      </a:ln>
+    </cs:spPr>
+  </cs:downBar>
+  <cs:dropLine>
+    <cs:lnRef idx="0"/>
+    <cs:fillRef idx="0"/>
+    <cs:effectRef idx="0"/>
+    <cs:fontRef idx="minor">
+      <a:schemeClr val="tx1"/>
+    </cs:fontRef>
+    <cs:spPr>
+      <a:ln w="9525" cap="flat" cmpd="sng" algn="ctr">
+        <a:solidFill>
+          <a:schemeClr val="tx1">
+            <a:lumMod val="35000"/>
+            <a:lumOff val="65000"/>
+          </a:schemeClr>
+        </a:solidFill>
+        <a:round/>
+      </a:ln>
+    </cs:spPr>
+  </cs:dropLine>
+  <cs:errorBar>
+    <cs:lnRef idx="0"/>
+    <cs:fillRef idx="0"/>
+    <cs:effectRef idx="0"/>
+    <cs:fontRef idx="minor">
+      <a:schemeClr val="tx1"/>
+    </cs:fontRef>
+    <cs:spPr>
+      <a:ln w="9525" cap="flat" cmpd="sng" algn="ctr">
+        <a:solidFill>
+          <a:schemeClr val="tx1">
+            <a:lumMod val="65000"/>
+            <a:lumOff val="35000"/>
+          </a:schemeClr>
+        </a:solidFill>
+        <a:round/>
+      </a:ln>
+    </cs:spPr>
+  </cs:errorBar>
+  <cs:floor>
+    <cs:lnRef idx="0"/>
+    <cs:fillRef idx="0"/>
+    <cs:effectRef idx="0"/>
+    <cs:fontRef idx="minor">
+      <a:schemeClr val="tx1"/>
+    </cs:fontRef>
+    <cs:spPr>
+      <a:noFill/>
+      <a:ln>
+        <a:noFill/>
+      </a:ln>
+    </cs:spPr>
+  </cs:floor>
+  <cs:gridlineMajor>
+    <cs:lnRef idx="0"/>
+    <cs:fillRef idx="0"/>
+    <cs:effectRef idx="0"/>
+    <cs:fontRef idx="minor">
+      <a:schemeClr val="tx1"/>
+    </cs:fontRef>
+    <cs:spPr>
+      <a:ln w="9525" cap="flat" cmpd="sng" algn="ctr">
+        <a:solidFill>
+          <a:schemeClr val="tx1">
+            <a:lumMod val="15000"/>
+            <a:lumOff val="85000"/>
+          </a:schemeClr>
+        </a:solidFill>
+        <a:round/>
+      </a:ln>
+    </cs:spPr>
+  </cs:gridlineMajor>
+  <cs:gridlineMinor>
+    <cs:lnRef idx="0"/>
+    <cs:fillRef idx="0"/>
+    <cs:effectRef idx="0"/>
+    <cs:fontRef idx="minor">
+      <a:schemeClr val="tx1"/>
+    </cs:fontRef>
+    <cs:spPr>
+      <a:ln w="9525" cap="flat" cmpd="sng" algn="ctr">
+        <a:solidFill>
+          <a:schemeClr val="tx1">
+            <a:lumMod val="5000"/>
+            <a:lumOff val="95000"/>
+          </a:schemeClr>
+        </a:solidFill>
+        <a:round/>
+      </a:ln>
+    </cs:spPr>
+  </cs:gridlineMinor>
+  <cs:hiLoLine>
+    <cs:lnRef idx="0"/>
+    <cs:fillRef idx="0"/>
+    <cs:effectRef idx="0"/>
+    <cs:fontRef idx="minor">
+      <a:schemeClr val="tx1"/>
+    </cs:fontRef>
+    <cs:spPr>
+      <a:ln w="9525" cap="flat" cmpd="sng" algn="ctr">
+        <a:solidFill>
+          <a:schemeClr val="tx1">
+            <a:lumMod val="75000"/>
+            <a:lumOff val="25000"/>
+          </a:schemeClr>
+        </a:solidFill>
+        <a:round/>
+      </a:ln>
+    </cs:spPr>
+  </cs:hiLoLine>
+  <cs:leaderLine>
+    <cs:lnRef idx="0"/>
+    <cs:fillRef idx="0"/>
+    <cs:effectRef idx="0"/>
+    <cs:fontRef idx="minor">
+      <a:schemeClr val="tx1"/>
+    </cs:fontRef>
+    <cs:spPr>
+      <a:ln w="9525" cap="flat" cmpd="sng" algn="ctr">
+        <a:solidFill>
+          <a:schemeClr val="tx1">
+            <a:lumMod val="35000"/>
+            <a:lumOff val="65000"/>
+          </a:schemeClr>
+        </a:solidFill>
+        <a:round/>
+      </a:ln>
+    </cs:spPr>
+  </cs:leaderLine>
+  <cs:legend>
+    <cs:lnRef idx="0"/>
+    <cs:fillRef idx="0"/>
+    <cs:effectRef idx="0"/>
+    <cs:fontRef idx="minor">
+      <a:schemeClr val="tx1">
+        <a:lumMod val="65000"/>
+        <a:lumOff val="35000"/>
+      </a:schemeClr>
+    </cs:fontRef>
+    <cs:defRPr sz="900" kern="1200"/>
+  </cs:legend>
+  <cs:plotArea mods="allowNoFillOverride allowNoLineOverride">
+    <cs:lnRef idx="0"/>
+    <cs:fillRef idx="0"/>
+    <cs:effectRef idx="0"/>
+    <cs:fontRef idx="minor">
+      <a:schemeClr val="tx1"/>
+    </cs:fontRef>
+  </cs:plotArea>
+  <cs:plotArea3D mods="allowNoFillOverride allowNoLineOverride">
+    <cs:lnRef idx="0"/>
+    <cs:fillRef idx="0"/>
+    <cs:effectRef idx="0"/>
+    <cs:fontRef idx="minor">
+      <a:schemeClr val="tx1"/>
+    </cs:fontRef>
+  </cs:plotArea3D>
+  <cs:seriesAxis>
+    <cs:lnRef idx="0"/>
+    <cs:fillRef idx="0"/>
+    <cs:effectRef idx="0"/>
+    <cs:fontRef idx="minor">
+      <a:schemeClr val="tx1">
+        <a:lumMod val="65000"/>
+        <a:lumOff val="35000"/>
+      </a:schemeClr>
+    </cs:fontRef>
+    <cs:defRPr sz="900" kern="1200"/>
+  </cs:seriesAxis>
+  <cs:seriesLine>
+    <cs:lnRef idx="0"/>
+    <cs:fillRef idx="0"/>
+    <cs:effectRef idx="0"/>
+    <cs:fontRef idx="minor">
+      <a:schemeClr val="tx1"/>
+    </cs:fontRef>
+    <cs:spPr>
+      <a:ln w="9525" cap="flat" cmpd="sng" algn="ctr">
+        <a:solidFill>
+          <a:schemeClr val="tx1">
+            <a:lumMod val="35000"/>
+            <a:lumOff val="65000"/>
+          </a:schemeClr>
+        </a:solidFill>
+        <a:round/>
+      </a:ln>
+    </cs:spPr>
+  </cs:seriesLine>
+  <cs:title>
+    <cs:lnRef idx="0"/>
+    <cs:fillRef idx="0"/>
+    <cs:effectRef idx="0"/>
+    <cs:fontRef idx="minor">
+      <a:schemeClr val="tx1">
+        <a:lumMod val="65000"/>
+        <a:lumOff val="35000"/>
+      </a:schemeClr>
+    </cs:fontRef>
+    <cs:defRPr sz="1400" b="0" kern="1200" spc="0" baseline="0"/>
+  </cs:title>
+  <cs:trendline>
+    <cs:lnRef idx="0">
+      <cs:styleClr val="auto"/>
+    </cs:lnRef>
+    <cs:fillRef idx="0"/>
+    <cs:effectRef idx="0"/>
+    <cs:fontRef idx="minor">
+      <a:schemeClr val="tx1"/>
+    </cs:fontRef>
+    <cs:spPr>
+      <a:ln w="19050" cap="rnd">
+        <a:solidFill>
+          <a:schemeClr val="phClr"/>
+        </a:solidFill>
+        <a:prstDash val="sysDot"/>
+      </a:ln>
+    </cs:spPr>
+  </cs:trendline>
+  <cs:trendlineLabel>
+    <cs:lnRef idx="0"/>
+    <cs:fillRef idx="0"/>
+    <cs:effectRef idx="0"/>
+    <cs:fontRef idx="minor">
+      <a:schemeClr val="tx1">
+        <a:lumMod val="65000"/>
+        <a:lumOff val="35000"/>
+      </a:schemeClr>
+    </cs:fontRef>
+    <cs:defRPr sz="900" kern="1200"/>
+  </cs:trendlineLabel>
+  <cs:upBar>
+    <cs:lnRef idx="0"/>
+    <cs:fillRef idx="0"/>
+    <cs:effectRef idx="0"/>
+    <cs:fontRef idx="minor">
+      <a:schemeClr val="dk1"/>
+    </cs:fontRef>
+    <cs:spPr>
+      <a:solidFill>
+        <a:schemeClr val="lt1"/>
+      </a:solidFill>
+      <a:ln w="9525">
+        <a:solidFill>
+          <a:schemeClr val="tx1">
+            <a:lumMod val="15000"/>
+            <a:lumOff val="85000"/>
+          </a:schemeClr>
+        </a:solidFill>
+      </a:ln>
+    </cs:spPr>
+  </cs:upBar>
+  <cs:valueAxis>
+    <cs:lnRef idx="0"/>
+    <cs:fillRef idx="0"/>
+    <cs:effectRef idx="0"/>
+    <cs:fontRef idx="minor">
+      <a:schemeClr val="tx1">
+        <a:lumMod val="65000"/>
+        <a:lumOff val="35000"/>
+      </a:schemeClr>
+    </cs:fontRef>
+    <cs:defRPr sz="900" kern="1200"/>
+  </cs:valueAxis>
+  <cs:wall>
+    <cs:lnRef idx="0"/>
+    <cs:fillRef idx="0"/>
+    <cs:effectRef idx="0"/>
+    <cs:fontRef idx="minor">
+      <a:schemeClr val="tx1"/>
+    </cs:fontRef>
+    <cs:spPr>
+      <a:noFill/>
+      <a:ln>
+        <a:noFill/>
+      </a:ln>
+    </cs:spPr>
+  </cs:wall>
+</cs:chartStyle>
 </file>
 
 <file path=ppt/handoutMasters/handoutMaster1.xml><?xml version="1.0" encoding="utf-8"?>
@@ -18769,7 +19780,7 @@
             <a:pPr rtl="0"/>
             <a:fld id="{60DD6774-CEAF-48E4-A5C8-52E9FD93D062}" type="datetime1">
               <a:rPr lang="de-DE" smtClean="0"/>
-              <a:t>04.07.2018</a:t>
+              <a:t>05.07.2018</a:t>
             </a:fld>
             <a:endParaRPr lang="de-DE" dirty="0"/>
           </a:p>
@@ -18947,7 +19958,7 @@
             <a:pPr rtl="0"/>
             <a:fld id="{B854CD51-C2EF-42C8-A86D-CF8C16A6F6DD}" type="datetime1">
               <a:rPr lang="de-DE" smtClean="0"/>
-              <a:t>04.07.2018</a:t>
+              <a:t>05.07.2018</a:t>
             </a:fld>
             <a:endParaRPr lang="de-DE" dirty="0"/>
           </a:p>
@@ -19743,6 +20754,92 @@
 </p:notes>
 </file>
 
+<file path=ppt/notesSlides/notesSlide7.xml><?xml version="1.0" encoding="utf-8"?>
+<p:notes xmlns:a="http://schemas.openxmlformats.org/drawingml/2006/main" xmlns:r="http://schemas.openxmlformats.org/officeDocument/2006/relationships" xmlns:p="http://schemas.openxmlformats.org/presentationml/2006/main">
+  <p:cSld>
+    <p:spTree>
+      <p:nvGrpSpPr>
+        <p:cNvPr id="1" name=""/>
+        <p:cNvGrpSpPr/>
+        <p:nvPr/>
+      </p:nvGrpSpPr>
+      <p:grpSpPr>
+        <a:xfrm>
+          <a:off x="0" y="0"/>
+          <a:ext cx="0" cy="0"/>
+          <a:chOff x="0" y="0"/>
+          <a:chExt cx="0" cy="0"/>
+        </a:xfrm>
+      </p:grpSpPr>
+      <p:sp>
+        <p:nvSpPr>
+          <p:cNvPr id="2" name="Folienbildplatzhalter 1"/>
+          <p:cNvSpPr>
+            <a:spLocks noGrp="1" noRot="1" noChangeAspect="1"/>
+          </p:cNvSpPr>
+          <p:nvPr>
+            <p:ph type="sldImg"/>
+          </p:nvPr>
+        </p:nvSpPr>
+        <p:spPr/>
+      </p:sp>
+      <p:sp>
+        <p:nvSpPr>
+          <p:cNvPr id="3" name="Notizenplatzhalter 2"/>
+          <p:cNvSpPr>
+            <a:spLocks noGrp="1"/>
+          </p:cNvSpPr>
+          <p:nvPr>
+            <p:ph type="body" idx="1"/>
+          </p:nvPr>
+        </p:nvSpPr>
+        <p:spPr/>
+        <p:txBody>
+          <a:bodyPr/>
+          <a:lstStyle/>
+          <a:p>
+            <a:endParaRPr lang="de-DE"/>
+          </a:p>
+        </p:txBody>
+      </p:sp>
+      <p:sp>
+        <p:nvSpPr>
+          <p:cNvPr id="4" name="Foliennummernplatzhalter 3"/>
+          <p:cNvSpPr>
+            <a:spLocks noGrp="1"/>
+          </p:cNvSpPr>
+          <p:nvPr>
+            <p:ph type="sldNum" sz="quarter" idx="10"/>
+          </p:nvPr>
+        </p:nvSpPr>
+        <p:spPr/>
+        <p:txBody>
+          <a:bodyPr/>
+          <a:lstStyle/>
+          <a:p>
+            <a:pPr rtl="0"/>
+            <a:fld id="{841221E5-7225-48EB-A4EE-420E7BFCF705}" type="slidenum">
+              <a:rPr lang="de-DE" smtClean="0"/>
+              <a:pPr rtl="0"/>
+              <a:t>16</a:t>
+            </a:fld>
+            <a:endParaRPr lang="de-DE" dirty="0"/>
+          </a:p>
+        </p:txBody>
+      </p:sp>
+    </p:spTree>
+    <p:extLst>
+      <p:ext uri="{BB962C8B-B14F-4D97-AF65-F5344CB8AC3E}">
+        <p14:creationId xmlns:p14="http://schemas.microsoft.com/office/powerpoint/2010/main" val="4018250674"/>
+      </p:ext>
+    </p:extLst>
+  </p:cSld>
+  <p:clrMapOvr>
+    <a:masterClrMapping/>
+  </p:clrMapOvr>
+</p:notes>
+</file>
+
 <file path=ppt/slideLayouts/slideLayout1.xml><?xml version="1.0" encoding="utf-8"?>
 <p:sldLayout xmlns:a="http://schemas.openxmlformats.org/drawingml/2006/main" xmlns:r="http://schemas.openxmlformats.org/officeDocument/2006/relationships" xmlns:p="http://schemas.openxmlformats.org/presentationml/2006/main" showMasterSp="0" type="title" preserve="1">
   <p:cSld name="Titelfolie">
@@ -20289,7 +21386,7 @@
             <a:pPr rtl="0"/>
             <a:fld id="{22BCE60B-F0E6-484C-81F0-935C931F4A51}" type="datetime1">
               <a:rPr lang="de-DE" smtClean="0"/>
-              <a:t>04.07.2018</a:t>
+              <a:t>05.07.2018</a:t>
             </a:fld>
             <a:endParaRPr lang="de-DE" dirty="0"/>
           </a:p>
@@ -20555,7 +21652,7 @@
             <a:pPr rtl="0"/>
             <a:fld id="{256B8493-FE35-44A9-9B6A-BA65CDE65479}" type="datetime1">
               <a:rPr lang="de-DE" smtClean="0"/>
-              <a:t>04.07.2018</a:t>
+              <a:t>05.07.2018</a:t>
             </a:fld>
             <a:endParaRPr lang="de-DE" dirty="0"/>
           </a:p>
@@ -21382,7 +22479,7 @@
             <a:pPr rtl="0"/>
             <a:fld id="{70C9B396-46BC-4858-9778-FCFFBF2EE3ED}" type="datetime1">
               <a:rPr lang="de-DE" smtClean="0"/>
-              <a:t>04.07.2018</a:t>
+              <a:t>05.07.2018</a:t>
             </a:fld>
             <a:endParaRPr lang="de-DE" dirty="0"/>
           </a:p>
@@ -21589,7 +22686,7 @@
             <a:pPr rtl="0"/>
             <a:fld id="{E7E1B52E-0AA9-48EB-9E6A-70EDF768B989}" type="datetime1">
               <a:rPr lang="de-DE" smtClean="0"/>
-              <a:t>04.07.2018</a:t>
+              <a:t>05.07.2018</a:t>
             </a:fld>
             <a:endParaRPr lang="de-DE" dirty="0"/>
           </a:p>
@@ -22862,7 +23959,7 @@
             <a:pPr rtl="0"/>
             <a:fld id="{3368BA20-C7AF-40F3-A621-9C4A63A84E27}" type="datetime1">
               <a:rPr lang="de-DE" smtClean="0"/>
-              <a:t>04.07.2018</a:t>
+              <a:t>05.07.2018</a:t>
             </a:fld>
             <a:endParaRPr lang="de-DE" dirty="0"/>
           </a:p>
@@ -23191,7 +24288,7 @@
             <a:pPr rtl="0"/>
             <a:fld id="{ABD0D92F-2783-48A8-ABAA-C2FA0A3D74C7}" type="datetime1">
               <a:rPr lang="de-DE" smtClean="0"/>
-              <a:t>04.07.2018</a:t>
+              <a:t>05.07.2018</a:t>
             </a:fld>
             <a:endParaRPr lang="de-DE" dirty="0"/>
           </a:p>
@@ -23646,7 +24743,7 @@
             <a:pPr rtl="0"/>
             <a:fld id="{CB06089D-6CE4-4871-9392-B72DD9C5FEAD}" type="datetime1">
               <a:rPr lang="de-DE" smtClean="0"/>
-              <a:t>04.07.2018</a:t>
+              <a:t>05.07.2018</a:t>
             </a:fld>
             <a:endParaRPr lang="de-DE" dirty="0"/>
           </a:p>
@@ -23783,7 +24880,7 @@
             <a:pPr rtl="0"/>
             <a:fld id="{2B0E0DBC-F8DE-49F1-8930-B778FBF1EC48}" type="datetime1">
               <a:rPr lang="de-DE" smtClean="0"/>
-              <a:t>04.07.2018</a:t>
+              <a:t>05.07.2018</a:t>
             </a:fld>
             <a:endParaRPr lang="de-DE" dirty="0"/>
           </a:p>
@@ -24125,7 +25222,7 @@
             <a:pPr rtl="0"/>
             <a:fld id="{7110341A-3943-42A1-8FAF-FDF421C5B147}" type="datetime1">
               <a:rPr lang="de-DE" smtClean="0"/>
-              <a:t>04.07.2018</a:t>
+              <a:t>05.07.2018</a:t>
             </a:fld>
             <a:endParaRPr lang="de-DE" dirty="0"/>
           </a:p>
@@ -24624,7 +25721,7 @@
             <a:pPr rtl="0"/>
             <a:fld id="{CEB86AEA-7905-4E5C-ADC8-1D9ADC4CAC06}" type="datetime1">
               <a:rPr lang="de-DE" smtClean="0"/>
-              <a:t>04.07.2018</a:t>
+              <a:t>05.07.2018</a:t>
             </a:fld>
             <a:endParaRPr lang="de-DE" dirty="0"/>
           </a:p>
@@ -25079,7 +26176,7 @@
             <a:pPr rtl="0"/>
             <a:fld id="{B0BEC0DA-8883-4A4F-953D-349E72E50F15}" type="datetime1">
               <a:rPr lang="de-DE" smtClean="0"/>
-              <a:t>04.07.2018</a:t>
+              <a:t>05.07.2018</a:t>
             </a:fld>
             <a:endParaRPr lang="de-DE" dirty="0"/>
           </a:p>
@@ -25610,7 +26707,7 @@
             <a:pPr rtl="0"/>
             <a:fld id="{5453ED8C-D308-4BBB-AC19-4F3DC9F8A0E2}" type="datetime1">
               <a:rPr lang="de-DE" smtClean="0"/>
-              <a:t>04.07.2018</a:t>
+              <a:t>05.07.2018</a:t>
             </a:fld>
             <a:endParaRPr lang="de-DE" dirty="0"/>
           </a:p>
@@ -26256,7 +27353,7 @@
           <a:p>
             <a:r>
               <a:rPr lang="de-DE" dirty="0"/>
-              <a:t>Berechnung - Hochsprung/Weitsprung</a:t>
+              <a:t>Berechnung - Hochsprung/Weitsprung (5)</a:t>
             </a:r>
           </a:p>
         </p:txBody>
@@ -26314,7 +27411,7 @@
                 <a:ea typeface="+mn-ea"/>
                 <a:cs typeface="+mn-cs"/>
               </a:rPr>
-              <a:t>04.07.2018</a:t>
+              <a:t>05.07.2018</a:t>
             </a:fld>
             <a:endParaRPr kumimoji="0" lang="de-DE" sz="1200" b="0" i="0" u="none" strike="noStrike" kern="1200" cap="all" spc="0" normalizeH="0" baseline="0" noProof="0" dirty="0">
               <a:ln>
@@ -26589,7 +27686,7 @@
           <a:p>
             <a:r>
               <a:rPr lang="de-DE" dirty="0"/>
-              <a:t>Berechnung - Drehung</a:t>
+              <a:t>Berechnung - Drehung </a:t>
             </a:r>
           </a:p>
         </p:txBody>
@@ -26670,7 +27767,7 @@
             <a:pPr rtl="0"/>
             <a:fld id="{5A02546E-2A82-4705-AE88-C362814FD9B5}" type="datetime1">
               <a:rPr lang="de-DE" smtClean="0"/>
-              <a:t>04.07.2018</a:t>
+              <a:t>05.07.2018</a:t>
             </a:fld>
             <a:endParaRPr lang="de-DE" dirty="0"/>
           </a:p>
@@ -26692,16 +27789,20 @@
             <p:ph type="ftr" sz="quarter" idx="11"/>
           </p:nvPr>
         </p:nvSpPr>
-        <p:spPr/>
+        <p:spPr>
+          <a:xfrm>
+            <a:off x="4497803" y="6356967"/>
+            <a:ext cx="3974065" cy="365125"/>
+          </a:xfrm>
+        </p:spPr>
         <p:txBody>
           <a:bodyPr/>
           <a:lstStyle/>
           <a:p>
             <a:r>
-              <a:rPr lang="de-DE"/>
+              <a:rPr lang="de-DE" dirty="0"/>
               <a:t>Präsentation 3                Web-Engineering</a:t>
             </a:r>
-            <a:endParaRPr lang="de-DE" dirty="0"/>
           </a:p>
         </p:txBody>
       </p:sp>
@@ -26749,7 +27850,7 @@
         </p:nvSpPr>
         <p:spPr>
           <a:xfrm>
-            <a:off x="3750650" y="3734328"/>
+            <a:off x="3770080" y="3706311"/>
             <a:ext cx="2376264" cy="2376000"/>
           </a:xfrm>
           <a:prstGeom prst="ellipse">
@@ -26781,54 +27882,6 @@
       </p:sp>
       <p:sp>
         <p:nvSpPr>
-          <p:cNvPr id="10" name="Rechteck 9">
-            <a:extLst>
-              <a:ext uri="{FF2B5EF4-FFF2-40B4-BE49-F238E27FC236}">
-                <a16:creationId xmlns:a16="http://schemas.microsoft.com/office/drawing/2014/main" id="{AE274CDB-A4DD-4143-B504-9D1D9BD4A534}"/>
-              </a:ext>
-            </a:extLst>
-          </p:cNvPr>
-          <p:cNvSpPr/>
-          <p:nvPr/>
-        </p:nvSpPr>
-        <p:spPr>
-          <a:xfrm>
-            <a:off x="1823318" y="3022123"/>
-            <a:ext cx="6165924" cy="461665"/>
-          </a:xfrm>
-          <a:prstGeom prst="rect">
-            <a:avLst/>
-          </a:prstGeom>
-          <a:noFill/>
-        </p:spPr>
-        <p:txBody>
-          <a:bodyPr wrap="square" lIns="91440" tIns="45720" rIns="91440" bIns="45720">
-            <a:spAutoFit/>
-          </a:bodyPr>
-          <a:lstStyle/>
-          <a:p>
-            <a:pPr algn="ctr"/>
-            <a:r>
-              <a:rPr lang="de-DE" sz="2400" b="0" cap="none" spc="0" dirty="0">
-                <a:ln w="0"/>
-                <a:solidFill>
-                  <a:schemeClr val="tx1"/>
-                </a:solidFill>
-                <a:effectLst>
-                  <a:outerShdw blurRad="38100" dist="19050" dir="2700000" algn="tl" rotWithShape="0">
-                    <a:schemeClr val="dk1">
-                      <a:alpha val="40000"/>
-                    </a:schemeClr>
-                  </a:outerShdw>
-                </a:effectLst>
-              </a:rPr>
-              <a:t>Start : Anzahl Drehungen = -1</a:t>
-            </a:r>
-          </a:p>
-        </p:txBody>
-      </p:sp>
-      <p:sp>
-        <p:nvSpPr>
           <p:cNvPr id="11" name="Teilkreis 10">
             <a:extLst>
               <a:ext uri="{FF2B5EF4-FFF2-40B4-BE49-F238E27FC236}">
@@ -26840,12 +27893,15 @@
           <p:nvPr/>
         </p:nvSpPr>
         <p:spPr>
-          <a:xfrm rot="2666780">
-            <a:off x="4072337" y="4044631"/>
-            <a:ext cx="1764000" cy="1764000"/>
+          <a:xfrm rot="2649657">
+            <a:off x="4076212" y="4026066"/>
+            <a:ext cx="1764000" cy="1736485"/>
           </a:xfrm>
           <a:prstGeom prst="pie">
-            <a:avLst/>
+            <a:avLst>
+              <a:gd name="adj1" fmla="val 20790440"/>
+              <a:gd name="adj2" fmla="val 17114324"/>
+            </a:avLst>
           </a:prstGeom>
         </p:spPr>
         <p:style>
@@ -26877,48 +27933,6 @@
           </a:p>
         </p:txBody>
       </p:sp>
-      <p:cxnSp>
-        <p:nvCxnSpPr>
-          <p:cNvPr id="13" name="Gerade Verbindung mit Pfeil 12">
-            <a:extLst>
-              <a:ext uri="{FF2B5EF4-FFF2-40B4-BE49-F238E27FC236}">
-                <a16:creationId xmlns:a16="http://schemas.microsoft.com/office/drawing/2014/main" id="{536FE45C-0101-4B5D-B4CE-C8034773B96E}"/>
-              </a:ext>
-            </a:extLst>
-          </p:cNvPr>
-          <p:cNvCxnSpPr>
-            <a:stCxn id="10" idx="2"/>
-            <a:endCxn id="9" idx="0"/>
-          </p:cNvCxnSpPr>
-          <p:nvPr/>
-        </p:nvCxnSpPr>
-        <p:spPr>
-          <a:xfrm>
-            <a:off x="4906280" y="3483788"/>
-            <a:ext cx="32502" cy="250540"/>
-          </a:xfrm>
-          <a:prstGeom prst="straightConnector1">
-            <a:avLst/>
-          </a:prstGeom>
-          <a:ln>
-            <a:tailEnd type="triangle"/>
-          </a:ln>
-        </p:spPr>
-        <p:style>
-          <a:lnRef idx="3">
-            <a:schemeClr val="accent1"/>
-          </a:lnRef>
-          <a:fillRef idx="0">
-            <a:schemeClr val="accent1"/>
-          </a:fillRef>
-          <a:effectRef idx="2">
-            <a:schemeClr val="accent1"/>
-          </a:effectRef>
-          <a:fontRef idx="minor">
-            <a:schemeClr val="tx1"/>
-          </a:fontRef>
-        </p:style>
-      </p:cxnSp>
       <p:sp>
         <p:nvSpPr>
           <p:cNvPr id="15" name="Rechteck 14">
@@ -26933,8 +27947,8 @@
         </p:nvSpPr>
         <p:spPr>
           <a:xfrm>
-            <a:off x="6827590" y="4028480"/>
-            <a:ext cx="4798172" cy="1200329"/>
+            <a:off x="7006124" y="4109481"/>
+            <a:ext cx="4791456" cy="1569660"/>
           </a:xfrm>
           <a:prstGeom prst="rect">
             <a:avLst/>
@@ -26942,7 +27956,7 @@
           <a:noFill/>
         </p:spPr>
         <p:txBody>
-          <a:bodyPr wrap="none" lIns="91440" tIns="45720" rIns="91440" bIns="45720">
+          <a:bodyPr wrap="square" lIns="91440" tIns="45720" rIns="91440" bIns="45720">
             <a:spAutoFit/>
           </a:bodyPr>
           <a:lstStyle/>
@@ -26971,6 +27985,28 @@
               <a:buChar char="-"/>
             </a:pPr>
             <a:r>
+              <a:rPr lang="de-DE" sz="2400" cap="none" spc="0" dirty="0">
+                <a:ln w="0"/>
+                <a:solidFill>
+                  <a:schemeClr val="tx1"/>
+                </a:solidFill>
+                <a:effectLst>
+                  <a:outerShdw blurRad="38100" dist="19050" dir="2700000" algn="tl" rotWithShape="0">
+                    <a:schemeClr val="dk1">
+                      <a:alpha val="40000"/>
+                    </a:schemeClr>
+                  </a:outerShdw>
+                </a:effectLst>
+              </a:rPr>
+              <a:t>Setze Kontrollwinkel auf +180</a:t>
+            </a:r>
+          </a:p>
+          <a:p>
+            <a:pPr marL="457200" indent="-457200" algn="ctr">
+              <a:buFontTx/>
+              <a:buChar char="-"/>
+            </a:pPr>
+            <a:r>
               <a:rPr lang="de-DE" sz="2400" dirty="0">
                 <a:ln w="0"/>
                 <a:effectLst>
@@ -26989,66 +28025,22 @@
               <a:buFontTx/>
               <a:buChar char="-"/>
             </a:pPr>
-            <a:r>
-              <a:rPr lang="de-DE" sz="2400" cap="none" spc="0" dirty="0">
-                <a:ln w="0"/>
-                <a:solidFill>
-                  <a:schemeClr val="tx1"/>
-                </a:solidFill>
-                <a:effectLst>
-                  <a:outerShdw blurRad="38100" dist="19050" dir="2700000" algn="tl" rotWithShape="0">
-                    <a:schemeClr val="dk1">
-                      <a:alpha val="40000"/>
-                    </a:schemeClr>
-                  </a:outerShdw>
-                </a:effectLst>
-              </a:rPr>
-              <a:t>Setze Kontrollwinkel auf +180</a:t>
-            </a:r>
+            <a:endParaRPr lang="de-DE" sz="2400" cap="none" spc="0" dirty="0">
+              <a:ln w="0"/>
+              <a:solidFill>
+                <a:schemeClr val="tx1"/>
+              </a:solidFill>
+              <a:effectLst>
+                <a:outerShdw blurRad="38100" dist="19050" dir="2700000" algn="tl" rotWithShape="0">
+                  <a:schemeClr val="dk1">
+                    <a:alpha val="40000"/>
+                  </a:schemeClr>
+                </a:outerShdw>
+              </a:effectLst>
+            </a:endParaRPr>
           </a:p>
         </p:txBody>
       </p:sp>
-      <p:cxnSp>
-        <p:nvCxnSpPr>
-          <p:cNvPr id="17" name="Gerade Verbindung mit Pfeil 16">
-            <a:extLst>
-              <a:ext uri="{FF2B5EF4-FFF2-40B4-BE49-F238E27FC236}">
-                <a16:creationId xmlns:a16="http://schemas.microsoft.com/office/drawing/2014/main" id="{CEBD275F-CFA7-4965-8FF2-DD47C54E3C15}"/>
-              </a:ext>
-            </a:extLst>
-          </p:cNvPr>
-          <p:cNvCxnSpPr>
-            <a:cxnSpLocks/>
-          </p:cNvCxnSpPr>
-          <p:nvPr/>
-        </p:nvCxnSpPr>
-        <p:spPr>
-          <a:xfrm flipH="1">
-            <a:off x="5662365" y="4509120"/>
-            <a:ext cx="1872207" cy="385191"/>
-          </a:xfrm>
-          <a:prstGeom prst="straightConnector1">
-            <a:avLst/>
-          </a:prstGeom>
-          <a:ln>
-            <a:tailEnd type="triangle"/>
-          </a:ln>
-        </p:spPr>
-        <p:style>
-          <a:lnRef idx="3">
-            <a:schemeClr val="accent1"/>
-          </a:lnRef>
-          <a:fillRef idx="0">
-            <a:schemeClr val="accent1"/>
-          </a:fillRef>
-          <a:effectRef idx="2">
-            <a:schemeClr val="accent1"/>
-          </a:effectRef>
-          <a:fontRef idx="minor">
-            <a:schemeClr val="tx1"/>
-          </a:fontRef>
-        </p:style>
-      </p:cxnSp>
       <p:sp>
         <p:nvSpPr>
           <p:cNvPr id="19" name="Gleichschenkliges Dreieck 18">
@@ -27062,9 +28054,9 @@
           <p:nvPr/>
         </p:nvSpPr>
         <p:spPr>
-          <a:xfrm rot="5400000">
-            <a:off x="3002957" y="4029850"/>
-            <a:ext cx="2086694" cy="1784956"/>
+          <a:xfrm rot="16200000">
+            <a:off x="4798800" y="4011464"/>
+            <a:ext cx="2084516" cy="1765691"/>
           </a:xfrm>
           <a:prstGeom prst="triangle">
             <a:avLst/>
@@ -27110,7 +28102,7 @@
         </p:nvSpPr>
         <p:spPr>
           <a:xfrm>
-            <a:off x="573112" y="4518623"/>
+            <a:off x="1172093" y="3297800"/>
             <a:ext cx="3280322" cy="461665"/>
           </a:xfrm>
           <a:prstGeom prst="rect">
@@ -27144,6 +28136,169 @@
           </a:p>
         </p:txBody>
       </p:sp>
+      <p:sp>
+        <p:nvSpPr>
+          <p:cNvPr id="18" name="Gleichschenkliges Dreieck 17">
+            <a:extLst>
+              <a:ext uri="{FF2B5EF4-FFF2-40B4-BE49-F238E27FC236}">
+                <a16:creationId xmlns:a16="http://schemas.microsoft.com/office/drawing/2014/main" id="{A7829A00-DC10-4BC0-B906-DA712B6064BC}"/>
+              </a:ext>
+            </a:extLst>
+          </p:cNvPr>
+          <p:cNvSpPr/>
+          <p:nvPr/>
+        </p:nvSpPr>
+        <p:spPr>
+          <a:xfrm rot="5400000">
+            <a:off x="3025488" y="4003846"/>
+            <a:ext cx="2084516" cy="1765691"/>
+          </a:xfrm>
+          <a:prstGeom prst="triangle">
+            <a:avLst/>
+          </a:prstGeom>
+          <a:noFill/>
+        </p:spPr>
+        <p:style>
+          <a:lnRef idx="2">
+            <a:schemeClr val="accent1">
+              <a:shade val="50000"/>
+            </a:schemeClr>
+          </a:lnRef>
+          <a:fillRef idx="1">
+            <a:schemeClr val="accent1"/>
+          </a:fillRef>
+          <a:effectRef idx="0">
+            <a:schemeClr val="accent1"/>
+          </a:effectRef>
+          <a:fontRef idx="minor">
+            <a:schemeClr val="lt1"/>
+          </a:fontRef>
+        </p:style>
+        <p:txBody>
+          <a:bodyPr rtlCol="0" anchor="ctr"/>
+          <a:lstStyle/>
+          <a:p>
+            <a:pPr algn="ctr"/>
+            <a:endParaRPr lang="de-DE"/>
+          </a:p>
+        </p:txBody>
+      </p:sp>
+      <p:sp>
+        <p:nvSpPr>
+          <p:cNvPr id="14" name="Pfeil: nach links 13">
+            <a:extLst>
+              <a:ext uri="{FF2B5EF4-FFF2-40B4-BE49-F238E27FC236}">
+                <a16:creationId xmlns:a16="http://schemas.microsoft.com/office/drawing/2014/main" id="{DA6C3966-78D4-40DC-9AFA-8921FD7B2ECD}"/>
+              </a:ext>
+            </a:extLst>
+          </p:cNvPr>
+          <p:cNvSpPr/>
+          <p:nvPr/>
+        </p:nvSpPr>
+        <p:spPr>
+          <a:xfrm rot="20688708">
+            <a:off x="5687837" y="4609124"/>
+            <a:ext cx="1237556" cy="235086"/>
+          </a:xfrm>
+          <a:prstGeom prst="leftArrow">
+            <a:avLst>
+              <a:gd name="adj1" fmla="val 33229"/>
+              <a:gd name="adj2" fmla="val 54193"/>
+            </a:avLst>
+          </a:prstGeom>
+        </p:spPr>
+        <p:style>
+          <a:lnRef idx="2">
+            <a:schemeClr val="accent1">
+              <a:shade val="50000"/>
+            </a:schemeClr>
+          </a:lnRef>
+          <a:fillRef idx="1">
+            <a:schemeClr val="accent1"/>
+          </a:fillRef>
+          <a:effectRef idx="0">
+            <a:schemeClr val="accent1"/>
+          </a:effectRef>
+          <a:fontRef idx="minor">
+            <a:schemeClr val="lt1"/>
+          </a:fontRef>
+        </p:style>
+        <p:txBody>
+          <a:bodyPr rtlCol="0" anchor="ctr"/>
+          <a:lstStyle/>
+          <a:p>
+            <a:pPr algn="ctr"/>
+            <a:endParaRPr lang="de-DE" dirty="0">
+              <a:ln w="0"/>
+              <a:effectLst>
+                <a:outerShdw blurRad="38100" dist="19050" dir="2700000" algn="tl" rotWithShape="0">
+                  <a:schemeClr val="dk1">
+                    <a:alpha val="40000"/>
+                  </a:schemeClr>
+                </a:outerShdw>
+              </a:effectLst>
+            </a:endParaRPr>
+          </a:p>
+        </p:txBody>
+      </p:sp>
+      <p:sp>
+        <p:nvSpPr>
+          <p:cNvPr id="21" name="Pfeil: nach links 20">
+            <a:extLst>
+              <a:ext uri="{FF2B5EF4-FFF2-40B4-BE49-F238E27FC236}">
+                <a16:creationId xmlns:a16="http://schemas.microsoft.com/office/drawing/2014/main" id="{E0BE8DDD-9A9A-4149-83B0-90BD9F6DB567}"/>
+              </a:ext>
+            </a:extLst>
+          </p:cNvPr>
+          <p:cNvSpPr/>
+          <p:nvPr/>
+        </p:nvSpPr>
+        <p:spPr>
+          <a:xfrm rot="12639199">
+            <a:off x="2465604" y="4253566"/>
+            <a:ext cx="1744841" cy="270497"/>
+          </a:xfrm>
+          <a:prstGeom prst="leftArrow">
+            <a:avLst>
+              <a:gd name="adj1" fmla="val 33229"/>
+              <a:gd name="adj2" fmla="val 54193"/>
+            </a:avLst>
+          </a:prstGeom>
+        </p:spPr>
+        <p:style>
+          <a:lnRef idx="2">
+            <a:schemeClr val="accent1">
+              <a:shade val="50000"/>
+            </a:schemeClr>
+          </a:lnRef>
+          <a:fillRef idx="1">
+            <a:schemeClr val="accent1"/>
+          </a:fillRef>
+          <a:effectRef idx="0">
+            <a:schemeClr val="accent1"/>
+          </a:effectRef>
+          <a:fontRef idx="minor">
+            <a:schemeClr val="lt1"/>
+          </a:fontRef>
+        </p:style>
+        <p:txBody>
+          <a:bodyPr rtlCol="0" anchor="ctr"/>
+          <a:lstStyle/>
+          <a:p>
+            <a:pPr algn="ctr"/>
+            <a:endParaRPr lang="de-DE" dirty="0">
+              <a:ln w="0"/>
+              <a:effectLst>
+                <a:outerShdw blurRad="38100" dist="19050" dir="2700000" algn="tl" rotWithShape="0">
+                  <a:schemeClr val="dk1">
+                    <a:alpha val="40000"/>
+                  </a:schemeClr>
+                </a:outerShdw>
+              </a:effectLst>
+            </a:endParaRPr>
+          </a:p>
+        </p:txBody>
+      </p:sp>
     </p:spTree>
     <p:extLst>
       <p:ext uri="{BB962C8B-B14F-4D97-AF65-F5344CB8AC3E}">
@@ -27166,6 +28321,608 @@
       </p:transition>
     </mc:Fallback>
   </mc:AlternateContent>
+  <p:timing>
+    <p:tnLst>
+      <p:par>
+        <p:cTn id="1" dur="indefinite" restart="never" nodeType="tmRoot">
+          <p:childTnLst>
+            <p:seq concurrent="1" nextAc="seek">
+              <p:cTn id="2" dur="indefinite" nodeType="mainSeq">
+                <p:childTnLst>
+                  <p:par>
+                    <p:cTn id="3" fill="hold">
+                      <p:stCondLst>
+                        <p:cond delay="indefinite"/>
+                      </p:stCondLst>
+                      <p:childTnLst>
+                        <p:par>
+                          <p:cTn id="4" fill="hold">
+                            <p:stCondLst>
+                              <p:cond delay="0"/>
+                            </p:stCondLst>
+                            <p:childTnLst>
+                              <p:par>
+                                <p:cTn id="5" presetID="1" presetClass="entr" presetSubtype="0" fill="hold" grpId="0" nodeType="clickEffect">
+                                  <p:stCondLst>
+                                    <p:cond delay="0"/>
+                                  </p:stCondLst>
+                                  <p:childTnLst>
+                                    <p:set>
+                                      <p:cBhvr>
+                                        <p:cTn id="6" dur="1" fill="hold">
+                                          <p:stCondLst>
+                                            <p:cond delay="0"/>
+                                          </p:stCondLst>
+                                        </p:cTn>
+                                        <p:tgtEl>
+                                          <p:spTgt spid="9"/>
+                                        </p:tgtEl>
+                                        <p:attrNameLst>
+                                          <p:attrName>style.visibility</p:attrName>
+                                        </p:attrNameLst>
+                                      </p:cBhvr>
+                                      <p:to>
+                                        <p:strVal val="visible"/>
+                                      </p:to>
+                                    </p:set>
+                                  </p:childTnLst>
+                                </p:cTn>
+                              </p:par>
+                              <p:par>
+                                <p:cTn id="7" presetID="1" presetClass="entr" presetSubtype="0" fill="hold" grpId="0" nodeType="withEffect">
+                                  <p:stCondLst>
+                                    <p:cond delay="0"/>
+                                  </p:stCondLst>
+                                  <p:childTnLst>
+                                    <p:set>
+                                      <p:cBhvr>
+                                        <p:cTn id="8" dur="1" fill="hold">
+                                          <p:stCondLst>
+                                            <p:cond delay="0"/>
+                                          </p:stCondLst>
+                                        </p:cTn>
+                                        <p:tgtEl>
+                                          <p:spTgt spid="11"/>
+                                        </p:tgtEl>
+                                        <p:attrNameLst>
+                                          <p:attrName>style.visibility</p:attrName>
+                                        </p:attrNameLst>
+                                      </p:cBhvr>
+                                      <p:to>
+                                        <p:strVal val="visible"/>
+                                      </p:to>
+                                    </p:set>
+                                  </p:childTnLst>
+                                </p:cTn>
+                              </p:par>
+                              <p:par>
+                                <p:cTn id="9" presetID="1" presetClass="entr" presetSubtype="0" fill="hold" grpId="0" nodeType="withEffect">
+                                  <p:stCondLst>
+                                    <p:cond delay="0"/>
+                                  </p:stCondLst>
+                                  <p:childTnLst>
+                                    <p:set>
+                                      <p:cBhvr>
+                                        <p:cTn id="10" dur="1" fill="hold">
+                                          <p:stCondLst>
+                                            <p:cond delay="0"/>
+                                          </p:stCondLst>
+                                        </p:cTn>
+                                        <p:tgtEl>
+                                          <p:spTgt spid="15"/>
+                                        </p:tgtEl>
+                                        <p:attrNameLst>
+                                          <p:attrName>style.visibility</p:attrName>
+                                        </p:attrNameLst>
+                                      </p:cBhvr>
+                                      <p:to>
+                                        <p:strVal val="visible"/>
+                                      </p:to>
+                                    </p:set>
+                                  </p:childTnLst>
+                                </p:cTn>
+                              </p:par>
+                              <p:par>
+                                <p:cTn id="11" presetID="1" presetClass="entr" presetSubtype="0" fill="hold" grpId="0" nodeType="withEffect">
+                                  <p:stCondLst>
+                                    <p:cond delay="0"/>
+                                  </p:stCondLst>
+                                  <p:childTnLst>
+                                    <p:set>
+                                      <p:cBhvr>
+                                        <p:cTn id="12" dur="1" fill="hold">
+                                          <p:stCondLst>
+                                            <p:cond delay="0"/>
+                                          </p:stCondLst>
+                                        </p:cTn>
+                                        <p:tgtEl>
+                                          <p:spTgt spid="14"/>
+                                        </p:tgtEl>
+                                        <p:attrNameLst>
+                                          <p:attrName>style.visibility</p:attrName>
+                                        </p:attrNameLst>
+                                      </p:cBhvr>
+                                      <p:to>
+                                        <p:strVal val="visible"/>
+                                      </p:to>
+                                    </p:set>
+                                  </p:childTnLst>
+                                </p:cTn>
+                              </p:par>
+                              <p:par>
+                                <p:cTn id="13" presetID="1" presetClass="entr" presetSubtype="0" fill="hold" grpId="0" nodeType="withEffect">
+                                  <p:stCondLst>
+                                    <p:cond delay="0"/>
+                                  </p:stCondLst>
+                                  <p:childTnLst>
+                                    <p:set>
+                                      <p:cBhvr>
+                                        <p:cTn id="14" dur="1" fill="hold">
+                                          <p:stCondLst>
+                                            <p:cond delay="0"/>
+                                          </p:stCondLst>
+                                        </p:cTn>
+                                        <p:tgtEl>
+                                          <p:spTgt spid="19"/>
+                                        </p:tgtEl>
+                                        <p:attrNameLst>
+                                          <p:attrName>style.visibility</p:attrName>
+                                        </p:attrNameLst>
+                                      </p:cBhvr>
+                                      <p:to>
+                                        <p:strVal val="visible"/>
+                                      </p:to>
+                                    </p:set>
+                                  </p:childTnLst>
+                                </p:cTn>
+                              </p:par>
+                            </p:childTnLst>
+                          </p:cTn>
+                        </p:par>
+                      </p:childTnLst>
+                    </p:cTn>
+                  </p:par>
+                  <p:par>
+                    <p:cTn id="15" fill="hold">
+                      <p:stCondLst>
+                        <p:cond delay="indefinite"/>
+                      </p:stCondLst>
+                      <p:childTnLst>
+                        <p:par>
+                          <p:cTn id="16" fill="hold">
+                            <p:stCondLst>
+                              <p:cond delay="0"/>
+                            </p:stCondLst>
+                            <p:childTnLst>
+                              <p:par>
+                                <p:cTn id="17" presetID="1" presetClass="exit" presetSubtype="0" fill="hold" grpId="1" nodeType="clickEffect">
+                                  <p:stCondLst>
+                                    <p:cond delay="0"/>
+                                  </p:stCondLst>
+                                  <p:childTnLst>
+                                    <p:set>
+                                      <p:cBhvr>
+                                        <p:cTn id="18" dur="1" fill="hold">
+                                          <p:stCondLst>
+                                            <p:cond delay="0"/>
+                                          </p:stCondLst>
+                                        </p:cTn>
+                                        <p:tgtEl>
+                                          <p:spTgt spid="19"/>
+                                        </p:tgtEl>
+                                        <p:attrNameLst>
+                                          <p:attrName>style.visibility</p:attrName>
+                                        </p:attrNameLst>
+                                      </p:cBhvr>
+                                      <p:to>
+                                        <p:strVal val="hidden"/>
+                                      </p:to>
+                                    </p:set>
+                                  </p:childTnLst>
+                                </p:cTn>
+                              </p:par>
+                              <p:par>
+                                <p:cTn id="19" presetID="1" presetClass="exit" presetSubtype="0" fill="hold" grpId="1" nodeType="withEffect">
+                                  <p:stCondLst>
+                                    <p:cond delay="0"/>
+                                  </p:stCondLst>
+                                  <p:childTnLst>
+                                    <p:set>
+                                      <p:cBhvr>
+                                        <p:cTn id="20" dur="1" fill="hold">
+                                          <p:stCondLst>
+                                            <p:cond delay="0"/>
+                                          </p:stCondLst>
+                                        </p:cTn>
+                                        <p:tgtEl>
+                                          <p:spTgt spid="14"/>
+                                        </p:tgtEl>
+                                        <p:attrNameLst>
+                                          <p:attrName>style.visibility</p:attrName>
+                                        </p:attrNameLst>
+                                      </p:cBhvr>
+                                      <p:to>
+                                        <p:strVal val="hidden"/>
+                                      </p:to>
+                                    </p:set>
+                                  </p:childTnLst>
+                                </p:cTn>
+                              </p:par>
+                              <p:par>
+                                <p:cTn id="21" presetID="8" presetClass="emph" presetSubtype="0" fill="hold" grpId="1" nodeType="withEffect">
+                                  <p:stCondLst>
+                                    <p:cond delay="0"/>
+                                  </p:stCondLst>
+                                  <p:childTnLst>
+                                    <p:animRot by="-10800000">
+                                      <p:cBhvr>
+                                        <p:cTn id="22" dur="2000" fill="hold"/>
+                                        <p:tgtEl>
+                                          <p:spTgt spid="11"/>
+                                        </p:tgtEl>
+                                        <p:attrNameLst>
+                                          <p:attrName>r</p:attrName>
+                                        </p:attrNameLst>
+                                      </p:cBhvr>
+                                    </p:animRot>
+                                  </p:childTnLst>
+                                </p:cTn>
+                              </p:par>
+                              <p:par>
+                                <p:cTn id="23" presetID="63" presetClass="path" presetSubtype="0" accel="50000" decel="50000" fill="hold" grpId="2" nodeType="withEffect">
+                                  <p:stCondLst>
+                                    <p:cond delay="0"/>
+                                  </p:stCondLst>
+                                  <p:childTnLst>
+                                    <p:animMotion origin="layout" path="M 3.45142E-6 2.59259E-6 L 0.00833 2.59259E-6 " pathEditMode="relative" rAng="0" ptsTypes="AA">
+                                      <p:cBhvr>
+                                        <p:cTn id="24" dur="2000" fill="hold"/>
+                                        <p:tgtEl>
+                                          <p:spTgt spid="11"/>
+                                        </p:tgtEl>
+                                        <p:attrNameLst>
+                                          <p:attrName>ppt_x</p:attrName>
+                                          <p:attrName>ppt_y</p:attrName>
+                                        </p:attrNameLst>
+                                      </p:cBhvr>
+                                      <p:rCtr x="417" y="0"/>
+                                    </p:animMotion>
+                                  </p:childTnLst>
+                                </p:cTn>
+                              </p:par>
+                              <p:par>
+                                <p:cTn id="25" presetID="1" presetClass="entr" presetSubtype="0" fill="hold" grpId="0" nodeType="withEffect">
+                                  <p:stCondLst>
+                                    <p:cond delay="0"/>
+                                  </p:stCondLst>
+                                  <p:childTnLst>
+                                    <p:set>
+                                      <p:cBhvr>
+                                        <p:cTn id="26" dur="1" fill="hold">
+                                          <p:stCondLst>
+                                            <p:cond delay="0"/>
+                                          </p:stCondLst>
+                                        </p:cTn>
+                                        <p:tgtEl>
+                                          <p:spTgt spid="20"/>
+                                        </p:tgtEl>
+                                        <p:attrNameLst>
+                                          <p:attrName>style.visibility</p:attrName>
+                                        </p:attrNameLst>
+                                      </p:cBhvr>
+                                      <p:to>
+                                        <p:strVal val="visible"/>
+                                      </p:to>
+                                    </p:set>
+                                  </p:childTnLst>
+                                </p:cTn>
+                              </p:par>
+                            </p:childTnLst>
+                          </p:cTn>
+                        </p:par>
+                        <p:par>
+                          <p:cTn id="27" fill="hold">
+                            <p:stCondLst>
+                              <p:cond delay="2000"/>
+                            </p:stCondLst>
+                            <p:childTnLst>
+                              <p:par>
+                                <p:cTn id="28" presetID="1" presetClass="entr" presetSubtype="0" fill="hold" grpId="0" nodeType="afterEffect">
+                                  <p:stCondLst>
+                                    <p:cond delay="0"/>
+                                  </p:stCondLst>
+                                  <p:childTnLst>
+                                    <p:set>
+                                      <p:cBhvr>
+                                        <p:cTn id="29" dur="1" fill="hold">
+                                          <p:stCondLst>
+                                            <p:cond delay="0"/>
+                                          </p:stCondLst>
+                                        </p:cTn>
+                                        <p:tgtEl>
+                                          <p:spTgt spid="18"/>
+                                        </p:tgtEl>
+                                        <p:attrNameLst>
+                                          <p:attrName>style.visibility</p:attrName>
+                                        </p:attrNameLst>
+                                      </p:cBhvr>
+                                      <p:to>
+                                        <p:strVal val="visible"/>
+                                      </p:to>
+                                    </p:set>
+                                  </p:childTnLst>
+                                </p:cTn>
+                              </p:par>
+                            </p:childTnLst>
+                          </p:cTn>
+                        </p:par>
+                        <p:par>
+                          <p:cTn id="30" fill="hold">
+                            <p:stCondLst>
+                              <p:cond delay="2000"/>
+                            </p:stCondLst>
+                            <p:childTnLst>
+                              <p:par>
+                                <p:cTn id="31" presetID="1" presetClass="entr" presetSubtype="0" fill="hold" grpId="0" nodeType="afterEffect">
+                                  <p:stCondLst>
+                                    <p:cond delay="0"/>
+                                  </p:stCondLst>
+                                  <p:childTnLst>
+                                    <p:set>
+                                      <p:cBhvr>
+                                        <p:cTn id="32" dur="1" fill="hold">
+                                          <p:stCondLst>
+                                            <p:cond delay="0"/>
+                                          </p:stCondLst>
+                                        </p:cTn>
+                                        <p:tgtEl>
+                                          <p:spTgt spid="21"/>
+                                        </p:tgtEl>
+                                        <p:attrNameLst>
+                                          <p:attrName>style.visibility</p:attrName>
+                                        </p:attrNameLst>
+                                      </p:cBhvr>
+                                      <p:to>
+                                        <p:strVal val="visible"/>
+                                      </p:to>
+                                    </p:set>
+                                  </p:childTnLst>
+                                </p:cTn>
+                              </p:par>
+                            </p:childTnLst>
+                          </p:cTn>
+                        </p:par>
+                      </p:childTnLst>
+                    </p:cTn>
+                  </p:par>
+                  <p:par>
+                    <p:cTn id="33" fill="hold">
+                      <p:stCondLst>
+                        <p:cond delay="indefinite"/>
+                      </p:stCondLst>
+                      <p:childTnLst>
+                        <p:par>
+                          <p:cTn id="34" fill="hold">
+                            <p:stCondLst>
+                              <p:cond delay="0"/>
+                            </p:stCondLst>
+                            <p:childTnLst>
+                              <p:par>
+                                <p:cTn id="35" presetID="8" presetClass="emph" presetSubtype="0" fill="hold" grpId="3" nodeType="clickEffect">
+                                  <p:stCondLst>
+                                    <p:cond delay="0"/>
+                                  </p:stCondLst>
+                                  <p:childTnLst>
+                                    <p:animRot by="-10800000">
+                                      <p:cBhvr>
+                                        <p:cTn id="36" dur="2000" fill="hold"/>
+                                        <p:tgtEl>
+                                          <p:spTgt spid="11"/>
+                                        </p:tgtEl>
+                                        <p:attrNameLst>
+                                          <p:attrName>r</p:attrName>
+                                        </p:attrNameLst>
+                                      </p:cBhvr>
+                                    </p:animRot>
+                                  </p:childTnLst>
+                                </p:cTn>
+                              </p:par>
+                              <p:par>
+                                <p:cTn id="37" presetID="35" presetClass="path" presetSubtype="0" accel="50000" decel="50000" fill="hold" grpId="4" nodeType="withEffect">
+                                  <p:stCondLst>
+                                    <p:cond delay="0"/>
+                                  </p:stCondLst>
+                                  <p:childTnLst>
+                                    <p:animMotion origin="layout" path="M 3.45142E-6 2.59259E-6 L -4.43605E-6 -1.85185E-6 " pathEditMode="relative" rAng="0" ptsTypes="AA">
+                                      <p:cBhvr>
+                                        <p:cTn id="38" dur="2000" fill="hold"/>
+                                        <p:tgtEl>
+                                          <p:spTgt spid="11"/>
+                                        </p:tgtEl>
+                                        <p:attrNameLst>
+                                          <p:attrName>ppt_x</p:attrName>
+                                          <p:attrName>ppt_y</p:attrName>
+                                        </p:attrNameLst>
+                                      </p:cBhvr>
+                                      <p:rCtr x="-326" y="23"/>
+                                    </p:animMotion>
+                                  </p:childTnLst>
+                                </p:cTn>
+                              </p:par>
+                              <p:par>
+                                <p:cTn id="39" presetID="1" presetClass="exit" presetSubtype="0" fill="hold" grpId="1" nodeType="withEffect">
+                                  <p:stCondLst>
+                                    <p:cond delay="0"/>
+                                  </p:stCondLst>
+                                  <p:childTnLst>
+                                    <p:set>
+                                      <p:cBhvr>
+                                        <p:cTn id="40" dur="1" fill="hold">
+                                          <p:stCondLst>
+                                            <p:cond delay="0"/>
+                                          </p:stCondLst>
+                                        </p:cTn>
+                                        <p:tgtEl>
+                                          <p:spTgt spid="21"/>
+                                        </p:tgtEl>
+                                        <p:attrNameLst>
+                                          <p:attrName>style.visibility</p:attrName>
+                                        </p:attrNameLst>
+                                      </p:cBhvr>
+                                      <p:to>
+                                        <p:strVal val="hidden"/>
+                                      </p:to>
+                                    </p:set>
+                                  </p:childTnLst>
+                                </p:cTn>
+                              </p:par>
+                              <p:par>
+                                <p:cTn id="41" presetID="1" presetClass="exit" presetSubtype="0" fill="hold" grpId="1" nodeType="withEffect">
+                                  <p:stCondLst>
+                                    <p:cond delay="0"/>
+                                  </p:stCondLst>
+                                  <p:childTnLst>
+                                    <p:set>
+                                      <p:cBhvr>
+                                        <p:cTn id="42" dur="1" fill="hold">
+                                          <p:stCondLst>
+                                            <p:cond delay="0"/>
+                                          </p:stCondLst>
+                                        </p:cTn>
+                                        <p:tgtEl>
+                                          <p:spTgt spid="18"/>
+                                        </p:tgtEl>
+                                        <p:attrNameLst>
+                                          <p:attrName>style.visibility</p:attrName>
+                                        </p:attrNameLst>
+                                      </p:cBhvr>
+                                      <p:to>
+                                        <p:strVal val="hidden"/>
+                                      </p:to>
+                                    </p:set>
+                                  </p:childTnLst>
+                                </p:cTn>
+                              </p:par>
+                            </p:childTnLst>
+                          </p:cTn>
+                        </p:par>
+                        <p:par>
+                          <p:cTn id="43" fill="hold">
+                            <p:stCondLst>
+                              <p:cond delay="2000"/>
+                            </p:stCondLst>
+                            <p:childTnLst>
+                              <p:par>
+                                <p:cTn id="44" presetID="1" presetClass="entr" presetSubtype="0" fill="hold" grpId="2" nodeType="afterEffect">
+                                  <p:stCondLst>
+                                    <p:cond delay="0"/>
+                                  </p:stCondLst>
+                                  <p:childTnLst>
+                                    <p:set>
+                                      <p:cBhvr>
+                                        <p:cTn id="45" dur="1" fill="hold">
+                                          <p:stCondLst>
+                                            <p:cond delay="0"/>
+                                          </p:stCondLst>
+                                        </p:cTn>
+                                        <p:tgtEl>
+                                          <p:spTgt spid="19"/>
+                                        </p:tgtEl>
+                                        <p:attrNameLst>
+                                          <p:attrName>style.visibility</p:attrName>
+                                        </p:attrNameLst>
+                                      </p:cBhvr>
+                                      <p:to>
+                                        <p:strVal val="visible"/>
+                                      </p:to>
+                                    </p:set>
+                                  </p:childTnLst>
+                                </p:cTn>
+                              </p:par>
+                            </p:childTnLst>
+                          </p:cTn>
+                        </p:par>
+                        <p:par>
+                          <p:cTn id="46" fill="hold">
+                            <p:stCondLst>
+                              <p:cond delay="2000"/>
+                            </p:stCondLst>
+                            <p:childTnLst>
+                              <p:par>
+                                <p:cTn id="47" presetID="1" presetClass="entr" presetSubtype="0" fill="hold" grpId="2" nodeType="afterEffect">
+                                  <p:stCondLst>
+                                    <p:cond delay="0"/>
+                                  </p:stCondLst>
+                                  <p:childTnLst>
+                                    <p:set>
+                                      <p:cBhvr>
+                                        <p:cTn id="48" dur="1" fill="hold">
+                                          <p:stCondLst>
+                                            <p:cond delay="0"/>
+                                          </p:stCondLst>
+                                        </p:cTn>
+                                        <p:tgtEl>
+                                          <p:spTgt spid="14"/>
+                                        </p:tgtEl>
+                                        <p:attrNameLst>
+                                          <p:attrName>style.visibility</p:attrName>
+                                        </p:attrNameLst>
+                                      </p:cBhvr>
+                                      <p:to>
+                                        <p:strVal val="visible"/>
+                                      </p:to>
+                                    </p:set>
+                                  </p:childTnLst>
+                                </p:cTn>
+                              </p:par>
+                            </p:childTnLst>
+                          </p:cTn>
+                        </p:par>
+                      </p:childTnLst>
+                    </p:cTn>
+                  </p:par>
+                </p:childTnLst>
+              </p:cTn>
+              <p:prevCondLst>
+                <p:cond evt="onPrev" delay="0">
+                  <p:tgtEl>
+                    <p:sldTgt/>
+                  </p:tgtEl>
+                </p:cond>
+              </p:prevCondLst>
+              <p:nextCondLst>
+                <p:cond evt="onNext" delay="0">
+                  <p:tgtEl>
+                    <p:sldTgt/>
+                  </p:tgtEl>
+                </p:cond>
+              </p:nextCondLst>
+            </p:seq>
+          </p:childTnLst>
+        </p:cTn>
+      </p:par>
+    </p:tnLst>
+    <p:bldLst>
+      <p:bldP spid="9" grpId="0" animBg="1"/>
+      <p:bldP spid="11" grpId="0" animBg="1"/>
+      <p:bldP spid="11" grpId="1" animBg="1"/>
+      <p:bldP spid="11" grpId="2" animBg="1"/>
+      <p:bldP spid="11" grpId="3" animBg="1"/>
+      <p:bldP spid="11" grpId="4" animBg="1"/>
+      <p:bldP spid="15" grpId="0"/>
+      <p:bldP spid="19" grpId="0" animBg="1"/>
+      <p:bldP spid="19" grpId="1" animBg="1"/>
+      <p:bldP spid="19" grpId="2" animBg="1"/>
+      <p:bldP spid="20" grpId="0"/>
+      <p:bldP spid="18" grpId="0" animBg="1"/>
+      <p:bldP spid="18" grpId="1" animBg="1"/>
+      <p:bldP spid="14" grpId="0" animBg="1"/>
+      <p:bldP spid="14" grpId="1" animBg="1"/>
+      <p:bldP spid="14" grpId="2" animBg="1"/>
+      <p:bldP spid="21" grpId="0" animBg="1"/>
+      <p:bldP spid="21" grpId="1" animBg="1"/>
+    </p:bldLst>
+  </p:timing>
 </p:sld>
 </file>
 
@@ -27238,7 +28995,7 @@
             <a:pPr rtl="0"/>
             <a:fld id="{80546757-D5D3-4835-8980-0631B8912C1A}" type="datetime1">
               <a:rPr lang="de-DE" smtClean="0"/>
-              <a:t>04.07.2018</a:t>
+              <a:t>05.07.2018</a:t>
             </a:fld>
             <a:endParaRPr lang="de-DE" dirty="0"/>
           </a:p>
@@ -27634,7 +29391,7 @@
             <a:pPr rtl="0"/>
             <a:fld id="{9F3DD4B4-8B29-47FE-9318-01F6E6528FA7}" type="datetime1">
               <a:rPr lang="de-DE" smtClean="0"/>
-              <a:t>04.07.2018</a:t>
+              <a:t>05.07.2018</a:t>
             </a:fld>
             <a:endParaRPr lang="de-DE" dirty="0"/>
           </a:p>
@@ -28287,7 +30044,7 @@
             <a:pPr rtl="0"/>
             <a:fld id="{FC3FD44E-0D6F-4260-88E5-1AD6C55E43D1}" type="datetime1">
               <a:rPr lang="de-DE" smtClean="0"/>
-              <a:t>04.07.2018</a:t>
+              <a:t>05.07.2018</a:t>
             </a:fld>
             <a:endParaRPr lang="de-DE" dirty="0"/>
           </a:p>
@@ -28439,13 +30196,25 @@
           <a:p>
             <a:r>
               <a:rPr lang="de-DE" sz="3200" dirty="0"/>
-              <a:t>Projektplan wurde umgesetzt</a:t>
+              <a:t>Projektidee: Anwender zum Bewegen animieren</a:t>
             </a:r>
           </a:p>
           <a:p>
             <a:r>
               <a:rPr lang="de-DE" sz="3200" dirty="0"/>
-              <a:t>Projektidee: Anwender zum Bewegen animieren</a:t>
+              <a:t>Grundlegende Android-Programmierung wurde erlernt</a:t>
+            </a:r>
+          </a:p>
+          <a:p>
+            <a:r>
+              <a:rPr lang="de-DE" sz="3200" dirty="0"/>
+              <a:t>Insbesondere das Ansteuern und Auswerten der Sensordaten</a:t>
+            </a:r>
+          </a:p>
+          <a:p>
+            <a:r>
+              <a:rPr lang="de-DE" sz="3200" dirty="0"/>
+              <a:t>Allgemein noch: korrekte Wegberechnungen auch in Zukunft noch eine große Herausforderung</a:t>
             </a:r>
           </a:p>
         </p:txBody>
@@ -28474,7 +30243,7 @@
             <a:pPr rtl="0"/>
             <a:fld id="{520BB4A4-AAB3-42D9-B415-96459AAFC631}" type="datetime1">
               <a:rPr lang="de-DE" smtClean="0"/>
-              <a:t>04.07.2018</a:t>
+              <a:t>05.07.2018</a:t>
             </a:fld>
             <a:endParaRPr lang="de-DE" dirty="0"/>
           </a:p>
@@ -28540,12 +30309,173 @@
           </a:p>
         </p:txBody>
       </p:sp>
+    </p:spTree>
+    <p:extLst>
+      <p:ext uri="{BB962C8B-B14F-4D97-AF65-F5344CB8AC3E}">
+        <p14:creationId xmlns:p14="http://schemas.microsoft.com/office/powerpoint/2010/main" val="3464196621"/>
+      </p:ext>
+    </p:extLst>
+  </p:cSld>
+  <p:clrMapOvr>
+    <a:masterClrMapping/>
+  </p:clrMapOvr>
+  <mc:AlternateContent xmlns:mc="http://schemas.openxmlformats.org/markup-compatibility/2006" xmlns:p14="http://schemas.microsoft.com/office/powerpoint/2010/main">
+    <mc:Choice Requires="p14">
+      <p:transition spd="med" p14:dur="700">
+        <p:fade/>
+      </p:transition>
+    </mc:Choice>
+    <mc:Fallback xmlns="">
+      <p:transition spd="med">
+        <p:fade/>
+      </p:transition>
+    </mc:Fallback>
+  </mc:AlternateContent>
+</p:sld>
+</file>
+
+<file path=ppt/slides/slide16.xml><?xml version="1.0" encoding="utf-8"?>
+<p:sld xmlns:a="http://schemas.openxmlformats.org/drawingml/2006/main" xmlns:r="http://schemas.openxmlformats.org/officeDocument/2006/relationships" xmlns:p="http://schemas.openxmlformats.org/presentationml/2006/main">
+  <p:cSld>
+    <p:spTree>
+      <p:nvGrpSpPr>
+        <p:cNvPr id="1" name=""/>
+        <p:cNvGrpSpPr/>
+        <p:nvPr/>
+      </p:nvGrpSpPr>
+      <p:grpSpPr>
+        <a:xfrm>
+          <a:off x="0" y="0"/>
+          <a:ext cx="0" cy="0"/>
+          <a:chOff x="0" y="0"/>
+          <a:chExt cx="0" cy="0"/>
+        </a:xfrm>
+      </p:grpSpPr>
       <p:sp>
         <p:nvSpPr>
-          <p:cNvPr id="5" name="Rechteck 4">
+          <p:cNvPr id="2" name="Datumsplatzhalter 1">
             <a:extLst>
               <a:ext uri="{FF2B5EF4-FFF2-40B4-BE49-F238E27FC236}">
-                <a16:creationId xmlns:a16="http://schemas.microsoft.com/office/drawing/2014/main" id="{BC4D39F2-941C-48FB-9347-5298B46C70F9}"/>
+                <a16:creationId xmlns:a16="http://schemas.microsoft.com/office/drawing/2014/main" id="{0D47D8D1-78B1-4B22-A244-CF39A052D19A}"/>
+              </a:ext>
+            </a:extLst>
+          </p:cNvPr>
+          <p:cNvSpPr>
+            <a:spLocks noGrp="1"/>
+          </p:cNvSpPr>
+          <p:nvPr>
+            <p:ph type="dt" sz="half" idx="10"/>
+          </p:nvPr>
+        </p:nvSpPr>
+        <p:spPr/>
+        <p:txBody>
+          <a:bodyPr/>
+          <a:lstStyle/>
+          <a:p>
+            <a:pPr rtl="0"/>
+            <a:fld id="{520BB4A4-AAB3-42D9-B415-96459AAFC631}" type="datetime1">
+              <a:rPr lang="de-DE" smtClean="0"/>
+              <a:t>05.07.2018</a:t>
+            </a:fld>
+            <a:endParaRPr lang="de-DE" dirty="0"/>
+          </a:p>
+        </p:txBody>
+      </p:sp>
+      <p:sp>
+        <p:nvSpPr>
+          <p:cNvPr id="3" name="Fußzeilenplatzhalter 2">
+            <a:extLst>
+              <a:ext uri="{FF2B5EF4-FFF2-40B4-BE49-F238E27FC236}">
+                <a16:creationId xmlns:a16="http://schemas.microsoft.com/office/drawing/2014/main" id="{8C0609FF-7A4F-4F4A-B788-A2716FC8AD40}"/>
+              </a:ext>
+            </a:extLst>
+          </p:cNvPr>
+          <p:cNvSpPr>
+            <a:spLocks noGrp="1"/>
+          </p:cNvSpPr>
+          <p:nvPr>
+            <p:ph type="ftr" sz="quarter" idx="11"/>
+          </p:nvPr>
+        </p:nvSpPr>
+        <p:spPr/>
+        <p:txBody>
+          <a:bodyPr/>
+          <a:lstStyle/>
+          <a:p>
+            <a:pPr rtl="0"/>
+            <a:r>
+              <a:rPr lang="de-DE"/>
+              <a:t>Präsentation 3                Web-Engineering</a:t>
+            </a:r>
+            <a:endParaRPr lang="de-DE" dirty="0"/>
+          </a:p>
+        </p:txBody>
+      </p:sp>
+      <p:sp>
+        <p:nvSpPr>
+          <p:cNvPr id="4" name="Foliennummernplatzhalter 3">
+            <a:extLst>
+              <a:ext uri="{FF2B5EF4-FFF2-40B4-BE49-F238E27FC236}">
+                <a16:creationId xmlns:a16="http://schemas.microsoft.com/office/drawing/2014/main" id="{E49686E0-CA64-4EBC-B26E-6BAB06D9338A}"/>
+              </a:ext>
+            </a:extLst>
+          </p:cNvPr>
+          <p:cNvSpPr>
+            <a:spLocks noGrp="1"/>
+          </p:cNvSpPr>
+          <p:nvPr>
+            <p:ph type="sldNum" sz="quarter" idx="12"/>
+          </p:nvPr>
+        </p:nvSpPr>
+        <p:spPr/>
+        <p:txBody>
+          <a:bodyPr/>
+          <a:lstStyle/>
+          <a:p>
+            <a:pPr rtl="0"/>
+            <a:fld id="{7DC1BBB0-96F0-4077-A278-0F3FB5C104D3}" type="slidenum">
+              <a:rPr lang="de-DE" smtClean="0"/>
+              <a:t>16</a:t>
+            </a:fld>
+            <a:endParaRPr lang="de-DE" dirty="0"/>
+          </a:p>
+        </p:txBody>
+      </p:sp>
+      <p:pic>
+        <p:nvPicPr>
+          <p:cNvPr id="10" name="Grafik 9">
+            <a:extLst>
+              <a:ext uri="{FF2B5EF4-FFF2-40B4-BE49-F238E27FC236}">
+                <a16:creationId xmlns:a16="http://schemas.microsoft.com/office/drawing/2014/main" id="{864F9538-3C37-425A-BD7B-566675C6C8F6}"/>
+              </a:ext>
+            </a:extLst>
+          </p:cNvPr>
+          <p:cNvPicPr>
+            <a:picLocks noChangeAspect="1"/>
+          </p:cNvPicPr>
+          <p:nvPr/>
+        </p:nvPicPr>
+        <p:blipFill rotWithShape="1">
+          <a:blip r:embed="rId3"/>
+          <a:srcRect t="24444" b="10571"/>
+          <a:stretch/>
+        </p:blipFill>
+        <p:spPr>
+          <a:xfrm>
+            <a:off x="5389378" y="2663374"/>
+            <a:ext cx="5682138" cy="3692515"/>
+          </a:xfrm>
+          <a:prstGeom prst="rect">
+            <a:avLst/>
+          </a:prstGeom>
+        </p:spPr>
+      </p:pic>
+      <p:sp>
+        <p:nvSpPr>
+          <p:cNvPr id="11" name="Rechteck 10">
+            <a:extLst>
+              <a:ext uri="{FF2B5EF4-FFF2-40B4-BE49-F238E27FC236}">
+                <a16:creationId xmlns:a16="http://schemas.microsoft.com/office/drawing/2014/main" id="{4975C125-EC9C-4857-BF0C-32674204154C}"/>
               </a:ext>
             </a:extLst>
           </p:cNvPr>
@@ -28554,8 +30484,8 @@
         </p:nvSpPr>
         <p:spPr>
           <a:xfrm>
-            <a:off x="1167827" y="4740473"/>
-            <a:ext cx="10634015" cy="1200329"/>
+            <a:off x="2697831" y="724536"/>
+            <a:ext cx="8068965" cy="1938992"/>
           </a:xfrm>
           <a:prstGeom prst="rect">
             <a:avLst/>
@@ -28568,29 +30498,81 @@
           </a:bodyPr>
           <a:lstStyle/>
           <a:p>
+            <a:r>
+              <a:rPr lang="de-DE" sz="6000" b="1" cap="none" spc="0" dirty="0">
+                <a:ln w="12700">
+                  <a:solidFill>
+                    <a:srgbClr val="397DC7"/>
+                  </a:solidFill>
+                  <a:prstDash val="solid"/>
+                </a:ln>
+                <a:solidFill>
+                  <a:srgbClr val="397DC7"/>
+                </a:solidFill>
+                <a:effectLst>
+                  <a:innerShdw blurRad="177800">
+                    <a:schemeClr val="accent3">
+                      <a:lumMod val="50000"/>
+                    </a:schemeClr>
+                  </a:innerShdw>
+                </a:effectLst>
+                <a:latin typeface="Arial Black" panose="020B0A04020102020204" pitchFamily="34" charset="0"/>
+              </a:rPr>
+              <a:t>SCHÖNES</a:t>
+            </a:r>
+          </a:p>
+          <a:p>
             <a:pPr algn="ctr"/>
             <a:r>
-              <a:rPr lang="de-DE" sz="7200" b="1" i="1" dirty="0">
-                <a:ln w="0"/>
+              <a:rPr lang="de-DE" sz="6000" b="1" dirty="0">
+                <a:ln w="12700">
+                  <a:solidFill>
+                    <a:srgbClr val="397DC7"/>
+                  </a:solidFill>
+                  <a:prstDash val="solid"/>
+                </a:ln>
                 <a:solidFill>
-                  <a:srgbClr val="0070C0"/>
+                  <a:srgbClr val="397DC7"/>
                 </a:solidFill>
                 <a:effectLst>
-                  <a:reflection blurRad="6350" stA="53000" endA="300" endPos="35500" dir="5400000" sy="-90000" algn="bl" rotWithShape="0"/>
+                  <a:innerShdw blurRad="177800">
+                    <a:schemeClr val="accent3">
+                      <a:lumMod val="50000"/>
+                    </a:schemeClr>
+                  </a:innerShdw>
                 </a:effectLst>
-                <a:latin typeface="Bauhaus 93" panose="04030905020B02020C02" pitchFamily="82" charset="0"/>
+                <a:latin typeface="Arial Black" panose="020B0A04020102020204" pitchFamily="34" charset="0"/>
               </a:rPr>
-              <a:t>Schönes Wochenende!</a:t>
+              <a:t>WOCHENENDE</a:t>
             </a:r>
+            <a:endParaRPr lang="de-DE" sz="6000" b="1" cap="none" spc="0" dirty="0">
+              <a:ln w="12700">
+                <a:solidFill>
+                  <a:srgbClr val="397DC7"/>
+                </a:solidFill>
+                <a:prstDash val="solid"/>
+              </a:ln>
+              <a:solidFill>
+                <a:srgbClr val="397DC7"/>
+              </a:solidFill>
+              <a:effectLst>
+                <a:innerShdw blurRad="177800">
+                  <a:schemeClr val="accent3">
+                    <a:lumMod val="50000"/>
+                  </a:schemeClr>
+                </a:innerShdw>
+              </a:effectLst>
+              <a:latin typeface="Arial Black" panose="020B0A04020102020204" pitchFamily="34" charset="0"/>
+            </a:endParaRPr>
           </a:p>
         </p:txBody>
       </p:sp>
       <p:pic>
         <p:nvPicPr>
-          <p:cNvPr id="6" name="Grafik 5">
+          <p:cNvPr id="15" name="Grafik 14">
             <a:extLst>
               <a:ext uri="{FF2B5EF4-FFF2-40B4-BE49-F238E27FC236}">
-                <a16:creationId xmlns:a16="http://schemas.microsoft.com/office/drawing/2014/main" id="{0B72C55A-B13B-4978-BD60-0B2570720596}"/>
+                <a16:creationId xmlns:a16="http://schemas.microsoft.com/office/drawing/2014/main" id="{67CA0D7C-D656-41F5-A06D-6631F600236B}"/>
               </a:ext>
             </a:extLst>
           </p:cNvPr>
@@ -28599,16 +30581,15 @@
           </p:cNvPicPr>
           <p:nvPr/>
         </p:nvPicPr>
-        <p:blipFill>
-          <a:blip r:embed="rId3"/>
-          <a:stretch>
-            <a:fillRect/>
-          </a:stretch>
+        <p:blipFill rotWithShape="1">
+          <a:blip r:embed="rId4"/>
+          <a:srcRect l="12853" t="15622" r="12348" b="8855"/>
+          <a:stretch/>
         </p:blipFill>
         <p:spPr>
           <a:xfrm>
-            <a:off x="4485446" y="3172817"/>
-            <a:ext cx="3998775" cy="2672515"/>
+            <a:off x="2697831" y="2662296"/>
+            <a:ext cx="3456431" cy="3489885"/>
           </a:xfrm>
           <a:prstGeom prst="rect">
             <a:avLst/>
@@ -28618,7 +30599,7 @@
     </p:spTree>
     <p:extLst>
       <p:ext uri="{BB962C8B-B14F-4D97-AF65-F5344CB8AC3E}">
-        <p14:creationId xmlns:p14="http://schemas.microsoft.com/office/powerpoint/2010/main" val="3464196621"/>
+        <p14:creationId xmlns:p14="http://schemas.microsoft.com/office/powerpoint/2010/main" val="1964919511"/>
       </p:ext>
     </p:extLst>
   </p:cSld>
@@ -28757,7 +30738,7 @@
             <a:pPr rtl="0"/>
             <a:fld id="{C48E64BE-0E26-4002-8A54-FC6F4A70DB46}" type="datetime1">
               <a:rPr lang="de-DE" smtClean="0"/>
-              <a:t>04.07.2018</a:t>
+              <a:t>05.07.2018</a:t>
             </a:fld>
             <a:endParaRPr lang="de-DE" dirty="0"/>
           </a:p>
@@ -29034,7 +31015,7 @@
             <a:pPr rtl="0"/>
             <a:fld id="{7B479C36-90EA-4D9B-AA34-BAC38895DEE1}" type="datetime1">
               <a:rPr lang="de-DE" smtClean="0"/>
-              <a:t>04.07.2018</a:t>
+              <a:t>05.07.2018</a:t>
             </a:fld>
             <a:endParaRPr lang="de-DE" dirty="0"/>
           </a:p>
@@ -31737,7 +33718,7 @@
             <a:pPr rtl="0"/>
             <a:fld id="{EA00783F-2477-4626-88AF-D3AB531E7EFD}" type="datetime1">
               <a:rPr lang="de-DE" smtClean="0"/>
-              <a:t>04.07.2018</a:t>
+              <a:t>05.07.2018</a:t>
             </a:fld>
             <a:endParaRPr lang="de-DE" dirty="0"/>
           </a:p>
@@ -32095,7 +34076,7 @@
             <a:pPr rtl="0"/>
             <a:fld id="{9F088192-44C1-4EF7-A81F-5B83632914C8}" type="datetime1">
               <a:rPr lang="de-DE" smtClean="0"/>
-              <a:t>04.07.2018</a:t>
+              <a:t>05.07.2018</a:t>
             </a:fld>
             <a:endParaRPr lang="de-DE" dirty="0"/>
           </a:p>
@@ -32175,10 +34156,10 @@
         </p:nvGrpSpPr>
         <p:grpSpPr>
           <a:xfrm>
-            <a:off x="6742484" y="866238"/>
-            <a:ext cx="3060981" cy="2299790"/>
-            <a:chOff x="3734870" y="2147887"/>
-            <a:chExt cx="3853069" cy="3194443"/>
+            <a:off x="6382266" y="866238"/>
+            <a:ext cx="3787798" cy="2433554"/>
+            <a:chOff x="3281439" y="2147887"/>
+            <a:chExt cx="4767964" cy="3380243"/>
           </a:xfrm>
         </p:grpSpPr>
         <p:pic>
@@ -32225,8 +34206,8 @@
           </p:nvSpPr>
           <p:spPr>
             <a:xfrm>
-              <a:off x="3734870" y="4880665"/>
-              <a:ext cx="3853069" cy="461665"/>
+              <a:off x="3281439" y="4886870"/>
+              <a:ext cx="4767964" cy="641260"/>
             </a:xfrm>
             <a:prstGeom prst="rect">
               <a:avLst/>
@@ -32486,7 +34467,7 @@
           <a:p>
             <a:r>
               <a:rPr lang="de-DE" dirty="0"/>
-              <a:t>Berechnung - Hochsprung/Weitsprung</a:t>
+              <a:t>Berechnung - Hochsprung/Weitsprung (1)</a:t>
             </a:r>
           </a:p>
         </p:txBody>
@@ -32625,7 +34606,7 @@
                 <a:ea typeface="+mn-ea"/>
                 <a:cs typeface="+mn-cs"/>
               </a:rPr>
-              <a:t>04.07.2018</a:t>
+              <a:t>05.07.2018</a:t>
             </a:fld>
             <a:endParaRPr kumimoji="0" lang="de-DE" sz="1200" b="0" i="0" u="none" strike="noStrike" kern="1200" cap="all" spc="0" normalizeH="0" baseline="0" noProof="0" dirty="0">
               <a:ln>
@@ -32870,7 +34851,7 @@
           <a:p>
             <a:r>
               <a:rPr lang="de-DE" dirty="0"/>
-              <a:t>Berechnung - Hochsprung/Weitsprung</a:t>
+              <a:t>Berechnung - Hochsprung/Weitsprung (2)</a:t>
             </a:r>
           </a:p>
         </p:txBody>
@@ -32907,6 +34888,28 @@
             <a:pPr lvl="1"/>
             <a:r>
               <a:rPr lang="de-DE" dirty="0"/>
+              <a:t>Berechnung der Höchstgeschwindigkeit anstatt Weg</a:t>
+            </a:r>
+          </a:p>
+          <a:p>
+            <a:pPr lvl="1"/>
+            <a:r>
+              <a:rPr lang="de-DE" dirty="0"/>
+              <a:t>Fehler </a:t>
+            </a:r>
+            <a:r>
+              <a:rPr lang="de-DE" dirty="0" err="1"/>
+              <a:t>warden</a:t>
+            </a:r>
+            <a:r>
+              <a:rPr lang="de-DE" dirty="0"/>
+              <a:t> reduziert</a:t>
+            </a:r>
+          </a:p>
+          <a:p>
+            <a:pPr lvl="1"/>
+            <a:r>
+              <a:rPr lang="de-DE" dirty="0"/>
               <a:t>Verwendung der </a:t>
             </a:r>
             <a:r>
@@ -32916,20 +34919,6 @@
             <a:r>
               <a:rPr lang="de-DE" dirty="0"/>
               <a:t> (einfache Integration)</a:t>
-            </a:r>
-          </a:p>
-          <a:p>
-            <a:pPr lvl="1"/>
-            <a:r>
-              <a:rPr lang="de-DE" dirty="0"/>
-              <a:t>Fehler reduzieren</a:t>
-            </a:r>
-          </a:p>
-          <a:p>
-            <a:pPr lvl="1"/>
-            <a:r>
-              <a:rPr lang="de-DE" dirty="0"/>
-              <a:t>Berechnung der Höchstgeschwindigkeit</a:t>
             </a:r>
           </a:p>
           <a:p>
@@ -33004,7 +34993,7 @@
                 <a:ea typeface="+mn-ea"/>
                 <a:cs typeface="+mn-cs"/>
               </a:rPr>
-              <a:t>04.07.2018</a:t>
+              <a:t>05.07.2018</a:t>
             </a:fld>
             <a:endParaRPr kumimoji="0" lang="de-DE" sz="1200" b="0" i="0" u="none" strike="noStrike" kern="1200" cap="all" spc="0" normalizeH="0" baseline="0" noProof="0" dirty="0">
               <a:ln>
@@ -33249,7 +35238,7 @@
           <a:p>
             <a:r>
               <a:rPr lang="de-DE" dirty="0"/>
-              <a:t>Berechnung - Hochsprung/Weitsprung</a:t>
+              <a:t>Berechnung - Hochsprung/Weitsprung (3)</a:t>
             </a:r>
           </a:p>
         </p:txBody>
@@ -33307,7 +35296,7 @@
                 <a:ea typeface="+mn-ea"/>
                 <a:cs typeface="+mn-cs"/>
               </a:rPr>
-              <a:t>04.07.2018</a:t>
+              <a:t>05.07.2018</a:t>
             </a:fld>
             <a:endParaRPr kumimoji="0" lang="de-DE" sz="1200" b="0" i="0" u="none" strike="noStrike" kern="1200" cap="all" spc="0" normalizeH="0" baseline="0" noProof="0" dirty="0">
               <a:ln>
@@ -33502,13 +35491,13 @@
           <p:nvPr>
             <p:extLst>
               <p:ext uri="{D42A27DB-BD31-4B8C-83A1-F6EECF244321}">
-                <p14:modId xmlns:p14="http://schemas.microsoft.com/office/powerpoint/2010/main" val="3528256729"/>
+                <p14:modId xmlns:p14="http://schemas.microsoft.com/office/powerpoint/2010/main" val="1559554866"/>
               </p:ext>
             </p:extLst>
           </p:nvPr>
         </p:nvGraphicFramePr>
         <p:xfrm>
-          <a:off x="2812254" y="1498242"/>
+          <a:off x="2595971" y="1497460"/>
           <a:ext cx="7776864" cy="4752528"/>
         </p:xfrm>
         <a:graphic>
@@ -33533,13 +35522,13 @@
             <p:ph idx="1"/>
             <p:extLst>
               <p:ext uri="{D42A27DB-BD31-4B8C-83A1-F6EECF244321}">
-                <p14:modId xmlns:p14="http://schemas.microsoft.com/office/powerpoint/2010/main" val="3771972883"/>
+                <p14:modId xmlns:p14="http://schemas.microsoft.com/office/powerpoint/2010/main" val="3272286328"/>
               </p:ext>
             </p:extLst>
           </p:nvPr>
         </p:nvGraphicFramePr>
         <p:xfrm>
-          <a:off x="2813118" y="1498242"/>
+          <a:off x="2596835" y="1497460"/>
           <a:ext cx="7776000" cy="4752000"/>
         </p:xfrm>
         <a:graphic>
@@ -33739,13 +35728,13 @@
           <a:p>
             <a:r>
               <a:rPr lang="de-DE" dirty="0"/>
-              <a:t>Berechnung - Hochsprung/Weitsprung</a:t>
+              <a:t>Berechnung - Hochsprung/Weitsprung (4)</a:t>
             </a:r>
           </a:p>
         </p:txBody>
       </p:sp>
-      <mc:AlternateContent xmlns:mc="http://schemas.openxmlformats.org/markup-compatibility/2006" xmlns:a14="http://schemas.microsoft.com/office/drawing/2010/main">
-        <mc:Choice Requires="a14">
+      <mc:AlternateContent xmlns:mc="http://schemas.openxmlformats.org/markup-compatibility/2006">
+        <mc:Choice xmlns:a14="http://schemas.microsoft.com/office/drawing/2010/main" Requires="a14">
           <p:sp>
             <p:nvSpPr>
               <p:cNvPr id="11" name="Inhaltsplatzhalter 10">
@@ -33764,8 +35753,8 @@
             </p:nvSpPr>
             <p:spPr>
               <a:xfrm>
-                <a:off x="1714500" y="1466626"/>
-                <a:ext cx="6812280" cy="804134"/>
+                <a:off x="2182971" y="1467469"/>
+                <a:ext cx="5452110" cy="804134"/>
               </a:xfrm>
             </p:spPr>
             <p:txBody>
@@ -33988,7 +35977,7 @@
             </p:txBody>
           </p:sp>
         </mc:Choice>
-        <mc:Fallback xmlns="">
+        <mc:Fallback>
           <p:sp>
             <p:nvSpPr>
               <p:cNvPr id="11" name="Inhaltsplatzhalter 10">
@@ -34007,8 +35996,8 @@
             </p:nvSpPr>
             <p:spPr>
               <a:xfrm>
-                <a:off x="1714500" y="1466626"/>
-                <a:ext cx="6812280" cy="804134"/>
+                <a:off x="2182971" y="1467469"/>
+                <a:ext cx="5452110" cy="804134"/>
               </a:xfrm>
               <a:blipFill>
                 <a:blip r:embed="rId2"/>
@@ -34085,7 +36074,7 @@
                 <a:ea typeface="+mn-ea"/>
                 <a:cs typeface="+mn-cs"/>
               </a:rPr>
-              <a:t>04.07.2018</a:t>
+              <a:t>05.07.2018</a:t>
             </a:fld>
             <a:endParaRPr kumimoji="0" lang="de-DE" sz="1200" b="0" i="0" u="none" strike="noStrike" kern="1200" cap="all" spc="0" normalizeH="0" baseline="0" noProof="0" dirty="0">
               <a:ln>
@@ -34267,10 +36256,10 @@
       </p:sp>
       <p:graphicFrame>
         <p:nvGraphicFramePr>
-          <p:cNvPr id="12" name="Diagramm 11">
+          <p:cNvPr id="28" name="Diagramm 27">
             <a:extLst>
               <a:ext uri="{FF2B5EF4-FFF2-40B4-BE49-F238E27FC236}">
-                <a16:creationId xmlns:a16="http://schemas.microsoft.com/office/drawing/2014/main" id="{8E1F83A6-E5CF-4DA6-A73C-E19B90C2DEB5}"/>
+                <a16:creationId xmlns:a16="http://schemas.microsoft.com/office/drawing/2014/main" id="{60B24174-39A3-46C5-AFBE-FA4BA00996EA}"/>
               </a:ext>
             </a:extLst>
           </p:cNvPr>
@@ -34280,14 +36269,14 @@
           <p:nvPr>
             <p:extLst>
               <p:ext uri="{D42A27DB-BD31-4B8C-83A1-F6EECF244321}">
-                <p14:modId xmlns:p14="http://schemas.microsoft.com/office/powerpoint/2010/main" val="2814289366"/>
+                <p14:modId xmlns:p14="http://schemas.microsoft.com/office/powerpoint/2010/main" val="3356183028"/>
               </p:ext>
             </p:extLst>
           </p:nvPr>
         </p:nvGraphicFramePr>
         <p:xfrm>
-          <a:off x="1923932" y="2400300"/>
-          <a:ext cx="8280000" cy="4064922"/>
+          <a:off x="1923734" y="2379672"/>
+          <a:ext cx="8280000" cy="4064400"/>
         </p:xfrm>
         <a:graphic>
           <a:graphicData uri="http://schemas.openxmlformats.org/drawingml/2006/chart">
@@ -34487,6 +36476,36 @@
           </p:sp>
         </mc:Fallback>
       </mc:AlternateContent>
+      <p:graphicFrame>
+        <p:nvGraphicFramePr>
+          <p:cNvPr id="12" name="Diagramm 11">
+            <a:extLst>
+              <a:ext uri="{FF2B5EF4-FFF2-40B4-BE49-F238E27FC236}">
+                <a16:creationId xmlns:a16="http://schemas.microsoft.com/office/drawing/2014/main" id="{8E1F83A6-E5CF-4DA6-A73C-E19B90C2DEB5}"/>
+              </a:ext>
+            </a:extLst>
+          </p:cNvPr>
+          <p:cNvGraphicFramePr>
+            <a:graphicFrameLocks/>
+          </p:cNvGraphicFramePr>
+          <p:nvPr>
+            <p:extLst>
+              <p:ext uri="{D42A27DB-BD31-4B8C-83A1-F6EECF244321}">
+                <p14:modId xmlns:p14="http://schemas.microsoft.com/office/powerpoint/2010/main" val="2542465800"/>
+              </p:ext>
+            </p:extLst>
+          </p:nvPr>
+        </p:nvGraphicFramePr>
+        <p:xfrm>
+          <a:off x="1923734" y="2401109"/>
+          <a:ext cx="8280000" cy="4064922"/>
+        </p:xfrm>
+        <a:graphic>
+          <a:graphicData uri="http://schemas.openxmlformats.org/drawingml/2006/chart">
+            <c:chart xmlns:c="http://schemas.openxmlformats.org/drawingml/2006/chart" xmlns:r="http://schemas.openxmlformats.org/officeDocument/2006/relationships" r:id="rId6"/>
+          </a:graphicData>
+        </a:graphic>
+      </p:graphicFrame>
       <p:sp>
         <p:nvSpPr>
           <p:cNvPr id="5" name="Geschweifte Klammer rechts 4">
@@ -34501,7 +36520,7 @@
         </p:nvSpPr>
         <p:spPr>
           <a:xfrm rot="5400000">
-            <a:off x="4962525" y="1887855"/>
+            <a:off x="5420498" y="1897707"/>
             <a:ext cx="281940" cy="963930"/>
           </a:xfrm>
           <a:prstGeom prst="rightBrace">
@@ -34536,8 +36555,8 @@
           </a:p>
         </p:txBody>
       </p:sp>
-      <mc:AlternateContent xmlns:mc="http://schemas.openxmlformats.org/markup-compatibility/2006" xmlns:a14="http://schemas.microsoft.com/office/drawing/2010/main">
-        <mc:Choice Requires="a14">
+      <mc:AlternateContent xmlns:mc="http://schemas.openxmlformats.org/markup-compatibility/2006">
+        <mc:Choice xmlns:a14="http://schemas.microsoft.com/office/drawing/2010/main" Requires="a14">
           <p:sp>
             <p:nvSpPr>
               <p:cNvPr id="18" name="Textfeld 17">
@@ -34552,7 +36571,7 @@
             </p:nvSpPr>
             <p:spPr>
               <a:xfrm>
-                <a:off x="4617720" y="2514600"/>
+                <a:off x="5066429" y="2550719"/>
                 <a:ext cx="982980" cy="461665"/>
               </a:xfrm>
               <a:prstGeom prst="rect">
@@ -34587,7 +36606,7 @@
             </p:txBody>
           </p:sp>
         </mc:Choice>
-        <mc:Fallback xmlns="">
+        <mc:Fallback>
           <p:sp>
             <p:nvSpPr>
               <p:cNvPr id="18" name="Textfeld 17">
@@ -34604,14 +36623,14 @@
             </p:nvSpPr>
             <p:spPr>
               <a:xfrm>
-                <a:off x="4617720" y="2514600"/>
+                <a:off x="5066429" y="2550719"/>
                 <a:ext cx="982980" cy="461665"/>
               </a:xfrm>
               <a:prstGeom prst="rect">
                 <a:avLst/>
               </a:prstGeom>
               <a:blipFill>
-                <a:blip r:embed="rId6"/>
+                <a:blip r:embed="rId7"/>
                 <a:stretch>
                   <a:fillRect/>
                 </a:stretch>
@@ -34707,7 +36726,7 @@
                 <a:avLst/>
               </a:prstGeom>
               <a:blipFill>
-                <a:blip r:embed="rId6"/>
+                <a:blip r:embed="rId8"/>
                 <a:stretch>
                   <a:fillRect/>
                 </a:stretch>
@@ -34728,341 +36747,6 @@
           </p:sp>
         </mc:Fallback>
       </mc:AlternateContent>
-      <p:sp>
-        <p:nvSpPr>
-          <p:cNvPr id="20" name="Freihandform: Form 19">
-            <a:extLst>
-              <a:ext uri="{FF2B5EF4-FFF2-40B4-BE49-F238E27FC236}">
-                <a16:creationId xmlns:a16="http://schemas.microsoft.com/office/drawing/2014/main" id="{328FDEC5-18F3-48BE-ADC5-2F844E752EFB}"/>
-              </a:ext>
-            </a:extLst>
-          </p:cNvPr>
-          <p:cNvSpPr/>
-          <p:nvPr/>
-        </p:nvSpPr>
-        <p:spPr>
-          <a:xfrm>
-            <a:off x="2942142" y="4067769"/>
-            <a:ext cx="1542041" cy="1160861"/>
-          </a:xfrm>
-          <a:custGeom>
-            <a:avLst/>
-            <a:gdLst>
-              <a:gd name="connsiteX0" fmla="*/ 0 w 1557338"/>
-              <a:gd name="connsiteY0" fmla="*/ 100012 h 1176337"/>
-              <a:gd name="connsiteX1" fmla="*/ 4763 w 1557338"/>
-              <a:gd name="connsiteY1" fmla="*/ 1176337 h 1176337"/>
-              <a:gd name="connsiteX2" fmla="*/ 1552575 w 1557338"/>
-              <a:gd name="connsiteY2" fmla="*/ 1166812 h 1176337"/>
-              <a:gd name="connsiteX3" fmla="*/ 1557338 w 1557338"/>
-              <a:gd name="connsiteY3" fmla="*/ 423862 h 1176337"/>
-              <a:gd name="connsiteX4" fmla="*/ 1519238 w 1557338"/>
-              <a:gd name="connsiteY4" fmla="*/ 381000 h 1176337"/>
-              <a:gd name="connsiteX5" fmla="*/ 1471613 w 1557338"/>
-              <a:gd name="connsiteY5" fmla="*/ 347662 h 1176337"/>
-              <a:gd name="connsiteX6" fmla="*/ 1400175 w 1557338"/>
-              <a:gd name="connsiteY6" fmla="*/ 295275 h 1176337"/>
-              <a:gd name="connsiteX7" fmla="*/ 1309688 w 1557338"/>
-              <a:gd name="connsiteY7" fmla="*/ 242887 h 1176337"/>
-              <a:gd name="connsiteX8" fmla="*/ 1209675 w 1557338"/>
-              <a:gd name="connsiteY8" fmla="*/ 180975 h 1176337"/>
-              <a:gd name="connsiteX9" fmla="*/ 1114425 w 1557338"/>
-              <a:gd name="connsiteY9" fmla="*/ 138112 h 1176337"/>
-              <a:gd name="connsiteX10" fmla="*/ 1038225 w 1557338"/>
-              <a:gd name="connsiteY10" fmla="*/ 109537 h 1176337"/>
-              <a:gd name="connsiteX11" fmla="*/ 923925 w 1557338"/>
-              <a:gd name="connsiteY11" fmla="*/ 66675 h 1176337"/>
-              <a:gd name="connsiteX12" fmla="*/ 842963 w 1557338"/>
-              <a:gd name="connsiteY12" fmla="*/ 42862 h 1176337"/>
-              <a:gd name="connsiteX13" fmla="*/ 785813 w 1557338"/>
-              <a:gd name="connsiteY13" fmla="*/ 33337 h 1176337"/>
-              <a:gd name="connsiteX14" fmla="*/ 719138 w 1557338"/>
-              <a:gd name="connsiteY14" fmla="*/ 19050 h 1176337"/>
-              <a:gd name="connsiteX15" fmla="*/ 609600 w 1557338"/>
-              <a:gd name="connsiteY15" fmla="*/ 4762 h 1176337"/>
-              <a:gd name="connsiteX16" fmla="*/ 457200 w 1557338"/>
-              <a:gd name="connsiteY16" fmla="*/ 0 h 1176337"/>
-              <a:gd name="connsiteX17" fmla="*/ 290513 w 1557338"/>
-              <a:gd name="connsiteY17" fmla="*/ 23812 h 1176337"/>
-              <a:gd name="connsiteX18" fmla="*/ 147638 w 1557338"/>
-              <a:gd name="connsiteY18" fmla="*/ 52387 h 1176337"/>
-              <a:gd name="connsiteX19" fmla="*/ 61913 w 1557338"/>
-              <a:gd name="connsiteY19" fmla="*/ 76200 h 1176337"/>
-              <a:gd name="connsiteX20" fmla="*/ 0 w 1557338"/>
-              <a:gd name="connsiteY20" fmla="*/ 100012 h 1176337"/>
-            </a:gdLst>
-            <a:ahLst/>
-            <a:cxnLst>
-              <a:cxn ang="0">
-                <a:pos x="connsiteX0" y="connsiteY0"/>
-              </a:cxn>
-              <a:cxn ang="0">
-                <a:pos x="connsiteX1" y="connsiteY1"/>
-              </a:cxn>
-              <a:cxn ang="0">
-                <a:pos x="connsiteX2" y="connsiteY2"/>
-              </a:cxn>
-              <a:cxn ang="0">
-                <a:pos x="connsiteX3" y="connsiteY3"/>
-              </a:cxn>
-              <a:cxn ang="0">
-                <a:pos x="connsiteX4" y="connsiteY4"/>
-              </a:cxn>
-              <a:cxn ang="0">
-                <a:pos x="connsiteX5" y="connsiteY5"/>
-              </a:cxn>
-              <a:cxn ang="0">
-                <a:pos x="connsiteX6" y="connsiteY6"/>
-              </a:cxn>
-              <a:cxn ang="0">
-                <a:pos x="connsiteX7" y="connsiteY7"/>
-              </a:cxn>
-              <a:cxn ang="0">
-                <a:pos x="connsiteX8" y="connsiteY8"/>
-              </a:cxn>
-              <a:cxn ang="0">
-                <a:pos x="connsiteX9" y="connsiteY9"/>
-              </a:cxn>
-              <a:cxn ang="0">
-                <a:pos x="connsiteX10" y="connsiteY10"/>
-              </a:cxn>
-              <a:cxn ang="0">
-                <a:pos x="connsiteX11" y="connsiteY11"/>
-              </a:cxn>
-              <a:cxn ang="0">
-                <a:pos x="connsiteX12" y="connsiteY12"/>
-              </a:cxn>
-              <a:cxn ang="0">
-                <a:pos x="connsiteX13" y="connsiteY13"/>
-              </a:cxn>
-              <a:cxn ang="0">
-                <a:pos x="connsiteX14" y="connsiteY14"/>
-              </a:cxn>
-              <a:cxn ang="0">
-                <a:pos x="connsiteX15" y="connsiteY15"/>
-              </a:cxn>
-              <a:cxn ang="0">
-                <a:pos x="connsiteX16" y="connsiteY16"/>
-              </a:cxn>
-              <a:cxn ang="0">
-                <a:pos x="connsiteX17" y="connsiteY17"/>
-              </a:cxn>
-              <a:cxn ang="0">
-                <a:pos x="connsiteX18" y="connsiteY18"/>
-              </a:cxn>
-              <a:cxn ang="0">
-                <a:pos x="connsiteX19" y="connsiteY19"/>
-              </a:cxn>
-              <a:cxn ang="0">
-                <a:pos x="connsiteX20" y="connsiteY20"/>
-              </a:cxn>
-            </a:cxnLst>
-            <a:rect l="l" t="t" r="r" b="b"/>
-            <a:pathLst>
-              <a:path w="1557338" h="1176337">
-                <a:moveTo>
-                  <a:pt x="0" y="100012"/>
-                </a:moveTo>
-                <a:cubicBezTo>
-                  <a:pt x="1588" y="458787"/>
-                  <a:pt x="3175" y="817562"/>
-                  <a:pt x="4763" y="1176337"/>
-                </a:cubicBezTo>
-                <a:lnTo>
-                  <a:pt x="1552575" y="1166812"/>
-                </a:lnTo>
-                <a:cubicBezTo>
-                  <a:pt x="1554163" y="919162"/>
-                  <a:pt x="1555750" y="671512"/>
-                  <a:pt x="1557338" y="423862"/>
-                </a:cubicBezTo>
-                <a:lnTo>
-                  <a:pt x="1519238" y="381000"/>
-                </a:lnTo>
-                <a:lnTo>
-                  <a:pt x="1471613" y="347662"/>
-                </a:lnTo>
-                <a:lnTo>
-                  <a:pt x="1400175" y="295275"/>
-                </a:lnTo>
-                <a:lnTo>
-                  <a:pt x="1309688" y="242887"/>
-                </a:lnTo>
-                <a:lnTo>
-                  <a:pt x="1209675" y="180975"/>
-                </a:lnTo>
-                <a:lnTo>
-                  <a:pt x="1114425" y="138112"/>
-                </a:lnTo>
-                <a:lnTo>
-                  <a:pt x="1038225" y="109537"/>
-                </a:lnTo>
-                <a:lnTo>
-                  <a:pt x="923925" y="66675"/>
-                </a:lnTo>
-                <a:lnTo>
-                  <a:pt x="842963" y="42862"/>
-                </a:lnTo>
-                <a:lnTo>
-                  <a:pt x="785813" y="33337"/>
-                </a:lnTo>
-                <a:lnTo>
-                  <a:pt x="719138" y="19050"/>
-                </a:lnTo>
-                <a:lnTo>
-                  <a:pt x="609600" y="4762"/>
-                </a:lnTo>
-                <a:lnTo>
-                  <a:pt x="457200" y="0"/>
-                </a:lnTo>
-                <a:lnTo>
-                  <a:pt x="290513" y="23812"/>
-                </a:lnTo>
-                <a:lnTo>
-                  <a:pt x="147638" y="52387"/>
-                </a:lnTo>
-                <a:lnTo>
-                  <a:pt x="61913" y="76200"/>
-                </a:lnTo>
-                <a:lnTo>
-                  <a:pt x="0" y="100012"/>
-                </a:lnTo>
-                <a:close/>
-              </a:path>
-            </a:pathLst>
-          </a:custGeom>
-          <a:solidFill>
-            <a:srgbClr val="00B0F0">
-              <a:alpha val="40000"/>
-            </a:srgbClr>
-          </a:solidFill>
-          <a:ln w="28575">
-            <a:solidFill>
-              <a:srgbClr val="0070C0"/>
-            </a:solidFill>
-          </a:ln>
-        </p:spPr>
-        <p:style>
-          <a:lnRef idx="2">
-            <a:schemeClr val="accent1">
-              <a:shade val="50000"/>
-            </a:schemeClr>
-          </a:lnRef>
-          <a:fillRef idx="1">
-            <a:schemeClr val="accent1"/>
-          </a:fillRef>
-          <a:effectRef idx="0">
-            <a:schemeClr val="accent1"/>
-          </a:effectRef>
-          <a:fontRef idx="minor">
-            <a:schemeClr val="lt1"/>
-          </a:fontRef>
-        </p:style>
-        <p:txBody>
-          <a:bodyPr rot="0" spcFirstLastPara="0" vert="horz" wrap="square" lIns="91440" tIns="45720" rIns="91440" bIns="45720" numCol="1" spcCol="0" rtlCol="0" fromWordArt="0" anchor="ctr" anchorCtr="0" forceAA="0" compatLnSpc="1">
-            <a:prstTxWarp prst="textNoShape">
-              <a:avLst/>
-            </a:prstTxWarp>
-            <a:noAutofit/>
-          </a:bodyPr>
-          <a:lstStyle>
-            <a:lvl1pPr marL="0" indent="0">
-              <a:defRPr sz="1100">
-                <a:solidFill>
-                  <a:schemeClr val="lt1"/>
-                </a:solidFill>
-                <a:latin typeface="+mn-lt"/>
-                <a:ea typeface="+mn-ea"/>
-                <a:cs typeface="+mn-cs"/>
-              </a:defRPr>
-            </a:lvl1pPr>
-            <a:lvl2pPr marL="457200" indent="0">
-              <a:defRPr sz="1100">
-                <a:solidFill>
-                  <a:schemeClr val="lt1"/>
-                </a:solidFill>
-                <a:latin typeface="+mn-lt"/>
-                <a:ea typeface="+mn-ea"/>
-                <a:cs typeface="+mn-cs"/>
-              </a:defRPr>
-            </a:lvl2pPr>
-            <a:lvl3pPr marL="914400" indent="0">
-              <a:defRPr sz="1100">
-                <a:solidFill>
-                  <a:schemeClr val="lt1"/>
-                </a:solidFill>
-                <a:latin typeface="+mn-lt"/>
-                <a:ea typeface="+mn-ea"/>
-                <a:cs typeface="+mn-cs"/>
-              </a:defRPr>
-            </a:lvl3pPr>
-            <a:lvl4pPr marL="1371600" indent="0">
-              <a:defRPr sz="1100">
-                <a:solidFill>
-                  <a:schemeClr val="lt1"/>
-                </a:solidFill>
-                <a:latin typeface="+mn-lt"/>
-                <a:ea typeface="+mn-ea"/>
-                <a:cs typeface="+mn-cs"/>
-              </a:defRPr>
-            </a:lvl4pPr>
-            <a:lvl5pPr marL="1828800" indent="0">
-              <a:defRPr sz="1100">
-                <a:solidFill>
-                  <a:schemeClr val="lt1"/>
-                </a:solidFill>
-                <a:latin typeface="+mn-lt"/>
-                <a:ea typeface="+mn-ea"/>
-                <a:cs typeface="+mn-cs"/>
-              </a:defRPr>
-            </a:lvl5pPr>
-            <a:lvl6pPr marL="2286000" indent="0">
-              <a:defRPr sz="1100">
-                <a:solidFill>
-                  <a:schemeClr val="lt1"/>
-                </a:solidFill>
-                <a:latin typeface="+mn-lt"/>
-                <a:ea typeface="+mn-ea"/>
-                <a:cs typeface="+mn-cs"/>
-              </a:defRPr>
-            </a:lvl6pPr>
-            <a:lvl7pPr marL="2743200" indent="0">
-              <a:defRPr sz="1100">
-                <a:solidFill>
-                  <a:schemeClr val="lt1"/>
-                </a:solidFill>
-                <a:latin typeface="+mn-lt"/>
-                <a:ea typeface="+mn-ea"/>
-                <a:cs typeface="+mn-cs"/>
-              </a:defRPr>
-            </a:lvl7pPr>
-            <a:lvl8pPr marL="3200400" indent="0">
-              <a:defRPr sz="1100">
-                <a:solidFill>
-                  <a:schemeClr val="lt1"/>
-                </a:solidFill>
-                <a:latin typeface="+mn-lt"/>
-                <a:ea typeface="+mn-ea"/>
-                <a:cs typeface="+mn-cs"/>
-              </a:defRPr>
-            </a:lvl8pPr>
-            <a:lvl9pPr marL="3657600" indent="0">
-              <a:defRPr sz="1100">
-                <a:solidFill>
-                  <a:schemeClr val="lt1"/>
-                </a:solidFill>
-                <a:latin typeface="+mn-lt"/>
-                <a:ea typeface="+mn-ea"/>
-                <a:cs typeface="+mn-cs"/>
-              </a:defRPr>
-            </a:lvl9pPr>
-          </a:lstStyle>
-          <a:p>
-            <a:pPr algn="ctr"/>
-            <a:endParaRPr lang="de-DE" dirty="0"/>
-          </a:p>
-        </p:txBody>
-      </p:sp>
       <p:sp>
         <p:nvSpPr>
           <p:cNvPr id="21" name="Freihandform: Form 20">
@@ -35402,6 +37086,341 @@
           <a:p>
             <a:pPr algn="ctr"/>
             <a:endParaRPr lang="de-DE"/>
+          </a:p>
+        </p:txBody>
+      </p:sp>
+      <p:sp>
+        <p:nvSpPr>
+          <p:cNvPr id="20" name="Freihandform: Form 19">
+            <a:extLst>
+              <a:ext uri="{FF2B5EF4-FFF2-40B4-BE49-F238E27FC236}">
+                <a16:creationId xmlns:a16="http://schemas.microsoft.com/office/drawing/2014/main" id="{328FDEC5-18F3-48BE-ADC5-2F844E752EFB}"/>
+              </a:ext>
+            </a:extLst>
+          </p:cNvPr>
+          <p:cNvSpPr/>
+          <p:nvPr/>
+        </p:nvSpPr>
+        <p:spPr>
+          <a:xfrm>
+            <a:off x="2942142" y="4067769"/>
+            <a:ext cx="1542041" cy="1160861"/>
+          </a:xfrm>
+          <a:custGeom>
+            <a:avLst/>
+            <a:gdLst>
+              <a:gd name="connsiteX0" fmla="*/ 0 w 1557338"/>
+              <a:gd name="connsiteY0" fmla="*/ 100012 h 1176337"/>
+              <a:gd name="connsiteX1" fmla="*/ 4763 w 1557338"/>
+              <a:gd name="connsiteY1" fmla="*/ 1176337 h 1176337"/>
+              <a:gd name="connsiteX2" fmla="*/ 1552575 w 1557338"/>
+              <a:gd name="connsiteY2" fmla="*/ 1166812 h 1176337"/>
+              <a:gd name="connsiteX3" fmla="*/ 1557338 w 1557338"/>
+              <a:gd name="connsiteY3" fmla="*/ 423862 h 1176337"/>
+              <a:gd name="connsiteX4" fmla="*/ 1519238 w 1557338"/>
+              <a:gd name="connsiteY4" fmla="*/ 381000 h 1176337"/>
+              <a:gd name="connsiteX5" fmla="*/ 1471613 w 1557338"/>
+              <a:gd name="connsiteY5" fmla="*/ 347662 h 1176337"/>
+              <a:gd name="connsiteX6" fmla="*/ 1400175 w 1557338"/>
+              <a:gd name="connsiteY6" fmla="*/ 295275 h 1176337"/>
+              <a:gd name="connsiteX7" fmla="*/ 1309688 w 1557338"/>
+              <a:gd name="connsiteY7" fmla="*/ 242887 h 1176337"/>
+              <a:gd name="connsiteX8" fmla="*/ 1209675 w 1557338"/>
+              <a:gd name="connsiteY8" fmla="*/ 180975 h 1176337"/>
+              <a:gd name="connsiteX9" fmla="*/ 1114425 w 1557338"/>
+              <a:gd name="connsiteY9" fmla="*/ 138112 h 1176337"/>
+              <a:gd name="connsiteX10" fmla="*/ 1038225 w 1557338"/>
+              <a:gd name="connsiteY10" fmla="*/ 109537 h 1176337"/>
+              <a:gd name="connsiteX11" fmla="*/ 923925 w 1557338"/>
+              <a:gd name="connsiteY11" fmla="*/ 66675 h 1176337"/>
+              <a:gd name="connsiteX12" fmla="*/ 842963 w 1557338"/>
+              <a:gd name="connsiteY12" fmla="*/ 42862 h 1176337"/>
+              <a:gd name="connsiteX13" fmla="*/ 785813 w 1557338"/>
+              <a:gd name="connsiteY13" fmla="*/ 33337 h 1176337"/>
+              <a:gd name="connsiteX14" fmla="*/ 719138 w 1557338"/>
+              <a:gd name="connsiteY14" fmla="*/ 19050 h 1176337"/>
+              <a:gd name="connsiteX15" fmla="*/ 609600 w 1557338"/>
+              <a:gd name="connsiteY15" fmla="*/ 4762 h 1176337"/>
+              <a:gd name="connsiteX16" fmla="*/ 457200 w 1557338"/>
+              <a:gd name="connsiteY16" fmla="*/ 0 h 1176337"/>
+              <a:gd name="connsiteX17" fmla="*/ 290513 w 1557338"/>
+              <a:gd name="connsiteY17" fmla="*/ 23812 h 1176337"/>
+              <a:gd name="connsiteX18" fmla="*/ 147638 w 1557338"/>
+              <a:gd name="connsiteY18" fmla="*/ 52387 h 1176337"/>
+              <a:gd name="connsiteX19" fmla="*/ 61913 w 1557338"/>
+              <a:gd name="connsiteY19" fmla="*/ 76200 h 1176337"/>
+              <a:gd name="connsiteX20" fmla="*/ 0 w 1557338"/>
+              <a:gd name="connsiteY20" fmla="*/ 100012 h 1176337"/>
+            </a:gdLst>
+            <a:ahLst/>
+            <a:cxnLst>
+              <a:cxn ang="0">
+                <a:pos x="connsiteX0" y="connsiteY0"/>
+              </a:cxn>
+              <a:cxn ang="0">
+                <a:pos x="connsiteX1" y="connsiteY1"/>
+              </a:cxn>
+              <a:cxn ang="0">
+                <a:pos x="connsiteX2" y="connsiteY2"/>
+              </a:cxn>
+              <a:cxn ang="0">
+                <a:pos x="connsiteX3" y="connsiteY3"/>
+              </a:cxn>
+              <a:cxn ang="0">
+                <a:pos x="connsiteX4" y="connsiteY4"/>
+              </a:cxn>
+              <a:cxn ang="0">
+                <a:pos x="connsiteX5" y="connsiteY5"/>
+              </a:cxn>
+              <a:cxn ang="0">
+                <a:pos x="connsiteX6" y="connsiteY6"/>
+              </a:cxn>
+              <a:cxn ang="0">
+                <a:pos x="connsiteX7" y="connsiteY7"/>
+              </a:cxn>
+              <a:cxn ang="0">
+                <a:pos x="connsiteX8" y="connsiteY8"/>
+              </a:cxn>
+              <a:cxn ang="0">
+                <a:pos x="connsiteX9" y="connsiteY9"/>
+              </a:cxn>
+              <a:cxn ang="0">
+                <a:pos x="connsiteX10" y="connsiteY10"/>
+              </a:cxn>
+              <a:cxn ang="0">
+                <a:pos x="connsiteX11" y="connsiteY11"/>
+              </a:cxn>
+              <a:cxn ang="0">
+                <a:pos x="connsiteX12" y="connsiteY12"/>
+              </a:cxn>
+              <a:cxn ang="0">
+                <a:pos x="connsiteX13" y="connsiteY13"/>
+              </a:cxn>
+              <a:cxn ang="0">
+                <a:pos x="connsiteX14" y="connsiteY14"/>
+              </a:cxn>
+              <a:cxn ang="0">
+                <a:pos x="connsiteX15" y="connsiteY15"/>
+              </a:cxn>
+              <a:cxn ang="0">
+                <a:pos x="connsiteX16" y="connsiteY16"/>
+              </a:cxn>
+              <a:cxn ang="0">
+                <a:pos x="connsiteX17" y="connsiteY17"/>
+              </a:cxn>
+              <a:cxn ang="0">
+                <a:pos x="connsiteX18" y="connsiteY18"/>
+              </a:cxn>
+              <a:cxn ang="0">
+                <a:pos x="connsiteX19" y="connsiteY19"/>
+              </a:cxn>
+              <a:cxn ang="0">
+                <a:pos x="connsiteX20" y="connsiteY20"/>
+              </a:cxn>
+            </a:cxnLst>
+            <a:rect l="l" t="t" r="r" b="b"/>
+            <a:pathLst>
+              <a:path w="1557338" h="1176337">
+                <a:moveTo>
+                  <a:pt x="0" y="100012"/>
+                </a:moveTo>
+                <a:cubicBezTo>
+                  <a:pt x="1588" y="458787"/>
+                  <a:pt x="3175" y="817562"/>
+                  <a:pt x="4763" y="1176337"/>
+                </a:cubicBezTo>
+                <a:lnTo>
+                  <a:pt x="1552575" y="1166812"/>
+                </a:lnTo>
+                <a:cubicBezTo>
+                  <a:pt x="1554163" y="919162"/>
+                  <a:pt x="1555750" y="671512"/>
+                  <a:pt x="1557338" y="423862"/>
+                </a:cubicBezTo>
+                <a:lnTo>
+                  <a:pt x="1519238" y="381000"/>
+                </a:lnTo>
+                <a:lnTo>
+                  <a:pt x="1471613" y="347662"/>
+                </a:lnTo>
+                <a:lnTo>
+                  <a:pt x="1400175" y="295275"/>
+                </a:lnTo>
+                <a:lnTo>
+                  <a:pt x="1309688" y="242887"/>
+                </a:lnTo>
+                <a:lnTo>
+                  <a:pt x="1209675" y="180975"/>
+                </a:lnTo>
+                <a:lnTo>
+                  <a:pt x="1114425" y="138112"/>
+                </a:lnTo>
+                <a:lnTo>
+                  <a:pt x="1038225" y="109537"/>
+                </a:lnTo>
+                <a:lnTo>
+                  <a:pt x="923925" y="66675"/>
+                </a:lnTo>
+                <a:lnTo>
+                  <a:pt x="842963" y="42862"/>
+                </a:lnTo>
+                <a:lnTo>
+                  <a:pt x="785813" y="33337"/>
+                </a:lnTo>
+                <a:lnTo>
+                  <a:pt x="719138" y="19050"/>
+                </a:lnTo>
+                <a:lnTo>
+                  <a:pt x="609600" y="4762"/>
+                </a:lnTo>
+                <a:lnTo>
+                  <a:pt x="457200" y="0"/>
+                </a:lnTo>
+                <a:lnTo>
+                  <a:pt x="290513" y="23812"/>
+                </a:lnTo>
+                <a:lnTo>
+                  <a:pt x="147638" y="52387"/>
+                </a:lnTo>
+                <a:lnTo>
+                  <a:pt x="61913" y="76200"/>
+                </a:lnTo>
+                <a:lnTo>
+                  <a:pt x="0" y="100012"/>
+                </a:lnTo>
+                <a:close/>
+              </a:path>
+            </a:pathLst>
+          </a:custGeom>
+          <a:solidFill>
+            <a:srgbClr val="00B0F0">
+              <a:alpha val="40000"/>
+            </a:srgbClr>
+          </a:solidFill>
+          <a:ln w="28575">
+            <a:solidFill>
+              <a:srgbClr val="0070C0"/>
+            </a:solidFill>
+          </a:ln>
+        </p:spPr>
+        <p:style>
+          <a:lnRef idx="2">
+            <a:schemeClr val="accent1">
+              <a:shade val="50000"/>
+            </a:schemeClr>
+          </a:lnRef>
+          <a:fillRef idx="1">
+            <a:schemeClr val="accent1"/>
+          </a:fillRef>
+          <a:effectRef idx="0">
+            <a:schemeClr val="accent1"/>
+          </a:effectRef>
+          <a:fontRef idx="minor">
+            <a:schemeClr val="lt1"/>
+          </a:fontRef>
+        </p:style>
+        <p:txBody>
+          <a:bodyPr rot="0" spcFirstLastPara="0" vert="horz" wrap="square" lIns="91440" tIns="45720" rIns="91440" bIns="45720" numCol="1" spcCol="0" rtlCol="0" fromWordArt="0" anchor="ctr" anchorCtr="0" forceAA="0" compatLnSpc="1">
+            <a:prstTxWarp prst="textNoShape">
+              <a:avLst/>
+            </a:prstTxWarp>
+            <a:noAutofit/>
+          </a:bodyPr>
+          <a:lstStyle>
+            <a:lvl1pPr marL="0" indent="0">
+              <a:defRPr sz="1100">
+                <a:solidFill>
+                  <a:schemeClr val="lt1"/>
+                </a:solidFill>
+                <a:latin typeface="+mn-lt"/>
+                <a:ea typeface="+mn-ea"/>
+                <a:cs typeface="+mn-cs"/>
+              </a:defRPr>
+            </a:lvl1pPr>
+            <a:lvl2pPr marL="457200" indent="0">
+              <a:defRPr sz="1100">
+                <a:solidFill>
+                  <a:schemeClr val="lt1"/>
+                </a:solidFill>
+                <a:latin typeface="+mn-lt"/>
+                <a:ea typeface="+mn-ea"/>
+                <a:cs typeface="+mn-cs"/>
+              </a:defRPr>
+            </a:lvl2pPr>
+            <a:lvl3pPr marL="914400" indent="0">
+              <a:defRPr sz="1100">
+                <a:solidFill>
+                  <a:schemeClr val="lt1"/>
+                </a:solidFill>
+                <a:latin typeface="+mn-lt"/>
+                <a:ea typeface="+mn-ea"/>
+                <a:cs typeface="+mn-cs"/>
+              </a:defRPr>
+            </a:lvl3pPr>
+            <a:lvl4pPr marL="1371600" indent="0">
+              <a:defRPr sz="1100">
+                <a:solidFill>
+                  <a:schemeClr val="lt1"/>
+                </a:solidFill>
+                <a:latin typeface="+mn-lt"/>
+                <a:ea typeface="+mn-ea"/>
+                <a:cs typeface="+mn-cs"/>
+              </a:defRPr>
+            </a:lvl4pPr>
+            <a:lvl5pPr marL="1828800" indent="0">
+              <a:defRPr sz="1100">
+                <a:solidFill>
+                  <a:schemeClr val="lt1"/>
+                </a:solidFill>
+                <a:latin typeface="+mn-lt"/>
+                <a:ea typeface="+mn-ea"/>
+                <a:cs typeface="+mn-cs"/>
+              </a:defRPr>
+            </a:lvl5pPr>
+            <a:lvl6pPr marL="2286000" indent="0">
+              <a:defRPr sz="1100">
+                <a:solidFill>
+                  <a:schemeClr val="lt1"/>
+                </a:solidFill>
+                <a:latin typeface="+mn-lt"/>
+                <a:ea typeface="+mn-ea"/>
+                <a:cs typeface="+mn-cs"/>
+              </a:defRPr>
+            </a:lvl6pPr>
+            <a:lvl7pPr marL="2743200" indent="0">
+              <a:defRPr sz="1100">
+                <a:solidFill>
+                  <a:schemeClr val="lt1"/>
+                </a:solidFill>
+                <a:latin typeface="+mn-lt"/>
+                <a:ea typeface="+mn-ea"/>
+                <a:cs typeface="+mn-cs"/>
+              </a:defRPr>
+            </a:lvl7pPr>
+            <a:lvl8pPr marL="3200400" indent="0">
+              <a:defRPr sz="1100">
+                <a:solidFill>
+                  <a:schemeClr val="lt1"/>
+                </a:solidFill>
+                <a:latin typeface="+mn-lt"/>
+                <a:ea typeface="+mn-ea"/>
+                <a:cs typeface="+mn-cs"/>
+              </a:defRPr>
+            </a:lvl8pPr>
+            <a:lvl9pPr marL="3657600" indent="0">
+              <a:defRPr sz="1100">
+                <a:solidFill>
+                  <a:schemeClr val="lt1"/>
+                </a:solidFill>
+                <a:latin typeface="+mn-lt"/>
+                <a:ea typeface="+mn-ea"/>
+                <a:cs typeface="+mn-cs"/>
+              </a:defRPr>
+            </a:lvl9pPr>
+          </a:lstStyle>
+          <a:p>
+            <a:pPr algn="ctr"/>
+            <a:endParaRPr lang="de-DE" dirty="0"/>
           </a:p>
         </p:txBody>
       </p:sp>
@@ -36137,6 +38156,301 @@
           </a:p>
         </p:txBody>
       </p:sp>
+      <p:cxnSp>
+        <p:nvCxnSpPr>
+          <p:cNvPr id="4" name="Gerader Verbinder 3">
+            <a:extLst>
+              <a:ext uri="{FF2B5EF4-FFF2-40B4-BE49-F238E27FC236}">
+                <a16:creationId xmlns:a16="http://schemas.microsoft.com/office/drawing/2014/main" id="{8A8D30BB-969B-4F00-889B-1F6E77D27BEE}"/>
+              </a:ext>
+            </a:extLst>
+          </p:cNvPr>
+          <p:cNvCxnSpPr/>
+          <p:nvPr/>
+        </p:nvCxnSpPr>
+        <p:spPr>
+          <a:xfrm>
+            <a:off x="2942142" y="2510790"/>
+            <a:ext cx="0" cy="3845561"/>
+          </a:xfrm>
+          <a:prstGeom prst="line">
+            <a:avLst/>
+          </a:prstGeom>
+          <a:ln w="19050">
+            <a:solidFill>
+              <a:srgbClr val="FF0000"/>
+            </a:solidFill>
+            <a:prstDash val="dashDot"/>
+          </a:ln>
+        </p:spPr>
+        <p:style>
+          <a:lnRef idx="1">
+            <a:schemeClr val="accent1"/>
+          </a:lnRef>
+          <a:fillRef idx="0">
+            <a:schemeClr val="accent1"/>
+          </a:fillRef>
+          <a:effectRef idx="0">
+            <a:schemeClr val="accent1"/>
+          </a:effectRef>
+          <a:fontRef idx="minor">
+            <a:schemeClr val="tx1"/>
+          </a:fontRef>
+        </p:style>
+      </p:cxnSp>
+      <p:cxnSp>
+        <p:nvCxnSpPr>
+          <p:cNvPr id="25" name="Gerader Verbinder 24">
+            <a:extLst>
+              <a:ext uri="{FF2B5EF4-FFF2-40B4-BE49-F238E27FC236}">
+                <a16:creationId xmlns:a16="http://schemas.microsoft.com/office/drawing/2014/main" id="{3A6D3A96-9DA8-4EE5-A7BB-D1D61465A60F}"/>
+              </a:ext>
+            </a:extLst>
+          </p:cNvPr>
+          <p:cNvCxnSpPr/>
+          <p:nvPr/>
+        </p:nvCxnSpPr>
+        <p:spPr>
+          <a:xfrm>
+            <a:off x="6063734" y="2510790"/>
+            <a:ext cx="0" cy="3845561"/>
+          </a:xfrm>
+          <a:prstGeom prst="line">
+            <a:avLst/>
+          </a:prstGeom>
+          <a:ln w="19050">
+            <a:solidFill>
+              <a:srgbClr val="FF0000"/>
+            </a:solidFill>
+            <a:prstDash val="dashDot"/>
+          </a:ln>
+        </p:spPr>
+        <p:style>
+          <a:lnRef idx="1">
+            <a:schemeClr val="accent1"/>
+          </a:lnRef>
+          <a:fillRef idx="0">
+            <a:schemeClr val="accent1"/>
+          </a:fillRef>
+          <a:effectRef idx="0">
+            <a:schemeClr val="accent1"/>
+          </a:effectRef>
+          <a:fontRef idx="minor">
+            <a:schemeClr val="tx1"/>
+          </a:fontRef>
+        </p:style>
+      </p:cxnSp>
+      <p:cxnSp>
+        <p:nvCxnSpPr>
+          <p:cNvPr id="26" name="Gerader Verbinder 25">
+            <a:extLst>
+              <a:ext uri="{FF2B5EF4-FFF2-40B4-BE49-F238E27FC236}">
+                <a16:creationId xmlns:a16="http://schemas.microsoft.com/office/drawing/2014/main" id="{51F4D76E-0301-441B-BBFE-2170DEF37F84}"/>
+              </a:ext>
+            </a:extLst>
+          </p:cNvPr>
+          <p:cNvCxnSpPr/>
+          <p:nvPr/>
+        </p:nvCxnSpPr>
+        <p:spPr>
+          <a:xfrm>
+            <a:off x="7635081" y="2510790"/>
+            <a:ext cx="0" cy="3845561"/>
+          </a:xfrm>
+          <a:prstGeom prst="line">
+            <a:avLst/>
+          </a:prstGeom>
+          <a:ln w="19050">
+            <a:solidFill>
+              <a:srgbClr val="FF0000"/>
+            </a:solidFill>
+            <a:prstDash val="dashDot"/>
+          </a:ln>
+        </p:spPr>
+        <p:style>
+          <a:lnRef idx="1">
+            <a:schemeClr val="accent1"/>
+          </a:lnRef>
+          <a:fillRef idx="0">
+            <a:schemeClr val="accent1"/>
+          </a:fillRef>
+          <a:effectRef idx="0">
+            <a:schemeClr val="accent1"/>
+          </a:effectRef>
+          <a:fontRef idx="minor">
+            <a:schemeClr val="tx1"/>
+          </a:fontRef>
+        </p:style>
+      </p:cxnSp>
+      <p:cxnSp>
+        <p:nvCxnSpPr>
+          <p:cNvPr id="27" name="Gerader Verbinder 26">
+            <a:extLst>
+              <a:ext uri="{FF2B5EF4-FFF2-40B4-BE49-F238E27FC236}">
+                <a16:creationId xmlns:a16="http://schemas.microsoft.com/office/drawing/2014/main" id="{E80AFB88-9104-4B0A-99A3-BD4B8D708B6A}"/>
+              </a:ext>
+            </a:extLst>
+          </p:cNvPr>
+          <p:cNvCxnSpPr/>
+          <p:nvPr/>
+        </p:nvCxnSpPr>
+        <p:spPr>
+          <a:xfrm>
+            <a:off x="9223375" y="2510790"/>
+            <a:ext cx="0" cy="3845561"/>
+          </a:xfrm>
+          <a:prstGeom prst="line">
+            <a:avLst/>
+          </a:prstGeom>
+          <a:ln w="19050">
+            <a:solidFill>
+              <a:srgbClr val="FF0000"/>
+            </a:solidFill>
+            <a:prstDash val="dashDot"/>
+          </a:ln>
+        </p:spPr>
+        <p:style>
+          <a:lnRef idx="1">
+            <a:schemeClr val="accent1"/>
+          </a:lnRef>
+          <a:fillRef idx="0">
+            <a:schemeClr val="accent1"/>
+          </a:fillRef>
+          <a:effectRef idx="0">
+            <a:schemeClr val="accent1"/>
+          </a:effectRef>
+          <a:fontRef idx="minor">
+            <a:schemeClr val="tx1"/>
+          </a:fontRef>
+        </p:style>
+      </p:cxnSp>
+      <p:cxnSp>
+        <p:nvCxnSpPr>
+          <p:cNvPr id="24" name="Gerader Verbinder 23">
+            <a:extLst>
+              <a:ext uri="{FF2B5EF4-FFF2-40B4-BE49-F238E27FC236}">
+                <a16:creationId xmlns:a16="http://schemas.microsoft.com/office/drawing/2014/main" id="{56B9685D-C6F0-4F1E-B5A2-7BBD1E6641D8}"/>
+              </a:ext>
+            </a:extLst>
+          </p:cNvPr>
+          <p:cNvCxnSpPr/>
+          <p:nvPr/>
+        </p:nvCxnSpPr>
+        <p:spPr>
+          <a:xfrm>
+            <a:off x="4497803" y="2510790"/>
+            <a:ext cx="0" cy="3845561"/>
+          </a:xfrm>
+          <a:prstGeom prst="line">
+            <a:avLst/>
+          </a:prstGeom>
+          <a:ln w="19050">
+            <a:solidFill>
+              <a:srgbClr val="FF0000"/>
+            </a:solidFill>
+            <a:prstDash val="dashDot"/>
+          </a:ln>
+        </p:spPr>
+        <p:style>
+          <a:lnRef idx="1">
+            <a:schemeClr val="accent1"/>
+          </a:lnRef>
+          <a:fillRef idx="0">
+            <a:schemeClr val="accent1"/>
+          </a:fillRef>
+          <a:effectRef idx="0">
+            <a:schemeClr val="accent1"/>
+          </a:effectRef>
+          <a:fontRef idx="minor">
+            <a:schemeClr val="tx1"/>
+          </a:fontRef>
+        </p:style>
+      </p:cxnSp>
+      <p:sp>
+        <p:nvSpPr>
+          <p:cNvPr id="6" name="Textfeld 5">
+            <a:extLst>
+              <a:ext uri="{FF2B5EF4-FFF2-40B4-BE49-F238E27FC236}">
+                <a16:creationId xmlns:a16="http://schemas.microsoft.com/office/drawing/2014/main" id="{6A5030AC-DFAF-47F6-A57B-72F00427B65D}"/>
+              </a:ext>
+            </a:extLst>
+          </p:cNvPr>
+          <p:cNvSpPr txBox="1"/>
+          <p:nvPr/>
+        </p:nvSpPr>
+        <p:spPr>
+          <a:xfrm>
+            <a:off x="8275320" y="1664264"/>
+            <a:ext cx="2103120" cy="400110"/>
+          </a:xfrm>
+          <a:prstGeom prst="rect">
+            <a:avLst/>
+          </a:prstGeom>
+          <a:noFill/>
+        </p:spPr>
+        <p:txBody>
+          <a:bodyPr wrap="square" rtlCol="0">
+            <a:spAutoFit/>
+          </a:bodyPr>
+          <a:lstStyle/>
+          <a:p>
+            <a:r>
+              <a:rPr lang="de-DE" sz="2000" dirty="0" err="1"/>
+              <a:t>Simpsonregel</a:t>
+            </a:r>
+            <a:endParaRPr lang="de-DE" sz="2000" dirty="0"/>
+          </a:p>
+        </p:txBody>
+      </p:sp>
+      <p:sp>
+        <p:nvSpPr>
+          <p:cNvPr id="13" name="Pfeil: nach links 12">
+            <a:extLst>
+              <a:ext uri="{FF2B5EF4-FFF2-40B4-BE49-F238E27FC236}">
+                <a16:creationId xmlns:a16="http://schemas.microsoft.com/office/drawing/2014/main" id="{275F2A02-8598-42AE-9584-E9678D3E4733}"/>
+              </a:ext>
+            </a:extLst>
+          </p:cNvPr>
+          <p:cNvSpPr/>
+          <p:nvPr/>
+        </p:nvSpPr>
+        <p:spPr>
+          <a:xfrm>
+            <a:off x="7396480" y="1720467"/>
+            <a:ext cx="708660" cy="297634"/>
+          </a:xfrm>
+          <a:prstGeom prst="leftArrow">
+            <a:avLst>
+              <a:gd name="adj1" fmla="val 37546"/>
+              <a:gd name="adj2" fmla="val 50000"/>
+            </a:avLst>
+          </a:prstGeom>
+        </p:spPr>
+        <p:style>
+          <a:lnRef idx="2">
+            <a:schemeClr val="accent1">
+              <a:shade val="50000"/>
+            </a:schemeClr>
+          </a:lnRef>
+          <a:fillRef idx="1">
+            <a:schemeClr val="accent1"/>
+          </a:fillRef>
+          <a:effectRef idx="0">
+            <a:schemeClr val="accent1"/>
+          </a:effectRef>
+          <a:fontRef idx="minor">
+            <a:schemeClr val="lt1"/>
+          </a:fontRef>
+        </p:style>
+        <p:txBody>
+          <a:bodyPr rtlCol="0" anchor="ctr"/>
+          <a:lstStyle/>
+          <a:p>
+            <a:pPr algn="ctr"/>
+            <a:endParaRPr lang="de-DE"/>
+          </a:p>
+        </p:txBody>
+      </p:sp>
     </p:spTree>
     <p:extLst>
       <p:ext uri="{BB962C8B-B14F-4D97-AF65-F5344CB8AC3E}">
@@ -36210,26 +38524,35 @@
                                   </p:childTnLst>
                                 </p:cTn>
                               </p:par>
-                            </p:childTnLst>
-                          </p:cTn>
-                        </p:par>
-                      </p:childTnLst>
-                    </p:cTn>
-                  </p:par>
-                  <p:par>
-                    <p:cTn id="7" fill="hold">
-                      <p:stCondLst>
-                        <p:cond delay="indefinite"/>
-                      </p:stCondLst>
-                      <p:childTnLst>
-                        <p:par>
-                          <p:cTn id="8" fill="hold">
-                            <p:stCondLst>
-                              <p:cond delay="0"/>
-                            </p:stCondLst>
-                            <p:childTnLst>
                               <p:par>
-                                <p:cTn id="9" presetID="1" presetClass="entr" presetSubtype="0" fill="hold" grpId="0" nodeType="clickEffect">
+                                <p:cTn id="7" presetID="1" presetClass="entr" presetSubtype="0" fill="hold" grpId="0" nodeType="withEffect">
+                                  <p:stCondLst>
+                                    <p:cond delay="0"/>
+                                  </p:stCondLst>
+                                  <p:childTnLst>
+                                    <p:set>
+                                      <p:cBhvr>
+                                        <p:cTn id="8" dur="1" fill="hold">
+                                          <p:stCondLst>
+                                            <p:cond delay="0"/>
+                                          </p:stCondLst>
+                                        </p:cTn>
+                                        <p:tgtEl>
+                                          <p:spTgt spid="13"/>
+                                        </p:tgtEl>
+                                        <p:attrNameLst>
+                                          <p:attrName>style.visibility</p:attrName>
+                                        </p:attrNameLst>
+                                      </p:cBhvr>
+                                      <p:to>
+                                        <p:strVal val="visible"/>
+                                      </p:to>
+                                    </p:set>
+                                  </p:childTnLst>
+                                </p:cTn>
+                              </p:par>
+                              <p:par>
+                                <p:cTn id="9" presetID="1" presetClass="entr" presetSubtype="0" fill="hold" grpId="0" nodeType="withEffect">
                                   <p:stCondLst>
                                     <p:cond delay="0"/>
                                   </p:stCondLst>
@@ -36242,7 +38565,7 @@
                                           </p:stCondLst>
                                         </p:cTn>
                                         <p:tgtEl>
-                                          <p:spTgt spid="5"/>
+                                          <p:spTgt spid="6"/>
                                         </p:tgtEl>
                                         <p:attrNameLst>
                                           <p:attrName>style.visibility</p:attrName>
@@ -36269,6 +38592,33 @@
                                           </p:stCondLst>
                                         </p:cTn>
                                         <p:tgtEl>
+                                          <p:spTgt spid="5"/>
+                                        </p:tgtEl>
+                                        <p:attrNameLst>
+                                          <p:attrName>style.visibility</p:attrName>
+                                        </p:attrNameLst>
+                                      </p:cBhvr>
+                                      <p:to>
+                                        <p:strVal val="visible"/>
+                                      </p:to>
+                                    </p:set>
+                                  </p:childTnLst>
+                                </p:cTn>
+                              </p:par>
+                              <p:par>
+                                <p:cTn id="13" presetID="1" presetClass="entr" presetSubtype="0" fill="hold" grpId="0" nodeType="withEffect">
+                                  <p:stCondLst>
+                                    <p:cond delay="0"/>
+                                  </p:stCondLst>
+                                  <p:childTnLst>
+                                    <p:set>
+                                      <p:cBhvr>
+                                        <p:cTn id="14" dur="1" fill="hold">
+                                          <p:stCondLst>
+                                            <p:cond delay="0"/>
+                                          </p:stCondLst>
+                                        </p:cTn>
+                                        <p:tgtEl>
                                           <p:spTgt spid="18"/>
                                         </p:tgtEl>
                                         <p:attrNameLst>
@@ -36289,32 +38639,140 @@
                     </p:cTn>
                   </p:par>
                   <p:par>
-                    <p:cTn id="13" fill="hold">
+                    <p:cTn id="15" fill="hold">
                       <p:stCondLst>
                         <p:cond delay="indefinite"/>
                       </p:stCondLst>
                       <p:childTnLst>
                         <p:par>
-                          <p:cTn id="14" fill="hold">
+                          <p:cTn id="16" fill="hold">
                             <p:stCondLst>
                               <p:cond delay="0"/>
                             </p:stCondLst>
                             <p:childTnLst>
                               <p:par>
-                                <p:cTn id="15" presetID="1" presetClass="entr" presetSubtype="0" fill="hold" grpId="0" nodeType="clickEffect">
+                                <p:cTn id="17" presetID="1" presetClass="entr" presetSubtype="0" fill="hold" nodeType="clickEffect">
                                   <p:stCondLst>
                                     <p:cond delay="0"/>
                                   </p:stCondLst>
                                   <p:childTnLst>
                                     <p:set>
                                       <p:cBhvr>
-                                        <p:cTn id="16" dur="1" fill="hold">
+                                        <p:cTn id="18" dur="1" fill="hold">
                                           <p:stCondLst>
                                             <p:cond delay="0"/>
                                           </p:stCondLst>
                                         </p:cTn>
                                         <p:tgtEl>
-                                          <p:spTgt spid="20"/>
+                                          <p:spTgt spid="4"/>
+                                        </p:tgtEl>
+                                        <p:attrNameLst>
+                                          <p:attrName>style.visibility</p:attrName>
+                                        </p:attrNameLst>
+                                      </p:cBhvr>
+                                      <p:to>
+                                        <p:strVal val="visible"/>
+                                      </p:to>
+                                    </p:set>
+                                  </p:childTnLst>
+                                </p:cTn>
+                              </p:par>
+                              <p:par>
+                                <p:cTn id="19" presetID="1" presetClass="entr" presetSubtype="0" fill="hold" nodeType="withEffect">
+                                  <p:stCondLst>
+                                    <p:cond delay="0"/>
+                                  </p:stCondLst>
+                                  <p:childTnLst>
+                                    <p:set>
+                                      <p:cBhvr>
+                                        <p:cTn id="20" dur="1" fill="hold">
+                                          <p:stCondLst>
+                                            <p:cond delay="0"/>
+                                          </p:stCondLst>
+                                        </p:cTn>
+                                        <p:tgtEl>
+                                          <p:spTgt spid="24"/>
+                                        </p:tgtEl>
+                                        <p:attrNameLst>
+                                          <p:attrName>style.visibility</p:attrName>
+                                        </p:attrNameLst>
+                                      </p:cBhvr>
+                                      <p:to>
+                                        <p:strVal val="visible"/>
+                                      </p:to>
+                                    </p:set>
+                                  </p:childTnLst>
+                                </p:cTn>
+                              </p:par>
+                              <p:par>
+                                <p:cTn id="21" presetID="1" presetClass="entr" presetSubtype="0" fill="hold" nodeType="withEffect">
+                                  <p:stCondLst>
+                                    <p:cond delay="0"/>
+                                  </p:stCondLst>
+                                  <p:childTnLst>
+                                    <p:set>
+                                      <p:cBhvr>
+                                        <p:cTn id="22" dur="1" fill="hold">
+                                          <p:stCondLst>
+                                            <p:cond delay="0"/>
+                                          </p:stCondLst>
+                                        </p:cTn>
+                                        <p:tgtEl>
+                                          <p:spTgt spid="25"/>
+                                        </p:tgtEl>
+                                        <p:attrNameLst>
+                                          <p:attrName>style.visibility</p:attrName>
+                                        </p:attrNameLst>
+                                      </p:cBhvr>
+                                      <p:to>
+                                        <p:strVal val="visible"/>
+                                      </p:to>
+                                    </p:set>
+                                  </p:childTnLst>
+                                </p:cTn>
+                              </p:par>
+                              <p:par>
+                                <p:cTn id="23" presetID="1" presetClass="entr" presetSubtype="0" fill="hold" nodeType="withEffect">
+                                  <p:stCondLst>
+                                    <p:cond delay="0"/>
+                                  </p:stCondLst>
+                                  <p:childTnLst>
+                                    <p:set>
+                                      <p:cBhvr>
+                                        <p:cTn id="24" dur="1" fill="hold">
+                                          <p:stCondLst>
+                                            <p:cond delay="0"/>
+                                          </p:stCondLst>
+                                        </p:cTn>
+                                        <p:tgtEl>
+                                          <p:spTgt spid="26"/>
+                                        </p:tgtEl>
+                                        <p:attrNameLst>
+                                          <p:attrName>style.visibility</p:attrName>
+                                        </p:attrNameLst>
+                                      </p:cBhvr>
+                                      <p:to>
+                                        <p:strVal val="visible"/>
+                                      </p:to>
+                                    </p:set>
+                                  </p:childTnLst>
+                                </p:cTn>
+                              </p:par>
+                              <p:par>
+                                <p:cTn id="25" presetID="1" presetClass="entr" presetSubtype="0" fill="hold" nodeType="withEffect">
+                                  <p:stCondLst>
+                                    <p:cond delay="0"/>
+                                  </p:stCondLst>
+                                  <p:childTnLst>
+                                    <p:set>
+                                      <p:cBhvr>
+                                        <p:cTn id="26" dur="1" fill="hold">
+                                          <p:stCondLst>
+                                            <p:cond delay="0"/>
+                                          </p:stCondLst>
+                                        </p:cTn>
+                                        <p:tgtEl>
+                                          <p:spTgt spid="27"/>
                                         </p:tgtEl>
                                         <p:attrNameLst>
                                           <p:attrName>style.visibility</p:attrName>
@@ -36334,26 +38792,134 @@
                     </p:cTn>
                   </p:par>
                   <p:par>
-                    <p:cTn id="17" fill="hold">
+                    <p:cTn id="27" fill="hold">
                       <p:stCondLst>
                         <p:cond delay="indefinite"/>
                       </p:stCondLst>
                       <p:childTnLst>
                         <p:par>
-                          <p:cTn id="18" fill="hold">
+                          <p:cTn id="28" fill="hold">
                             <p:stCondLst>
                               <p:cond delay="0"/>
                             </p:stCondLst>
                             <p:childTnLst>
                               <p:par>
-                                <p:cTn id="19" presetID="1" presetClass="entr" presetSubtype="0" fill="hold" grpId="0" nodeType="clickEffect">
+                                <p:cTn id="29" presetID="1" presetClass="exit" presetSubtype="0" fill="hold" grpId="0" nodeType="clickEffect">
                                   <p:stCondLst>
                                     <p:cond delay="0"/>
                                   </p:stCondLst>
                                   <p:childTnLst>
                                     <p:set>
                                       <p:cBhvr>
-                                        <p:cTn id="20" dur="1" fill="hold">
+                                        <p:cTn id="30" dur="1" fill="hold">
+                                          <p:stCondLst>
+                                            <p:cond delay="0"/>
+                                          </p:stCondLst>
+                                        </p:cTn>
+                                        <p:tgtEl>
+                                          <p:spTgt spid="12"/>
+                                        </p:tgtEl>
+                                        <p:attrNameLst>
+                                          <p:attrName>style.visibility</p:attrName>
+                                        </p:attrNameLst>
+                                      </p:cBhvr>
+                                      <p:to>
+                                        <p:strVal val="hidden"/>
+                                      </p:to>
+                                    </p:set>
+                                  </p:childTnLst>
+                                </p:cTn>
+                              </p:par>
+                            </p:childTnLst>
+                          </p:cTn>
+                        </p:par>
+                        <p:par>
+                          <p:cTn id="31" fill="hold">
+                            <p:stCondLst>
+                              <p:cond delay="0"/>
+                            </p:stCondLst>
+                            <p:childTnLst>
+                              <p:par>
+                                <p:cTn id="32" presetID="1" presetClass="entr" presetSubtype="0" fill="hold" grpId="0" nodeType="afterEffect">
+                                  <p:stCondLst>
+                                    <p:cond delay="0"/>
+                                  </p:stCondLst>
+                                  <p:childTnLst>
+                                    <p:set>
+                                      <p:cBhvr>
+                                        <p:cTn id="33" dur="1" fill="hold">
+                                          <p:stCondLst>
+                                            <p:cond delay="0"/>
+                                          </p:stCondLst>
+                                        </p:cTn>
+                                        <p:tgtEl>
+                                          <p:spTgt spid="28"/>
+                                        </p:tgtEl>
+                                        <p:attrNameLst>
+                                          <p:attrName>style.visibility</p:attrName>
+                                        </p:attrNameLst>
+                                      </p:cBhvr>
+                                      <p:to>
+                                        <p:strVal val="visible"/>
+                                      </p:to>
+                                    </p:set>
+                                  </p:childTnLst>
+                                </p:cTn>
+                              </p:par>
+                            </p:childTnLst>
+                          </p:cTn>
+                        </p:par>
+                      </p:childTnLst>
+                    </p:cTn>
+                  </p:par>
+                  <p:par>
+                    <p:cTn id="34" fill="hold">
+                      <p:stCondLst>
+                        <p:cond delay="indefinite"/>
+                      </p:stCondLst>
+                      <p:childTnLst>
+                        <p:par>
+                          <p:cTn id="35" fill="hold">
+                            <p:stCondLst>
+                              <p:cond delay="0"/>
+                            </p:stCondLst>
+                            <p:childTnLst>
+                              <p:par>
+                                <p:cTn id="36" presetID="1" presetClass="entr" presetSubtype="0" fill="hold" grpId="0" nodeType="clickEffect">
+                                  <p:stCondLst>
+                                    <p:cond delay="0"/>
+                                  </p:stCondLst>
+                                  <p:childTnLst>
+                                    <p:set>
+                                      <p:cBhvr>
+                                        <p:cTn id="37" dur="1" fill="hold">
+                                          <p:stCondLst>
+                                            <p:cond delay="0"/>
+                                          </p:stCondLst>
+                                        </p:cTn>
+                                        <p:tgtEl>
+                                          <p:spTgt spid="20"/>
+                                        </p:tgtEl>
+                                        <p:attrNameLst>
+                                          <p:attrName>style.visibility</p:attrName>
+                                        </p:attrNameLst>
+                                      </p:cBhvr>
+                                      <p:to>
+                                        <p:strVal val="visible"/>
+                                      </p:to>
+                                    </p:set>
+                                  </p:childTnLst>
+                                </p:cTn>
+                              </p:par>
+                              <p:par>
+                                <p:cTn id="38" presetID="1" presetClass="entr" presetSubtype="0" fill="hold" grpId="0" nodeType="withEffect">
+                                  <p:stCondLst>
+                                    <p:cond delay="0"/>
+                                  </p:stCondLst>
+                                  <p:childTnLst>
+                                    <p:set>
+                                      <p:cBhvr>
+                                        <p:cTn id="39" dur="1" fill="hold">
                                           <p:stCondLst>
                                             <p:cond delay="0"/>
                                           </p:stCondLst>
@@ -36373,14 +38939,14 @@
                                 </p:cTn>
                               </p:par>
                               <p:par>
-                                <p:cTn id="21" presetID="1" presetClass="entr" presetSubtype="0" fill="hold" grpId="0" nodeType="withEffect">
+                                <p:cTn id="40" presetID="1" presetClass="entr" presetSubtype="0" fill="hold" grpId="0" nodeType="withEffect">
                                   <p:stCondLst>
                                     <p:cond delay="0"/>
                                   </p:stCondLst>
                                   <p:childTnLst>
                                     <p:set>
                                       <p:cBhvr>
-                                        <p:cTn id="22" dur="1" fill="hold">
+                                        <p:cTn id="41" dur="1" fill="hold">
                                           <p:stCondLst>
                                             <p:cond delay="0"/>
                                           </p:stCondLst>
@@ -36400,14 +38966,14 @@
                                 </p:cTn>
                               </p:par>
                               <p:par>
-                                <p:cTn id="23" presetID="1" presetClass="entr" presetSubtype="0" fill="hold" grpId="0" nodeType="withEffect">
+                                <p:cTn id="42" presetID="1" presetClass="entr" presetSubtype="0" fill="hold" grpId="0" nodeType="withEffect">
                                   <p:stCondLst>
                                     <p:cond delay="0"/>
                                   </p:stCondLst>
                                   <p:childTnLst>
                                     <p:set>
                                       <p:cBhvr>
-                                        <p:cTn id="24" dur="1" fill="hold">
+                                        <p:cTn id="43" dur="1" fill="hold">
                                           <p:stCondLst>
                                             <p:cond delay="0"/>
                                           </p:stCondLst>
@@ -36433,26 +38999,224 @@
                     </p:cTn>
                   </p:par>
                   <p:par>
-                    <p:cTn id="25" fill="hold">
+                    <p:cTn id="44" fill="hold">
                       <p:stCondLst>
                         <p:cond delay="indefinite"/>
                       </p:stCondLst>
                       <p:childTnLst>
                         <p:par>
-                          <p:cTn id="26" fill="hold">
+                          <p:cTn id="45" fill="hold">
                             <p:stCondLst>
                               <p:cond delay="0"/>
                             </p:stCondLst>
                             <p:childTnLst>
                               <p:par>
-                                <p:cTn id="27" presetID="1" presetClass="entr" presetSubtype="0" fill="hold" grpId="0" nodeType="clickEffect">
+                                <p:cTn id="46" presetID="1" presetClass="exit" presetSubtype="0" fill="hold" grpId="1" nodeType="clickEffect">
                                   <p:stCondLst>
                                     <p:cond delay="0"/>
                                   </p:stCondLst>
                                   <p:childTnLst>
                                     <p:set>
                                       <p:cBhvr>
-                                        <p:cTn id="28" dur="1" fill="hold">
+                                        <p:cTn id="47" dur="1" fill="hold">
+                                          <p:stCondLst>
+                                            <p:cond delay="0"/>
+                                          </p:stCondLst>
+                                        </p:cTn>
+                                        <p:tgtEl>
+                                          <p:spTgt spid="28"/>
+                                        </p:tgtEl>
+                                        <p:attrNameLst>
+                                          <p:attrName>style.visibility</p:attrName>
+                                        </p:attrNameLst>
+                                      </p:cBhvr>
+                                      <p:to>
+                                        <p:strVal val="hidden"/>
+                                      </p:to>
+                                    </p:set>
+                                  </p:childTnLst>
+                                </p:cTn>
+                              </p:par>
+                              <p:par>
+                                <p:cTn id="48" presetID="1" presetClass="entr" presetSubtype="0" fill="hold" grpId="1" nodeType="withEffect">
+                                  <p:stCondLst>
+                                    <p:cond delay="0"/>
+                                  </p:stCondLst>
+                                  <p:childTnLst>
+                                    <p:set>
+                                      <p:cBhvr>
+                                        <p:cTn id="49" dur="1" fill="hold">
+                                          <p:stCondLst>
+                                            <p:cond delay="0"/>
+                                          </p:stCondLst>
+                                        </p:cTn>
+                                        <p:tgtEl>
+                                          <p:spTgt spid="12"/>
+                                        </p:tgtEl>
+                                        <p:attrNameLst>
+                                          <p:attrName>style.visibility</p:attrName>
+                                        </p:attrNameLst>
+                                      </p:cBhvr>
+                                      <p:to>
+                                        <p:strVal val="visible"/>
+                                      </p:to>
+                                    </p:set>
+                                  </p:childTnLst>
+                                </p:cTn>
+                              </p:par>
+                              <p:par>
+                                <p:cTn id="50" presetID="1" presetClass="exit" presetSubtype="0" fill="hold" nodeType="withEffect">
+                                  <p:stCondLst>
+                                    <p:cond delay="0"/>
+                                  </p:stCondLst>
+                                  <p:childTnLst>
+                                    <p:set>
+                                      <p:cBhvr>
+                                        <p:cTn id="51" dur="1" fill="hold">
+                                          <p:stCondLst>
+                                            <p:cond delay="0"/>
+                                          </p:stCondLst>
+                                        </p:cTn>
+                                        <p:tgtEl>
+                                          <p:spTgt spid="4"/>
+                                        </p:tgtEl>
+                                        <p:attrNameLst>
+                                          <p:attrName>style.visibility</p:attrName>
+                                        </p:attrNameLst>
+                                      </p:cBhvr>
+                                      <p:to>
+                                        <p:strVal val="hidden"/>
+                                      </p:to>
+                                    </p:set>
+                                  </p:childTnLst>
+                                </p:cTn>
+                              </p:par>
+                              <p:par>
+                                <p:cTn id="52" presetID="1" presetClass="exit" presetSubtype="0" fill="hold" nodeType="withEffect">
+                                  <p:stCondLst>
+                                    <p:cond delay="0"/>
+                                  </p:stCondLst>
+                                  <p:childTnLst>
+                                    <p:set>
+                                      <p:cBhvr>
+                                        <p:cTn id="53" dur="1" fill="hold">
+                                          <p:stCondLst>
+                                            <p:cond delay="0"/>
+                                          </p:stCondLst>
+                                        </p:cTn>
+                                        <p:tgtEl>
+                                          <p:spTgt spid="24"/>
+                                        </p:tgtEl>
+                                        <p:attrNameLst>
+                                          <p:attrName>style.visibility</p:attrName>
+                                        </p:attrNameLst>
+                                      </p:cBhvr>
+                                      <p:to>
+                                        <p:strVal val="hidden"/>
+                                      </p:to>
+                                    </p:set>
+                                  </p:childTnLst>
+                                </p:cTn>
+                              </p:par>
+                              <p:par>
+                                <p:cTn id="54" presetID="1" presetClass="exit" presetSubtype="0" fill="hold" nodeType="withEffect">
+                                  <p:stCondLst>
+                                    <p:cond delay="0"/>
+                                  </p:stCondLst>
+                                  <p:childTnLst>
+                                    <p:set>
+                                      <p:cBhvr>
+                                        <p:cTn id="55" dur="1" fill="hold">
+                                          <p:stCondLst>
+                                            <p:cond delay="0"/>
+                                          </p:stCondLst>
+                                        </p:cTn>
+                                        <p:tgtEl>
+                                          <p:spTgt spid="25"/>
+                                        </p:tgtEl>
+                                        <p:attrNameLst>
+                                          <p:attrName>style.visibility</p:attrName>
+                                        </p:attrNameLst>
+                                      </p:cBhvr>
+                                      <p:to>
+                                        <p:strVal val="hidden"/>
+                                      </p:to>
+                                    </p:set>
+                                  </p:childTnLst>
+                                </p:cTn>
+                              </p:par>
+                              <p:par>
+                                <p:cTn id="56" presetID="1" presetClass="exit" presetSubtype="0" fill="hold" nodeType="withEffect">
+                                  <p:stCondLst>
+                                    <p:cond delay="0"/>
+                                  </p:stCondLst>
+                                  <p:childTnLst>
+                                    <p:set>
+                                      <p:cBhvr>
+                                        <p:cTn id="57" dur="1" fill="hold">
+                                          <p:stCondLst>
+                                            <p:cond delay="0"/>
+                                          </p:stCondLst>
+                                        </p:cTn>
+                                        <p:tgtEl>
+                                          <p:spTgt spid="26"/>
+                                        </p:tgtEl>
+                                        <p:attrNameLst>
+                                          <p:attrName>style.visibility</p:attrName>
+                                        </p:attrNameLst>
+                                      </p:cBhvr>
+                                      <p:to>
+                                        <p:strVal val="hidden"/>
+                                      </p:to>
+                                    </p:set>
+                                  </p:childTnLst>
+                                </p:cTn>
+                              </p:par>
+                              <p:par>
+                                <p:cTn id="58" presetID="1" presetClass="exit" presetSubtype="0" fill="hold" nodeType="withEffect">
+                                  <p:stCondLst>
+                                    <p:cond delay="0"/>
+                                  </p:stCondLst>
+                                  <p:childTnLst>
+                                    <p:set>
+                                      <p:cBhvr>
+                                        <p:cTn id="59" dur="1" fill="hold">
+                                          <p:stCondLst>
+                                            <p:cond delay="0"/>
+                                          </p:stCondLst>
+                                        </p:cTn>
+                                        <p:tgtEl>
+                                          <p:spTgt spid="27"/>
+                                        </p:tgtEl>
+                                        <p:attrNameLst>
+                                          <p:attrName>style.visibility</p:attrName>
+                                        </p:attrNameLst>
+                                      </p:cBhvr>
+                                      <p:to>
+                                        <p:strVal val="hidden"/>
+                                      </p:to>
+                                    </p:set>
+                                  </p:childTnLst>
+                                </p:cTn>
+                              </p:par>
+                            </p:childTnLst>
+                          </p:cTn>
+                        </p:par>
+                        <p:par>
+                          <p:cTn id="60" fill="hold">
+                            <p:stCondLst>
+                              <p:cond delay="0"/>
+                            </p:stCondLst>
+                            <p:childTnLst>
+                              <p:par>
+                                <p:cTn id="61" presetID="1" presetClass="entr" presetSubtype="0" fill="hold" grpId="0" nodeType="afterEffect">
+                                  <p:stCondLst>
+                                    <p:cond delay="0"/>
+                                  </p:stCondLst>
+                                  <p:childTnLst>
+                                    <p:set>
+                                      <p:cBhvr>
+                                        <p:cTn id="62" dur="1" fill="hold">
                                           <p:stCondLst>
                                             <p:cond delay="0"/>
                                           </p:stCondLst>
@@ -36478,26 +39242,26 @@
                     </p:cTn>
                   </p:par>
                   <p:par>
-                    <p:cTn id="29" fill="hold">
+                    <p:cTn id="63" fill="hold">
                       <p:stCondLst>
                         <p:cond delay="indefinite"/>
                       </p:stCondLst>
                       <p:childTnLst>
                         <p:par>
-                          <p:cTn id="30" fill="hold">
+                          <p:cTn id="64" fill="hold">
                             <p:stCondLst>
                               <p:cond delay="0"/>
                             </p:stCondLst>
                             <p:childTnLst>
                               <p:par>
-                                <p:cTn id="31" presetID="1" presetClass="entr" presetSubtype="0" fill="hold" grpId="0" nodeType="clickEffect">
+                                <p:cTn id="65" presetID="1" presetClass="entr" presetSubtype="0" fill="hold" grpId="0" nodeType="clickEffect">
                                   <p:stCondLst>
                                     <p:cond delay="0"/>
                                   </p:stCondLst>
                                   <p:childTnLst>
                                     <p:set>
                                       <p:cBhvr>
-                                        <p:cTn id="32" dur="1" fill="hold">
+                                        <p:cTn id="66" dur="1" fill="hold">
                                           <p:stCondLst>
                                             <p:cond delay="0"/>
                                           </p:stCondLst>
@@ -36523,26 +39287,26 @@
                     </p:cTn>
                   </p:par>
                   <p:par>
-                    <p:cTn id="33" fill="hold">
+                    <p:cTn id="67" fill="hold">
                       <p:stCondLst>
                         <p:cond delay="indefinite"/>
                       </p:stCondLst>
                       <p:childTnLst>
                         <p:par>
-                          <p:cTn id="34" fill="hold">
+                          <p:cTn id="68" fill="hold">
                             <p:stCondLst>
                               <p:cond delay="0"/>
                             </p:stCondLst>
                             <p:childTnLst>
                               <p:par>
-                                <p:cTn id="35" presetID="1" presetClass="entr" presetSubtype="0" fill="hold" grpId="0" nodeType="clickEffect">
+                                <p:cTn id="69" presetID="1" presetClass="entr" presetSubtype="0" fill="hold" grpId="0" nodeType="clickEffect">
                                   <p:stCondLst>
                                     <p:cond delay="0"/>
                                   </p:stCondLst>
                                   <p:childTnLst>
                                     <p:set>
                                       <p:cBhvr>
-                                        <p:cTn id="36" dur="1" fill="hold">
+                                        <p:cTn id="70" dur="1" fill="hold">
                                           <p:stCondLst>
                                             <p:cond delay="0"/>
                                           </p:stCondLst>
@@ -36590,15 +39354,29 @@
     </p:tnLst>
     <p:bldLst>
       <p:bldP spid="11" grpId="0" build="p"/>
+      <p:bldGraphic spid="28" grpId="0">
+        <p:bldAsOne/>
+      </p:bldGraphic>
+      <p:bldGraphic spid="28" grpId="1">
+        <p:bldAsOne/>
+      </p:bldGraphic>
       <p:bldP spid="3" grpId="0"/>
       <p:bldP spid="17" grpId="0"/>
+      <p:bldGraphic spid="12" grpId="0">
+        <p:bldAsOne/>
+      </p:bldGraphic>
+      <p:bldGraphic spid="12" grpId="1">
+        <p:bldAsOne/>
+      </p:bldGraphic>
       <p:bldP spid="5" grpId="0" animBg="1"/>
       <p:bldP spid="18" grpId="0"/>
       <p:bldP spid="19" grpId="0"/>
+      <p:bldP spid="21" grpId="0" animBg="1"/>
       <p:bldP spid="20" grpId="0" animBg="1"/>
-      <p:bldP spid="21" grpId="0" animBg="1"/>
       <p:bldP spid="22" grpId="0" animBg="1"/>
       <p:bldP spid="23" grpId="0" animBg="1"/>
+      <p:bldP spid="6" grpId="0"/>
+      <p:bldP spid="13" grpId="0" animBg="1"/>
     </p:bldLst>
   </p:timing>
 </p:sld>
@@ -38053,4 +40831,290 @@
     </a:bgFillStyleLst>
   </a:fmtScheme>
 </a:themeOverride>
+</file>
+
+<file path=ppt/theme/themeOverride4.xml><?xml version="1.0" encoding="utf-8"?>
+<a:themeOverride xmlns:a="http://schemas.openxmlformats.org/drawingml/2006/main">
+  <a:clrScheme name="Office">
+    <a:dk1>
+      <a:sysClr val="windowText" lastClr="000000"/>
+    </a:dk1>
+    <a:lt1>
+      <a:sysClr val="window" lastClr="FFFFFF"/>
+    </a:lt1>
+    <a:dk2>
+      <a:srgbClr val="44546A"/>
+    </a:dk2>
+    <a:lt2>
+      <a:srgbClr val="E7E6E6"/>
+    </a:lt2>
+    <a:accent1>
+      <a:srgbClr val="4472C4"/>
+    </a:accent1>
+    <a:accent2>
+      <a:srgbClr val="ED7D31"/>
+    </a:accent2>
+    <a:accent3>
+      <a:srgbClr val="A5A5A5"/>
+    </a:accent3>
+    <a:accent4>
+      <a:srgbClr val="FFC000"/>
+    </a:accent4>
+    <a:accent5>
+      <a:srgbClr val="5B9BD5"/>
+    </a:accent5>
+    <a:accent6>
+      <a:srgbClr val="70AD47"/>
+    </a:accent6>
+    <a:hlink>
+      <a:srgbClr val="0563C1"/>
+    </a:hlink>
+    <a:folHlink>
+      <a:srgbClr val="954F72"/>
+    </a:folHlink>
+  </a:clrScheme>
+  <a:fontScheme name="Office">
+    <a:majorFont>
+      <a:latin typeface="Calibri Light" panose="020F0302020204030204"/>
+      <a:ea typeface=""/>
+      <a:cs typeface=""/>
+      <a:font script="Jpan" typeface="游ゴシック Light"/>
+      <a:font script="Hang" typeface="맑은 고딕"/>
+      <a:font script="Hans" typeface="等线 Light"/>
+      <a:font script="Hant" typeface="新細明體"/>
+      <a:font script="Arab" typeface="Times New Roman"/>
+      <a:font script="Hebr" typeface="Times New Roman"/>
+      <a:font script="Thai" typeface="Tahoma"/>
+      <a:font script="Ethi" typeface="Nyala"/>
+      <a:font script="Beng" typeface="Vrinda"/>
+      <a:font script="Gujr" typeface="Shruti"/>
+      <a:font script="Khmr" typeface="MoolBoran"/>
+      <a:font script="Knda" typeface="Tunga"/>
+      <a:font script="Guru" typeface="Raavi"/>
+      <a:font script="Cans" typeface="Euphemia"/>
+      <a:font script="Cher" typeface="Plantagenet Cherokee"/>
+      <a:font script="Yiii" typeface="Microsoft Yi Baiti"/>
+      <a:font script="Tibt" typeface="Microsoft Himalaya"/>
+      <a:font script="Thaa" typeface="MV Boli"/>
+      <a:font script="Deva" typeface="Mangal"/>
+      <a:font script="Telu" typeface="Gautami"/>
+      <a:font script="Taml" typeface="Latha"/>
+      <a:font script="Syrc" typeface="Estrangelo Edessa"/>
+      <a:font script="Orya" typeface="Kalinga"/>
+      <a:font script="Mlym" typeface="Kartika"/>
+      <a:font script="Laoo" typeface="DokChampa"/>
+      <a:font script="Sinh" typeface="Iskoola Pota"/>
+      <a:font script="Mong" typeface="Mongolian Baiti"/>
+      <a:font script="Viet" typeface="Times New Roman"/>
+      <a:font script="Uigh" typeface="Microsoft Uighur"/>
+      <a:font script="Geor" typeface="Sylfaen"/>
+      <a:font script="Armn" typeface="Arial"/>
+      <a:font script="Bugi" typeface="Leelawadee UI"/>
+      <a:font script="Bopo" typeface="Microsoft JhengHei"/>
+      <a:font script="Java" typeface="Javanese Text"/>
+      <a:font script="Lisu" typeface="Segoe UI"/>
+      <a:font script="Mymr" typeface="Myanmar Text"/>
+      <a:font script="Nkoo" typeface="Ebrima"/>
+      <a:font script="Olck" typeface="Nirmala UI"/>
+      <a:font script="Osma" typeface="Ebrima"/>
+      <a:font script="Phag" typeface="Phagspa"/>
+      <a:font script="Syrn" typeface="Estrangelo Edessa"/>
+      <a:font script="Syrj" typeface="Estrangelo Edessa"/>
+      <a:font script="Syre" typeface="Estrangelo Edessa"/>
+      <a:font script="Sora" typeface="Nirmala UI"/>
+      <a:font script="Tale" typeface="Microsoft Tai Le"/>
+      <a:font script="Talu" typeface="Microsoft New Tai Lue"/>
+      <a:font script="Tfng" typeface="Ebrima"/>
+    </a:majorFont>
+    <a:minorFont>
+      <a:latin typeface="Calibri" panose="020F0502020204030204"/>
+      <a:ea typeface=""/>
+      <a:cs typeface=""/>
+      <a:font script="Jpan" typeface="游ゴシック"/>
+      <a:font script="Hang" typeface="맑은 고딕"/>
+      <a:font script="Hans" typeface="等线"/>
+      <a:font script="Hant" typeface="新細明體"/>
+      <a:font script="Arab" typeface="Arial"/>
+      <a:font script="Hebr" typeface="Arial"/>
+      <a:font script="Thai" typeface="Tahoma"/>
+      <a:font script="Ethi" typeface="Nyala"/>
+      <a:font script="Beng" typeface="Vrinda"/>
+      <a:font script="Gujr" typeface="Shruti"/>
+      <a:font script="Khmr" typeface="DaunPenh"/>
+      <a:font script="Knda" typeface="Tunga"/>
+      <a:font script="Guru" typeface="Raavi"/>
+      <a:font script="Cans" typeface="Euphemia"/>
+      <a:font script="Cher" typeface="Plantagenet Cherokee"/>
+      <a:font script="Yiii" typeface="Microsoft Yi Baiti"/>
+      <a:font script="Tibt" typeface="Microsoft Himalaya"/>
+      <a:font script="Thaa" typeface="MV Boli"/>
+      <a:font script="Deva" typeface="Mangal"/>
+      <a:font script="Telu" typeface="Gautami"/>
+      <a:font script="Taml" typeface="Latha"/>
+      <a:font script="Syrc" typeface="Estrangelo Edessa"/>
+      <a:font script="Orya" typeface="Kalinga"/>
+      <a:font script="Mlym" typeface="Kartika"/>
+      <a:font script="Laoo" typeface="DokChampa"/>
+      <a:font script="Sinh" typeface="Iskoola Pota"/>
+      <a:font script="Mong" typeface="Mongolian Baiti"/>
+      <a:font script="Viet" typeface="Arial"/>
+      <a:font script="Uigh" typeface="Microsoft Uighur"/>
+      <a:font script="Geor" typeface="Sylfaen"/>
+      <a:font script="Armn" typeface="Arial"/>
+      <a:font script="Bugi" typeface="Leelawadee UI"/>
+      <a:font script="Bopo" typeface="Microsoft JhengHei"/>
+      <a:font script="Java" typeface="Javanese Text"/>
+      <a:font script="Lisu" typeface="Segoe UI"/>
+      <a:font script="Mymr" typeface="Myanmar Text"/>
+      <a:font script="Nkoo" typeface="Ebrima"/>
+      <a:font script="Olck" typeface="Nirmala UI"/>
+      <a:font script="Osma" typeface="Ebrima"/>
+      <a:font script="Phag" typeface="Phagspa"/>
+      <a:font script="Syrn" typeface="Estrangelo Edessa"/>
+      <a:font script="Syrj" typeface="Estrangelo Edessa"/>
+      <a:font script="Syre" typeface="Estrangelo Edessa"/>
+      <a:font script="Sora" typeface="Nirmala UI"/>
+      <a:font script="Tale" typeface="Microsoft Tai Le"/>
+      <a:font script="Talu" typeface="Microsoft New Tai Lue"/>
+      <a:font script="Tfng" typeface="Ebrima"/>
+    </a:minorFont>
+  </a:fontScheme>
+  <a:fmtScheme name="Office">
+    <a:fillStyleLst>
+      <a:solidFill>
+        <a:schemeClr val="phClr"/>
+      </a:solidFill>
+      <a:gradFill rotWithShape="1">
+        <a:gsLst>
+          <a:gs pos="0">
+            <a:schemeClr val="phClr">
+              <a:lumMod val="110000"/>
+              <a:satMod val="105000"/>
+              <a:tint val="67000"/>
+            </a:schemeClr>
+          </a:gs>
+          <a:gs pos="50000">
+            <a:schemeClr val="phClr">
+              <a:lumMod val="105000"/>
+              <a:satMod val="103000"/>
+              <a:tint val="73000"/>
+            </a:schemeClr>
+          </a:gs>
+          <a:gs pos="100000">
+            <a:schemeClr val="phClr">
+              <a:lumMod val="105000"/>
+              <a:satMod val="109000"/>
+              <a:tint val="81000"/>
+            </a:schemeClr>
+          </a:gs>
+        </a:gsLst>
+        <a:lin ang="5400000" scaled="0"/>
+      </a:gradFill>
+      <a:gradFill rotWithShape="1">
+        <a:gsLst>
+          <a:gs pos="0">
+            <a:schemeClr val="phClr">
+              <a:satMod val="103000"/>
+              <a:lumMod val="102000"/>
+              <a:tint val="94000"/>
+            </a:schemeClr>
+          </a:gs>
+          <a:gs pos="50000">
+            <a:schemeClr val="phClr">
+              <a:satMod val="110000"/>
+              <a:lumMod val="100000"/>
+              <a:shade val="100000"/>
+            </a:schemeClr>
+          </a:gs>
+          <a:gs pos="100000">
+            <a:schemeClr val="phClr">
+              <a:lumMod val="99000"/>
+              <a:satMod val="120000"/>
+              <a:shade val="78000"/>
+            </a:schemeClr>
+          </a:gs>
+        </a:gsLst>
+        <a:lin ang="5400000" scaled="0"/>
+      </a:gradFill>
+    </a:fillStyleLst>
+    <a:lnStyleLst>
+      <a:ln w="6350" cap="flat" cmpd="sng" algn="ctr">
+        <a:solidFill>
+          <a:schemeClr val="phClr"/>
+        </a:solidFill>
+        <a:prstDash val="solid"/>
+        <a:miter lim="800000"/>
+      </a:ln>
+      <a:ln w="12700" cap="flat" cmpd="sng" algn="ctr">
+        <a:solidFill>
+          <a:schemeClr val="phClr"/>
+        </a:solidFill>
+        <a:prstDash val="solid"/>
+        <a:miter lim="800000"/>
+      </a:ln>
+      <a:ln w="19050" cap="flat" cmpd="sng" algn="ctr">
+        <a:solidFill>
+          <a:schemeClr val="phClr"/>
+        </a:solidFill>
+        <a:prstDash val="solid"/>
+        <a:miter lim="800000"/>
+      </a:ln>
+    </a:lnStyleLst>
+    <a:effectStyleLst>
+      <a:effectStyle>
+        <a:effectLst/>
+      </a:effectStyle>
+      <a:effectStyle>
+        <a:effectLst/>
+      </a:effectStyle>
+      <a:effectStyle>
+        <a:effectLst>
+          <a:outerShdw blurRad="57150" dist="19050" dir="5400000" algn="ctr" rotWithShape="0">
+            <a:srgbClr val="000000">
+              <a:alpha val="63000"/>
+            </a:srgbClr>
+          </a:outerShdw>
+        </a:effectLst>
+      </a:effectStyle>
+    </a:effectStyleLst>
+    <a:bgFillStyleLst>
+      <a:solidFill>
+        <a:schemeClr val="phClr"/>
+      </a:solidFill>
+      <a:solidFill>
+        <a:schemeClr val="phClr">
+          <a:tint val="95000"/>
+          <a:satMod val="170000"/>
+        </a:schemeClr>
+      </a:solidFill>
+      <a:gradFill rotWithShape="1">
+        <a:gsLst>
+          <a:gs pos="0">
+            <a:schemeClr val="phClr">
+              <a:tint val="93000"/>
+              <a:satMod val="150000"/>
+              <a:shade val="98000"/>
+              <a:lumMod val="102000"/>
+            </a:schemeClr>
+          </a:gs>
+          <a:gs pos="50000">
+            <a:schemeClr val="phClr">
+              <a:tint val="98000"/>
+              <a:satMod val="130000"/>
+              <a:shade val="90000"/>
+              <a:lumMod val="103000"/>
+            </a:schemeClr>
+          </a:gs>
+          <a:gs pos="100000">
+            <a:schemeClr val="phClr">
+              <a:shade val="63000"/>
+              <a:satMod val="120000"/>
+            </a:schemeClr>
+          </a:gs>
+        </a:gsLst>
+        <a:lin ang="5400000" scaled="0"/>
+      </a:gradFill>
+    </a:bgFillStyleLst>
+  </a:fmtScheme>
+</a:themeOverride>
 </file>